--- a/Week03_Case_Extraction/Week 03.pptx
+++ b/Week03_Case_Extraction/Week 03.pptx
@@ -12,15 +12,18 @@
     <p:sldId id="264" r:id="rId6"/>
     <p:sldId id="265" r:id="rId7"/>
     <p:sldId id="262" r:id="rId8"/>
-    <p:sldId id="263" r:id="rId9"/>
-    <p:sldId id="267" r:id="rId10"/>
-    <p:sldId id="266" r:id="rId11"/>
-    <p:sldId id="269" r:id="rId12"/>
-    <p:sldId id="257" r:id="rId13"/>
-    <p:sldId id="258" r:id="rId14"/>
-    <p:sldId id="259" r:id="rId15"/>
-    <p:sldId id="270" r:id="rId16"/>
-    <p:sldId id="271" r:id="rId17"/>
+    <p:sldId id="272" r:id="rId9"/>
+    <p:sldId id="263" r:id="rId10"/>
+    <p:sldId id="267" r:id="rId11"/>
+    <p:sldId id="266" r:id="rId12"/>
+    <p:sldId id="269" r:id="rId13"/>
+    <p:sldId id="257" r:id="rId14"/>
+    <p:sldId id="258" r:id="rId15"/>
+    <p:sldId id="259" r:id="rId16"/>
+    <p:sldId id="270" r:id="rId17"/>
+    <p:sldId id="273" r:id="rId18"/>
+    <p:sldId id="271" r:id="rId19"/>
+    <p:sldId id="274" r:id="rId20"/>
   </p:sldIdLst>
   <p:sldSz cx="12192000" cy="6858000"/>
   <p:notesSz cx="6858000" cy="9144000"/>
@@ -180,10 +183,9 @@
           </a:lstStyle>
           <a:p>
             <a:r>
-              <a:rPr lang="zh-TW" altLang="en-US" smtClean="0"/>
+              <a:rPr lang="zh-TW" altLang="en-US"/>
               <a:t>按一下以編輯母片標題樣式</a:t>
             </a:r>
-            <a:endParaRPr lang="zh-TW" altLang="en-US"/>
           </a:p>
         </p:txBody>
       </p:sp>
@@ -245,10 +247,9 @@
           </a:lstStyle>
           <a:p>
             <a:r>
-              <a:rPr lang="zh-TW" altLang="en-US" smtClean="0"/>
+              <a:rPr lang="zh-TW" altLang="en-US"/>
               <a:t>按一下以編輯母片副標題樣式</a:t>
             </a:r>
-            <a:endParaRPr lang="zh-TW" altLang="en-US"/>
           </a:p>
         </p:txBody>
       </p:sp>
@@ -363,10 +364,9 @@
           <a:lstStyle/>
           <a:p>
             <a:r>
-              <a:rPr lang="zh-TW" altLang="en-US" smtClean="0"/>
+              <a:rPr lang="zh-TW" altLang="en-US"/>
               <a:t>按一下以編輯母片標題樣式</a:t>
             </a:r>
-            <a:endParaRPr lang="zh-TW" altLang="en-US"/>
           </a:p>
         </p:txBody>
       </p:sp>
@@ -387,38 +387,37 @@
           <a:p>
             <a:pPr lvl="0"/>
             <a:r>
-              <a:rPr lang="zh-TW" altLang="en-US" smtClean="0"/>
+              <a:rPr lang="zh-TW" altLang="en-US"/>
               <a:t>編輯母片文字樣式</a:t>
             </a:r>
           </a:p>
           <a:p>
             <a:pPr lvl="1"/>
             <a:r>
-              <a:rPr lang="zh-TW" altLang="en-US" smtClean="0"/>
+              <a:rPr lang="zh-TW" altLang="en-US"/>
               <a:t>第二層</a:t>
             </a:r>
           </a:p>
           <a:p>
             <a:pPr lvl="2"/>
             <a:r>
-              <a:rPr lang="zh-TW" altLang="en-US" smtClean="0"/>
+              <a:rPr lang="zh-TW" altLang="en-US"/>
               <a:t>第三層</a:t>
             </a:r>
           </a:p>
           <a:p>
             <a:pPr lvl="3"/>
             <a:r>
-              <a:rPr lang="zh-TW" altLang="en-US" smtClean="0"/>
+              <a:rPr lang="zh-TW" altLang="en-US"/>
               <a:t>第四層</a:t>
             </a:r>
           </a:p>
           <a:p>
             <a:pPr lvl="4"/>
             <a:r>
-              <a:rPr lang="zh-TW" altLang="en-US" smtClean="0"/>
+              <a:rPr lang="zh-TW" altLang="en-US"/>
               <a:t>第五層</a:t>
             </a:r>
-            <a:endParaRPr lang="zh-TW" altLang="en-US"/>
           </a:p>
         </p:txBody>
       </p:sp>
@@ -538,10 +537,9 @@
           <a:lstStyle/>
           <a:p>
             <a:r>
-              <a:rPr lang="zh-TW" altLang="en-US" smtClean="0"/>
+              <a:rPr lang="zh-TW" altLang="en-US"/>
               <a:t>按一下以編輯母片標題樣式</a:t>
             </a:r>
-            <a:endParaRPr lang="zh-TW" altLang="en-US"/>
           </a:p>
         </p:txBody>
       </p:sp>
@@ -567,38 +565,37 @@
           <a:p>
             <a:pPr lvl="0"/>
             <a:r>
-              <a:rPr lang="zh-TW" altLang="en-US" smtClean="0"/>
+              <a:rPr lang="zh-TW" altLang="en-US"/>
               <a:t>編輯母片文字樣式</a:t>
             </a:r>
           </a:p>
           <a:p>
             <a:pPr lvl="1"/>
             <a:r>
-              <a:rPr lang="zh-TW" altLang="en-US" smtClean="0"/>
+              <a:rPr lang="zh-TW" altLang="en-US"/>
               <a:t>第二層</a:t>
             </a:r>
           </a:p>
           <a:p>
             <a:pPr lvl="2"/>
             <a:r>
-              <a:rPr lang="zh-TW" altLang="en-US" smtClean="0"/>
+              <a:rPr lang="zh-TW" altLang="en-US"/>
               <a:t>第三層</a:t>
             </a:r>
           </a:p>
           <a:p>
             <a:pPr lvl="3"/>
             <a:r>
-              <a:rPr lang="zh-TW" altLang="en-US" smtClean="0"/>
+              <a:rPr lang="zh-TW" altLang="en-US"/>
               <a:t>第四層</a:t>
             </a:r>
           </a:p>
           <a:p>
             <a:pPr lvl="4"/>
             <a:r>
-              <a:rPr lang="zh-TW" altLang="en-US" smtClean="0"/>
+              <a:rPr lang="zh-TW" altLang="en-US"/>
               <a:t>第五層</a:t>
             </a:r>
-            <a:endParaRPr lang="zh-TW" altLang="en-US"/>
           </a:p>
         </p:txBody>
       </p:sp>
@@ -713,10 +710,9 @@
           <a:lstStyle/>
           <a:p>
             <a:r>
-              <a:rPr lang="zh-TW" altLang="en-US" smtClean="0"/>
+              <a:rPr lang="zh-TW" altLang="en-US"/>
               <a:t>按一下以編輯母片標題樣式</a:t>
             </a:r>
-            <a:endParaRPr lang="zh-TW" altLang="en-US"/>
           </a:p>
         </p:txBody>
       </p:sp>
@@ -737,38 +733,37 @@
           <a:p>
             <a:pPr lvl="0"/>
             <a:r>
-              <a:rPr lang="zh-TW" altLang="en-US" smtClean="0"/>
+              <a:rPr lang="zh-TW" altLang="en-US"/>
               <a:t>編輯母片文字樣式</a:t>
             </a:r>
           </a:p>
           <a:p>
             <a:pPr lvl="1"/>
             <a:r>
-              <a:rPr lang="zh-TW" altLang="en-US" smtClean="0"/>
+              <a:rPr lang="zh-TW" altLang="en-US"/>
               <a:t>第二層</a:t>
             </a:r>
           </a:p>
           <a:p>
             <a:pPr lvl="2"/>
             <a:r>
-              <a:rPr lang="zh-TW" altLang="en-US" smtClean="0"/>
+              <a:rPr lang="zh-TW" altLang="en-US"/>
               <a:t>第三層</a:t>
             </a:r>
           </a:p>
           <a:p>
             <a:pPr lvl="3"/>
             <a:r>
-              <a:rPr lang="zh-TW" altLang="en-US" smtClean="0"/>
+              <a:rPr lang="zh-TW" altLang="en-US"/>
               <a:t>第四層</a:t>
             </a:r>
           </a:p>
           <a:p>
             <a:pPr lvl="4"/>
             <a:r>
-              <a:rPr lang="zh-TW" altLang="en-US" smtClean="0"/>
+              <a:rPr lang="zh-TW" altLang="en-US"/>
               <a:t>第五層</a:t>
             </a:r>
-            <a:endParaRPr lang="zh-TW" altLang="en-US"/>
           </a:p>
         </p:txBody>
       </p:sp>
@@ -892,10 +887,9 @@
           </a:lstStyle>
           <a:p>
             <a:r>
-              <a:rPr lang="zh-TW" altLang="en-US" smtClean="0"/>
+              <a:rPr lang="zh-TW" altLang="en-US"/>
               <a:t>按一下以編輯母片標題樣式</a:t>
             </a:r>
-            <a:endParaRPr lang="zh-TW" altLang="en-US"/>
           </a:p>
         </p:txBody>
       </p:sp>
@@ -1012,7 +1006,7 @@
           <a:p>
             <a:pPr lvl="0"/>
             <a:r>
-              <a:rPr lang="zh-TW" altLang="en-US" smtClean="0"/>
+              <a:rPr lang="zh-TW" altLang="en-US"/>
               <a:t>編輯母片文字樣式</a:t>
             </a:r>
           </a:p>
@@ -1129,10 +1123,9 @@
           <a:lstStyle/>
           <a:p>
             <a:r>
-              <a:rPr lang="zh-TW" altLang="en-US" smtClean="0"/>
+              <a:rPr lang="zh-TW" altLang="en-US"/>
               <a:t>按一下以編輯母片標題樣式</a:t>
             </a:r>
-            <a:endParaRPr lang="zh-TW" altLang="en-US"/>
           </a:p>
         </p:txBody>
       </p:sp>
@@ -1158,38 +1151,37 @@
           <a:p>
             <a:pPr lvl="0"/>
             <a:r>
-              <a:rPr lang="zh-TW" altLang="en-US" smtClean="0"/>
+              <a:rPr lang="zh-TW" altLang="en-US"/>
               <a:t>編輯母片文字樣式</a:t>
             </a:r>
           </a:p>
           <a:p>
             <a:pPr lvl="1"/>
             <a:r>
-              <a:rPr lang="zh-TW" altLang="en-US" smtClean="0"/>
+              <a:rPr lang="zh-TW" altLang="en-US"/>
               <a:t>第二層</a:t>
             </a:r>
           </a:p>
           <a:p>
             <a:pPr lvl="2"/>
             <a:r>
-              <a:rPr lang="zh-TW" altLang="en-US" smtClean="0"/>
+              <a:rPr lang="zh-TW" altLang="en-US"/>
               <a:t>第三層</a:t>
             </a:r>
           </a:p>
           <a:p>
             <a:pPr lvl="3"/>
             <a:r>
-              <a:rPr lang="zh-TW" altLang="en-US" smtClean="0"/>
+              <a:rPr lang="zh-TW" altLang="en-US"/>
               <a:t>第四層</a:t>
             </a:r>
           </a:p>
           <a:p>
             <a:pPr lvl="4"/>
             <a:r>
-              <a:rPr lang="zh-TW" altLang="en-US" smtClean="0"/>
+              <a:rPr lang="zh-TW" altLang="en-US"/>
               <a:t>第五層</a:t>
             </a:r>
-            <a:endParaRPr lang="zh-TW" altLang="en-US"/>
           </a:p>
         </p:txBody>
       </p:sp>
@@ -1215,38 +1207,37 @@
           <a:p>
             <a:pPr lvl="0"/>
             <a:r>
-              <a:rPr lang="zh-TW" altLang="en-US" smtClean="0"/>
+              <a:rPr lang="zh-TW" altLang="en-US"/>
               <a:t>編輯母片文字樣式</a:t>
             </a:r>
           </a:p>
           <a:p>
             <a:pPr lvl="1"/>
             <a:r>
-              <a:rPr lang="zh-TW" altLang="en-US" smtClean="0"/>
+              <a:rPr lang="zh-TW" altLang="en-US"/>
               <a:t>第二層</a:t>
             </a:r>
           </a:p>
           <a:p>
             <a:pPr lvl="2"/>
             <a:r>
-              <a:rPr lang="zh-TW" altLang="en-US" smtClean="0"/>
+              <a:rPr lang="zh-TW" altLang="en-US"/>
               <a:t>第三層</a:t>
             </a:r>
           </a:p>
           <a:p>
             <a:pPr lvl="3"/>
             <a:r>
-              <a:rPr lang="zh-TW" altLang="en-US" smtClean="0"/>
+              <a:rPr lang="zh-TW" altLang="en-US"/>
               <a:t>第四層</a:t>
             </a:r>
           </a:p>
           <a:p>
             <a:pPr lvl="4"/>
             <a:r>
-              <a:rPr lang="zh-TW" altLang="en-US" smtClean="0"/>
+              <a:rPr lang="zh-TW" altLang="en-US"/>
               <a:t>第五層</a:t>
             </a:r>
-            <a:endParaRPr lang="zh-TW" altLang="en-US"/>
           </a:p>
         </p:txBody>
       </p:sp>
@@ -1366,10 +1357,9 @@
           <a:lstStyle/>
           <a:p>
             <a:r>
-              <a:rPr lang="zh-TW" altLang="en-US" smtClean="0"/>
+              <a:rPr lang="zh-TW" altLang="en-US"/>
               <a:t>按一下以編輯母片標題樣式</a:t>
             </a:r>
-            <a:endParaRPr lang="zh-TW" altLang="en-US"/>
           </a:p>
         </p:txBody>
       </p:sp>
@@ -1432,7 +1422,7 @@
           <a:p>
             <a:pPr lvl="0"/>
             <a:r>
-              <a:rPr lang="zh-TW" altLang="en-US" smtClean="0"/>
+              <a:rPr lang="zh-TW" altLang="en-US"/>
               <a:t>編輯母片文字樣式</a:t>
             </a:r>
           </a:p>
@@ -1460,38 +1450,37 @@
           <a:p>
             <a:pPr lvl="0"/>
             <a:r>
-              <a:rPr lang="zh-TW" altLang="en-US" smtClean="0"/>
+              <a:rPr lang="zh-TW" altLang="en-US"/>
               <a:t>編輯母片文字樣式</a:t>
             </a:r>
           </a:p>
           <a:p>
             <a:pPr lvl="1"/>
             <a:r>
-              <a:rPr lang="zh-TW" altLang="en-US" smtClean="0"/>
+              <a:rPr lang="zh-TW" altLang="en-US"/>
               <a:t>第二層</a:t>
             </a:r>
           </a:p>
           <a:p>
             <a:pPr lvl="2"/>
             <a:r>
-              <a:rPr lang="zh-TW" altLang="en-US" smtClean="0"/>
+              <a:rPr lang="zh-TW" altLang="en-US"/>
               <a:t>第三層</a:t>
             </a:r>
           </a:p>
           <a:p>
             <a:pPr lvl="3"/>
             <a:r>
-              <a:rPr lang="zh-TW" altLang="en-US" smtClean="0"/>
+              <a:rPr lang="zh-TW" altLang="en-US"/>
               <a:t>第四層</a:t>
             </a:r>
           </a:p>
           <a:p>
             <a:pPr lvl="4"/>
             <a:r>
-              <a:rPr lang="zh-TW" altLang="en-US" smtClean="0"/>
+              <a:rPr lang="zh-TW" altLang="en-US"/>
               <a:t>第五層</a:t>
             </a:r>
-            <a:endParaRPr lang="zh-TW" altLang="en-US"/>
           </a:p>
         </p:txBody>
       </p:sp>
@@ -1554,7 +1543,7 @@
           <a:p>
             <a:pPr lvl="0"/>
             <a:r>
-              <a:rPr lang="zh-TW" altLang="en-US" smtClean="0"/>
+              <a:rPr lang="zh-TW" altLang="en-US"/>
               <a:t>編輯母片文字樣式</a:t>
             </a:r>
           </a:p>
@@ -1582,38 +1571,37 @@
           <a:p>
             <a:pPr lvl="0"/>
             <a:r>
-              <a:rPr lang="zh-TW" altLang="en-US" smtClean="0"/>
+              <a:rPr lang="zh-TW" altLang="en-US"/>
               <a:t>編輯母片文字樣式</a:t>
             </a:r>
           </a:p>
           <a:p>
             <a:pPr lvl="1"/>
             <a:r>
-              <a:rPr lang="zh-TW" altLang="en-US" smtClean="0"/>
+              <a:rPr lang="zh-TW" altLang="en-US"/>
               <a:t>第二層</a:t>
             </a:r>
           </a:p>
           <a:p>
             <a:pPr lvl="2"/>
             <a:r>
-              <a:rPr lang="zh-TW" altLang="en-US" smtClean="0"/>
+              <a:rPr lang="zh-TW" altLang="en-US"/>
               <a:t>第三層</a:t>
             </a:r>
           </a:p>
           <a:p>
             <a:pPr lvl="3"/>
             <a:r>
-              <a:rPr lang="zh-TW" altLang="en-US" smtClean="0"/>
+              <a:rPr lang="zh-TW" altLang="en-US"/>
               <a:t>第四層</a:t>
             </a:r>
           </a:p>
           <a:p>
             <a:pPr lvl="4"/>
             <a:r>
-              <a:rPr lang="zh-TW" altLang="en-US" smtClean="0"/>
+              <a:rPr lang="zh-TW" altLang="en-US"/>
               <a:t>第五層</a:t>
             </a:r>
-            <a:endParaRPr lang="zh-TW" altLang="en-US"/>
           </a:p>
         </p:txBody>
       </p:sp>
@@ -1728,10 +1716,9 @@
           <a:lstStyle/>
           <a:p>
             <a:r>
-              <a:rPr lang="zh-TW" altLang="en-US" smtClean="0"/>
+              <a:rPr lang="zh-TW" altLang="en-US"/>
               <a:t>按一下以編輯母片標題樣式</a:t>
             </a:r>
-            <a:endParaRPr lang="zh-TW" altLang="en-US"/>
           </a:p>
         </p:txBody>
       </p:sp>
@@ -1950,10 +1937,9 @@
           </a:lstStyle>
           <a:p>
             <a:r>
-              <a:rPr lang="zh-TW" altLang="en-US" smtClean="0"/>
+              <a:rPr lang="zh-TW" altLang="en-US"/>
               <a:t>按一下以編輯母片標題樣式</a:t>
             </a:r>
-            <a:endParaRPr lang="zh-TW" altLang="en-US"/>
           </a:p>
         </p:txBody>
       </p:sp>
@@ -2007,38 +1993,37 @@
           <a:p>
             <a:pPr lvl="0"/>
             <a:r>
-              <a:rPr lang="zh-TW" altLang="en-US" smtClean="0"/>
+              <a:rPr lang="zh-TW" altLang="en-US"/>
               <a:t>編輯母片文字樣式</a:t>
             </a:r>
           </a:p>
           <a:p>
             <a:pPr lvl="1"/>
             <a:r>
-              <a:rPr lang="zh-TW" altLang="en-US" smtClean="0"/>
+              <a:rPr lang="zh-TW" altLang="en-US"/>
               <a:t>第二層</a:t>
             </a:r>
           </a:p>
           <a:p>
             <a:pPr lvl="2"/>
             <a:r>
-              <a:rPr lang="zh-TW" altLang="en-US" smtClean="0"/>
+              <a:rPr lang="zh-TW" altLang="en-US"/>
               <a:t>第三層</a:t>
             </a:r>
           </a:p>
           <a:p>
             <a:pPr lvl="3"/>
             <a:r>
-              <a:rPr lang="zh-TW" altLang="en-US" smtClean="0"/>
+              <a:rPr lang="zh-TW" altLang="en-US"/>
               <a:t>第四層</a:t>
             </a:r>
           </a:p>
           <a:p>
             <a:pPr lvl="4"/>
             <a:r>
-              <a:rPr lang="zh-TW" altLang="en-US" smtClean="0"/>
+              <a:rPr lang="zh-TW" altLang="en-US"/>
               <a:t>第五層</a:t>
             </a:r>
-            <a:endParaRPr lang="zh-TW" altLang="en-US"/>
           </a:p>
         </p:txBody>
       </p:sp>
@@ -2101,7 +2086,7 @@
           <a:p>
             <a:pPr lvl="0"/>
             <a:r>
-              <a:rPr lang="zh-TW" altLang="en-US" smtClean="0"/>
+              <a:rPr lang="zh-TW" altLang="en-US"/>
               <a:t>編輯母片文字樣式</a:t>
             </a:r>
           </a:p>
@@ -2227,10 +2212,9 @@
           </a:lstStyle>
           <a:p>
             <a:r>
-              <a:rPr lang="zh-TW" altLang="en-US" smtClean="0"/>
+              <a:rPr lang="zh-TW" altLang="en-US"/>
               <a:t>按一下以編輯母片標題樣式</a:t>
             </a:r>
-            <a:endParaRPr lang="zh-TW" altLang="en-US"/>
           </a:p>
         </p:txBody>
       </p:sp>
@@ -2354,7 +2338,7 @@
           <a:p>
             <a:pPr lvl="0"/>
             <a:r>
-              <a:rPr lang="zh-TW" altLang="en-US" smtClean="0"/>
+              <a:rPr lang="zh-TW" altLang="en-US"/>
               <a:t>編輯母片文字樣式</a:t>
             </a:r>
           </a:p>
@@ -2486,10 +2470,9 @@
           <a:lstStyle/>
           <a:p>
             <a:r>
-              <a:rPr lang="zh-TW" altLang="en-US" smtClean="0"/>
+              <a:rPr lang="zh-TW" altLang="en-US"/>
               <a:t>按一下以編輯母片標題樣式</a:t>
             </a:r>
-            <a:endParaRPr lang="zh-TW" altLang="en-US"/>
           </a:p>
         </p:txBody>
       </p:sp>
@@ -2520,38 +2503,37 @@
           <a:p>
             <a:pPr lvl="0"/>
             <a:r>
-              <a:rPr lang="zh-TW" altLang="en-US" smtClean="0"/>
+              <a:rPr lang="zh-TW" altLang="en-US"/>
               <a:t>編輯母片文字樣式</a:t>
             </a:r>
           </a:p>
           <a:p>
             <a:pPr lvl="1"/>
             <a:r>
-              <a:rPr lang="zh-TW" altLang="en-US" smtClean="0"/>
+              <a:rPr lang="zh-TW" altLang="en-US"/>
               <a:t>第二層</a:t>
             </a:r>
           </a:p>
           <a:p>
             <a:pPr lvl="2"/>
             <a:r>
-              <a:rPr lang="zh-TW" altLang="en-US" smtClean="0"/>
+              <a:rPr lang="zh-TW" altLang="en-US"/>
               <a:t>第三層</a:t>
             </a:r>
           </a:p>
           <a:p>
             <a:pPr lvl="3"/>
             <a:r>
-              <a:rPr lang="zh-TW" altLang="en-US" smtClean="0"/>
+              <a:rPr lang="zh-TW" altLang="en-US"/>
               <a:t>第四層</a:t>
             </a:r>
           </a:p>
           <a:p>
             <a:pPr lvl="4"/>
             <a:r>
-              <a:rPr lang="zh-TW" altLang="en-US" smtClean="0"/>
+              <a:rPr lang="zh-TW" altLang="en-US"/>
               <a:t>第五層</a:t>
             </a:r>
-            <a:endParaRPr lang="zh-TW" altLang="en-US"/>
           </a:p>
         </p:txBody>
       </p:sp>
@@ -3011,7 +2993,7 @@
           <a:lstStyle/>
           <a:p>
             <a:r>
-              <a:rPr lang="en-US" altLang="zh-TW" dirty="0" smtClean="0">
+              <a:rPr lang="en-US" altLang="zh-TW" dirty="0">
                 <a:latin typeface="Arial Black" panose="020B0A04020102020204" pitchFamily="34" charset="0"/>
               </a:rPr>
               <a:t>Week 03</a:t>
@@ -3051,17 +3033,365 @@
   <p:clrMapOvr>
     <a:masterClrMapping/>
   </p:clrMapOvr>
-  <p:timing>
-    <p:tnLst>
-      <p:par>
-        <p:cTn id="1" dur="indefinite" restart="never" nodeType="tmRoot"/>
-      </p:par>
-    </p:tnLst>
-  </p:timing>
 </p:sld>
 </file>
 
 <file path=ppt/slides/slide10.xml><?xml version="1.0" encoding="utf-8"?>
+<p:sld xmlns:a="http://schemas.openxmlformats.org/drawingml/2006/main" xmlns:r="http://schemas.openxmlformats.org/officeDocument/2006/relationships" xmlns:p="http://schemas.openxmlformats.org/presentationml/2006/main">
+  <p:cSld>
+    <p:spTree>
+      <p:nvGrpSpPr>
+        <p:cNvPr id="1" name=""/>
+        <p:cNvGrpSpPr/>
+        <p:nvPr/>
+      </p:nvGrpSpPr>
+      <p:grpSpPr>
+        <a:xfrm>
+          <a:off x="0" y="0"/>
+          <a:ext cx="0" cy="0"/>
+          <a:chOff x="0" y="0"/>
+          <a:chExt cx="0" cy="0"/>
+        </a:xfrm>
+      </p:grpSpPr>
+      <p:sp>
+        <p:nvSpPr>
+          <p:cNvPr id="2" name="文字方塊 1"/>
+          <p:cNvSpPr txBox="1"/>
+          <p:nvPr/>
+        </p:nvSpPr>
+        <p:spPr>
+          <a:xfrm>
+            <a:off x="3149138" y="594635"/>
+            <a:ext cx="5694218" cy="830997"/>
+          </a:xfrm>
+          <a:prstGeom prst="rect">
+            <a:avLst/>
+          </a:prstGeom>
+          <a:noFill/>
+        </p:spPr>
+        <p:txBody>
+          <a:bodyPr wrap="square" rtlCol="0">
+            <a:spAutoFit/>
+          </a:bodyPr>
+          <a:lstStyle/>
+          <a:p>
+            <a:r>
+              <a:rPr lang="zh-TW" altLang="en-US" sz="4800" b="1" dirty="0">
+                <a:solidFill>
+                  <a:srgbClr val="FF0000"/>
+                </a:solidFill>
+                <a:latin typeface="標楷體" panose="03000509000000000000" pitchFamily="65" charset="-120"/>
+                <a:ea typeface="標楷體" panose="03000509000000000000" pitchFamily="65" charset="-120"/>
+              </a:rPr>
+              <a:t>小明</a:t>
+            </a:r>
+            <a:r>
+              <a:rPr lang="zh-TW" altLang="en-US" sz="4800" b="1" dirty="0">
+                <a:latin typeface="標楷體" panose="03000509000000000000" pitchFamily="65" charset="-120"/>
+                <a:ea typeface="標楷體" panose="03000509000000000000" pitchFamily="65" charset="-120"/>
+              </a:rPr>
+              <a:t>把</a:t>
+            </a:r>
+            <a:r>
+              <a:rPr lang="zh-TW" altLang="en-US" sz="4800" b="1" dirty="0">
+                <a:solidFill>
+                  <a:srgbClr val="00B050"/>
+                </a:solidFill>
+                <a:latin typeface="標楷體" panose="03000509000000000000" pitchFamily="65" charset="-120"/>
+                <a:ea typeface="標楷體" panose="03000509000000000000" pitchFamily="65" charset="-120"/>
+              </a:rPr>
+              <a:t>蘋果</a:t>
+            </a:r>
+            <a:r>
+              <a:rPr lang="zh-TW" altLang="en-US" sz="4800" b="1" dirty="0">
+                <a:latin typeface="標楷體" panose="03000509000000000000" pitchFamily="65" charset="-120"/>
+                <a:ea typeface="標楷體" panose="03000509000000000000" pitchFamily="65" charset="-120"/>
+              </a:rPr>
+              <a:t>給了</a:t>
+            </a:r>
+            <a:r>
+              <a:rPr lang="zh-TW" altLang="en-US" sz="4800" b="1" dirty="0">
+                <a:solidFill>
+                  <a:srgbClr val="00B0F0"/>
+                </a:solidFill>
+                <a:latin typeface="標楷體" panose="03000509000000000000" pitchFamily="65" charset="-120"/>
+                <a:ea typeface="標楷體" panose="03000509000000000000" pitchFamily="65" charset="-120"/>
+              </a:rPr>
+              <a:t>小弟</a:t>
+            </a:r>
+          </a:p>
+        </p:txBody>
+      </p:sp>
+      <p:sp>
+        <p:nvSpPr>
+          <p:cNvPr id="5" name="文字方塊 4"/>
+          <p:cNvSpPr txBox="1"/>
+          <p:nvPr/>
+        </p:nvSpPr>
+        <p:spPr>
+          <a:xfrm>
+            <a:off x="2674619" y="2256629"/>
+            <a:ext cx="6643255" cy="830997"/>
+          </a:xfrm>
+          <a:prstGeom prst="rect">
+            <a:avLst/>
+          </a:prstGeom>
+          <a:noFill/>
+        </p:spPr>
+        <p:txBody>
+          <a:bodyPr wrap="square" rtlCol="0">
+            <a:spAutoFit/>
+          </a:bodyPr>
+          <a:lstStyle/>
+          <a:p>
+            <a:r>
+              <a:rPr lang="zh-TW" altLang="en-US" sz="4800" b="1" dirty="0">
+                <a:latin typeface="標楷體" panose="03000509000000000000" pitchFamily="65" charset="-120"/>
+                <a:ea typeface="標楷體" panose="03000509000000000000" pitchFamily="65" charset="-120"/>
+              </a:rPr>
+              <a:t>小明把蘋果</a:t>
+            </a:r>
+            <a:r>
+              <a:rPr lang="zh-TW" altLang="en-US" sz="4800" b="1" dirty="0">
+                <a:solidFill>
+                  <a:srgbClr val="FF0000"/>
+                </a:solidFill>
+                <a:latin typeface="標楷體" panose="03000509000000000000" pitchFamily="65" charset="-120"/>
+                <a:ea typeface="標楷體" panose="03000509000000000000" pitchFamily="65" charset="-120"/>
+              </a:rPr>
+              <a:t>給</a:t>
+            </a:r>
+            <a:r>
+              <a:rPr lang="en-US" altLang="zh-TW" sz="4800" dirty="0">
+                <a:solidFill>
+                  <a:srgbClr val="FF0000"/>
+                </a:solidFill>
+                <a:latin typeface="Arial Black" panose="020B0A04020102020204" pitchFamily="34" charset="0"/>
+                <a:ea typeface="標楷體" panose="03000509000000000000" pitchFamily="65" charset="-120"/>
+              </a:rPr>
+              <a:t>(v)</a:t>
+            </a:r>
+            <a:r>
+              <a:rPr lang="zh-TW" altLang="en-US" sz="4800" b="1" dirty="0">
+                <a:latin typeface="標楷體" panose="03000509000000000000" pitchFamily="65" charset="-120"/>
+                <a:ea typeface="標楷體" panose="03000509000000000000" pitchFamily="65" charset="-120"/>
+              </a:rPr>
+              <a:t>了小弟</a:t>
+            </a:r>
+          </a:p>
+        </p:txBody>
+      </p:sp>
+      <p:sp>
+        <p:nvSpPr>
+          <p:cNvPr id="6" name="文字方塊 5"/>
+          <p:cNvSpPr txBox="1"/>
+          <p:nvPr/>
+        </p:nvSpPr>
+        <p:spPr>
+          <a:xfrm>
+            <a:off x="1753292" y="1425632"/>
+            <a:ext cx="8286404" cy="830997"/>
+          </a:xfrm>
+          <a:prstGeom prst="rect">
+            <a:avLst/>
+          </a:prstGeom>
+          <a:noFill/>
+        </p:spPr>
+        <p:txBody>
+          <a:bodyPr wrap="square" rtlCol="0">
+            <a:spAutoFit/>
+          </a:bodyPr>
+          <a:lstStyle/>
+          <a:p>
+            <a:r>
+              <a:rPr lang="zh-TW" altLang="en-US" sz="4800" b="1" dirty="0">
+                <a:solidFill>
+                  <a:srgbClr val="FF0000"/>
+                </a:solidFill>
+                <a:latin typeface="標楷體" panose="03000509000000000000" pitchFamily="65" charset="-120"/>
+                <a:ea typeface="標楷體" panose="03000509000000000000" pitchFamily="65" charset="-120"/>
+              </a:rPr>
+              <a:t>小明</a:t>
+            </a:r>
+            <a:r>
+              <a:rPr lang="en-US" altLang="zh-TW" sz="4800" dirty="0">
+                <a:solidFill>
+                  <a:srgbClr val="FF0000"/>
+                </a:solidFill>
+                <a:latin typeface="Arial Black" panose="020B0A04020102020204" pitchFamily="34" charset="0"/>
+                <a:ea typeface="標楷體" panose="03000509000000000000" pitchFamily="65" charset="-120"/>
+              </a:rPr>
+              <a:t>(n)</a:t>
+            </a:r>
+            <a:r>
+              <a:rPr lang="zh-TW" altLang="en-US" sz="4800" b="1" dirty="0">
+                <a:latin typeface="標楷體" panose="03000509000000000000" pitchFamily="65" charset="-120"/>
+                <a:ea typeface="標楷體" panose="03000509000000000000" pitchFamily="65" charset="-120"/>
+              </a:rPr>
+              <a:t>把</a:t>
+            </a:r>
+            <a:r>
+              <a:rPr lang="zh-TW" altLang="en-US" sz="4800" b="1" dirty="0">
+                <a:solidFill>
+                  <a:srgbClr val="00B050"/>
+                </a:solidFill>
+                <a:latin typeface="標楷體" panose="03000509000000000000" pitchFamily="65" charset="-120"/>
+                <a:ea typeface="標楷體" panose="03000509000000000000" pitchFamily="65" charset="-120"/>
+              </a:rPr>
+              <a:t>蘋果</a:t>
+            </a:r>
+            <a:r>
+              <a:rPr lang="en-US" altLang="zh-TW" sz="4800" dirty="0">
+                <a:solidFill>
+                  <a:srgbClr val="00B050"/>
+                </a:solidFill>
+                <a:latin typeface="Arial Black" panose="020B0A04020102020204" pitchFamily="34" charset="0"/>
+                <a:ea typeface="標楷體" panose="03000509000000000000" pitchFamily="65" charset="-120"/>
+              </a:rPr>
+              <a:t>(n)</a:t>
+            </a:r>
+            <a:r>
+              <a:rPr lang="zh-TW" altLang="en-US" sz="4800" b="1" dirty="0">
+                <a:latin typeface="標楷體" panose="03000509000000000000" pitchFamily="65" charset="-120"/>
+                <a:ea typeface="標楷體" panose="03000509000000000000" pitchFamily="65" charset="-120"/>
+              </a:rPr>
+              <a:t>給了</a:t>
+            </a:r>
+            <a:r>
+              <a:rPr lang="zh-TW" altLang="en-US" sz="4800" b="1" dirty="0">
+                <a:solidFill>
+                  <a:srgbClr val="00B0F0"/>
+                </a:solidFill>
+                <a:latin typeface="標楷體" panose="03000509000000000000" pitchFamily="65" charset="-120"/>
+                <a:ea typeface="標楷體" panose="03000509000000000000" pitchFamily="65" charset="-120"/>
+              </a:rPr>
+              <a:t>小弟</a:t>
+            </a:r>
+            <a:r>
+              <a:rPr lang="en-US" altLang="zh-TW" sz="4800" dirty="0">
+                <a:solidFill>
+                  <a:srgbClr val="00B0F0"/>
+                </a:solidFill>
+                <a:latin typeface="Arial Black" panose="020B0A04020102020204" pitchFamily="34" charset="0"/>
+                <a:ea typeface="標楷體" panose="03000509000000000000" pitchFamily="65" charset="-120"/>
+              </a:rPr>
+              <a:t>(n)</a:t>
+            </a:r>
+            <a:endParaRPr lang="zh-TW" altLang="en-US" sz="4800" dirty="0">
+              <a:solidFill>
+                <a:srgbClr val="00B0F0"/>
+              </a:solidFill>
+              <a:latin typeface="Arial Black" panose="020B0A04020102020204" pitchFamily="34" charset="0"/>
+              <a:ea typeface="標楷體" panose="03000509000000000000" pitchFamily="65" charset="-120"/>
+            </a:endParaRPr>
+          </a:p>
+        </p:txBody>
+      </p:sp>
+      <p:sp>
+        <p:nvSpPr>
+          <p:cNvPr id="4" name="矩形 3"/>
+          <p:cNvSpPr/>
+          <p:nvPr/>
+        </p:nvSpPr>
+        <p:spPr>
+          <a:xfrm>
+            <a:off x="0" y="0"/>
+            <a:ext cx="12192000" cy="6858000"/>
+          </a:xfrm>
+          <a:prstGeom prst="rect">
+            <a:avLst/>
+          </a:prstGeom>
+          <a:solidFill>
+            <a:schemeClr val="tx1">
+              <a:alpha val="90000"/>
+            </a:schemeClr>
+          </a:solidFill>
+          <a:ln>
+            <a:solidFill>
+              <a:schemeClr val="tx1"/>
+            </a:solidFill>
+          </a:ln>
+        </p:spPr>
+        <p:style>
+          <a:lnRef idx="2">
+            <a:schemeClr val="accent1">
+              <a:shade val="50000"/>
+            </a:schemeClr>
+          </a:lnRef>
+          <a:fillRef idx="1">
+            <a:schemeClr val="accent1"/>
+          </a:fillRef>
+          <a:effectRef idx="0">
+            <a:schemeClr val="accent1"/>
+          </a:effectRef>
+          <a:fontRef idx="minor">
+            <a:schemeClr val="lt1"/>
+          </a:fontRef>
+        </p:style>
+        <p:txBody>
+          <a:bodyPr rtlCol="0" anchor="ctr"/>
+          <a:lstStyle/>
+          <a:p>
+            <a:pPr algn="ctr"/>
+            <a:endParaRPr lang="zh-TW" altLang="en-US"/>
+          </a:p>
+        </p:txBody>
+      </p:sp>
+      <p:sp>
+        <p:nvSpPr>
+          <p:cNvPr id="7" name="文字方塊 6"/>
+          <p:cNvSpPr txBox="1"/>
+          <p:nvPr/>
+        </p:nvSpPr>
+        <p:spPr>
+          <a:xfrm>
+            <a:off x="3754522" y="2672127"/>
+            <a:ext cx="5088834" cy="1569660"/>
+          </a:xfrm>
+          <a:prstGeom prst="rect">
+            <a:avLst/>
+          </a:prstGeom>
+          <a:noFill/>
+        </p:spPr>
+        <p:txBody>
+          <a:bodyPr wrap="square" rtlCol="0">
+            <a:spAutoFit/>
+          </a:bodyPr>
+          <a:lstStyle/>
+          <a:p>
+            <a:pPr algn="ctr"/>
+            <a:r>
+              <a:rPr lang="en-US" altLang="zh-TW" sz="9600" b="1" dirty="0">
+                <a:solidFill>
+                  <a:srgbClr val="FF0000"/>
+                </a:solidFill>
+                <a:latin typeface="Arial Black" panose="020B0A04020102020204" pitchFamily="34" charset="0"/>
+              </a:rPr>
+              <a:t>HOW ?</a:t>
+            </a:r>
+            <a:endParaRPr lang="zh-TW" altLang="en-US" sz="9600" b="1" dirty="0">
+              <a:solidFill>
+                <a:srgbClr val="FF0000"/>
+              </a:solidFill>
+              <a:latin typeface="Arial Black" panose="020B0A04020102020204" pitchFamily="34" charset="0"/>
+            </a:endParaRPr>
+          </a:p>
+        </p:txBody>
+      </p:sp>
+    </p:spTree>
+    <p:extLst>
+      <p:ext uri="{BB962C8B-B14F-4D97-AF65-F5344CB8AC3E}">
+        <p14:creationId xmlns:p14="http://schemas.microsoft.com/office/powerpoint/2010/main" val="3744414516"/>
+      </p:ext>
+    </p:extLst>
+  </p:cSld>
+  <p:clrMapOvr>
+    <a:masterClrMapping/>
+  </p:clrMapOvr>
+</p:sld>
+</file>
+
+<file path=ppt/slides/slide11.xml><?xml version="1.0" encoding="utf-8"?>
 <p:sld xmlns:a="http://schemas.openxmlformats.org/drawingml/2006/main" xmlns:r="http://schemas.openxmlformats.org/officeDocument/2006/relationships" xmlns:p="http://schemas.openxmlformats.org/presentationml/2006/main">
   <p:cSld>
     <p:spTree>
@@ -3179,17 +3509,10 @@
   <p:clrMapOvr>
     <a:masterClrMapping/>
   </p:clrMapOvr>
-  <p:timing>
-    <p:tnLst>
-      <p:par>
-        <p:cTn id="1" dur="indefinite" restart="never" nodeType="tmRoot"/>
-      </p:par>
-    </p:tnLst>
-  </p:timing>
 </p:sld>
 </file>
 
-<file path=ppt/slides/slide11.xml><?xml version="1.0" encoding="utf-8"?>
+<file path=ppt/slides/slide12.xml><?xml version="1.0" encoding="utf-8"?>
 <p:sld xmlns:a="http://schemas.openxmlformats.org/drawingml/2006/main" xmlns:r="http://schemas.openxmlformats.org/officeDocument/2006/relationships" xmlns:p="http://schemas.openxmlformats.org/presentationml/2006/main">
   <p:cSld>
     <p:spTree>
@@ -3222,7 +3545,7 @@
           <a:lstStyle/>
           <a:p>
             <a:r>
-              <a:rPr lang="en-US" altLang="zh-TW" dirty="0" smtClean="0">
+              <a:rPr lang="en-US" altLang="zh-TW" dirty="0">
                 <a:latin typeface="Arial Black" panose="020B0A04020102020204" pitchFamily="34" charset="0"/>
               </a:rPr>
               <a:t>Hands-On</a:t>
@@ -3249,7 +3572,7 @@
           <a:lstStyle/>
           <a:p>
             <a:r>
-              <a:rPr lang="en-US" altLang="zh-TW" b="1" dirty="0" smtClean="0">
+              <a:rPr lang="en-US" altLang="zh-TW" b="1" dirty="0">
                 <a:solidFill>
                   <a:srgbClr val="FF0000"/>
                 </a:solidFill>
@@ -3257,35 +3580,27 @@
               <a:t>3 People</a:t>
             </a:r>
             <a:r>
-              <a:rPr lang="en-US" altLang="zh-TW" b="1" dirty="0" smtClean="0"/>
+              <a:rPr lang="en-US" altLang="zh-TW" b="1" dirty="0"/>
               <a:t>/ Team</a:t>
             </a:r>
           </a:p>
           <a:p>
             <a:r>
-              <a:rPr lang="en-US" altLang="zh-TW" b="1" dirty="0" smtClean="0">
+              <a:rPr lang="en-US" altLang="zh-TW" b="1" dirty="0">
                 <a:solidFill>
                   <a:srgbClr val="FF0000"/>
                 </a:solidFill>
               </a:rPr>
-              <a:t>1 </a:t>
-            </a:r>
-            <a:r>
-              <a:rPr lang="en-US" altLang="zh-TW" b="1" dirty="0" smtClean="0">
-                <a:solidFill>
-                  <a:srgbClr val="FF0000"/>
-                </a:solidFill>
-              </a:rPr>
-              <a:t>Function/People</a:t>
-            </a:r>
-          </a:p>
-          <a:p>
-            <a:r>
-              <a:rPr lang="en-US" altLang="zh-TW" b="1" dirty="0" smtClean="0"/>
+              <a:t>1 Function/People</a:t>
+            </a:r>
+          </a:p>
+          <a:p>
+            <a:r>
+              <a:rPr lang="en-US" altLang="zh-TW" b="1" dirty="0"/>
               <a:t>Collaborate using </a:t>
             </a:r>
             <a:r>
-              <a:rPr lang="en-US" altLang="zh-TW" b="1" dirty="0" err="1" smtClean="0">
+              <a:rPr lang="en-US" altLang="zh-TW" b="1" dirty="0" err="1">
                 <a:solidFill>
                   <a:srgbClr val="FF0000"/>
                 </a:solidFill>
@@ -3310,17 +3625,10 @@
   <p:clrMapOvr>
     <a:masterClrMapping/>
   </p:clrMapOvr>
-  <p:timing>
-    <p:tnLst>
-      <p:par>
-        <p:cTn id="1" dur="indefinite" restart="never" nodeType="tmRoot"/>
-      </p:par>
-    </p:tnLst>
-  </p:timing>
 </p:sld>
 </file>
 
-<file path=ppt/slides/slide12.xml><?xml version="1.0" encoding="utf-8"?>
+<file path=ppt/slides/slide13.xml><?xml version="1.0" encoding="utf-8"?>
 <p:sld xmlns:a="http://schemas.openxmlformats.org/drawingml/2006/main" xmlns:r="http://schemas.openxmlformats.org/officeDocument/2006/relationships" xmlns:p="http://schemas.openxmlformats.org/presentationml/2006/main">
   <p:cSld>
     <p:spTree>
@@ -3371,17 +3679,10 @@
   <p:clrMapOvr>
     <a:masterClrMapping/>
   </p:clrMapOvr>
-  <p:timing>
-    <p:tnLst>
-      <p:par>
-        <p:cTn id="1" dur="indefinite" restart="never" nodeType="tmRoot"/>
-      </p:par>
-    </p:tnLst>
-  </p:timing>
 </p:sld>
 </file>
 
-<file path=ppt/slides/slide13.xml><?xml version="1.0" encoding="utf-8"?>
+<file path=ppt/slides/slide14.xml><?xml version="1.0" encoding="utf-8"?>
 <p:sld xmlns:a="http://schemas.openxmlformats.org/drawingml/2006/main" xmlns:r="http://schemas.openxmlformats.org/officeDocument/2006/relationships" xmlns:p="http://schemas.openxmlformats.org/presentationml/2006/main">
   <p:cSld>
     <p:spTree>
@@ -3530,17 +3831,10 @@
   <p:clrMapOvr>
     <a:masterClrMapping/>
   </p:clrMapOvr>
-  <p:timing>
-    <p:tnLst>
-      <p:par>
-        <p:cTn id="1" dur="indefinite" restart="never" nodeType="tmRoot"/>
-      </p:par>
-    </p:tnLst>
-  </p:timing>
 </p:sld>
 </file>
 
-<file path=ppt/slides/slide14.xml><?xml version="1.0" encoding="utf-8"?>
+<file path=ppt/slides/slide15.xml><?xml version="1.0" encoding="utf-8"?>
 <p:sld xmlns:a="http://schemas.openxmlformats.org/drawingml/2006/main" xmlns:r="http://schemas.openxmlformats.org/officeDocument/2006/relationships" xmlns:p="http://schemas.openxmlformats.org/presentationml/2006/main">
   <p:cSld>
     <p:spTree>
@@ -3591,267 +3885,6 @@
   <p:clrMapOvr>
     <a:masterClrMapping/>
   </p:clrMapOvr>
-  <p:timing>
-    <p:tnLst>
-      <p:par>
-        <p:cTn id="1" dur="indefinite" restart="never" nodeType="tmRoot"/>
-      </p:par>
-    </p:tnLst>
-  </p:timing>
-</p:sld>
-</file>
-
-<file path=ppt/slides/slide15.xml><?xml version="1.0" encoding="utf-8"?>
-<p:sld xmlns:a="http://schemas.openxmlformats.org/drawingml/2006/main" xmlns:r="http://schemas.openxmlformats.org/officeDocument/2006/relationships" xmlns:p="http://schemas.openxmlformats.org/presentationml/2006/main">
-  <p:cSld>
-    <p:spTree>
-      <p:nvGrpSpPr>
-        <p:cNvPr id="1" name=""/>
-        <p:cNvGrpSpPr/>
-        <p:nvPr/>
-      </p:nvGrpSpPr>
-      <p:grpSpPr>
-        <a:xfrm>
-          <a:off x="0" y="0"/>
-          <a:ext cx="0" cy="0"/>
-          <a:chOff x="0" y="0"/>
-          <a:chExt cx="0" cy="0"/>
-        </a:xfrm>
-      </p:grpSpPr>
-      <p:sp>
-        <p:nvSpPr>
-          <p:cNvPr id="2" name="文字方塊 1"/>
-          <p:cNvSpPr txBox="1"/>
-          <p:nvPr/>
-        </p:nvSpPr>
-        <p:spPr>
-          <a:xfrm>
-            <a:off x="2612572" y="1763485"/>
-            <a:ext cx="12204441" cy="3108543"/>
-          </a:xfrm>
-          <a:prstGeom prst="rect">
-            <a:avLst/>
-          </a:prstGeom>
-          <a:noFill/>
-        </p:spPr>
-        <p:txBody>
-          <a:bodyPr wrap="square" rtlCol="0">
-            <a:spAutoFit/>
-          </a:bodyPr>
-          <a:lstStyle/>
-          <a:p>
-            <a:r>
-              <a:rPr lang="en-US" altLang="zh-TW" sz="2800" dirty="0" err="1" smtClean="0">
-                <a:latin typeface="Arial Black" panose="020B0A04020102020204" pitchFamily="34" charset="0"/>
-              </a:rPr>
-              <a:t>inputSTR</a:t>
-            </a:r>
-            <a:r>
-              <a:rPr lang="en-US" altLang="zh-TW" sz="2800" dirty="0" smtClean="0">
-                <a:latin typeface="Arial Black" panose="020B0A04020102020204" pitchFamily="34" charset="0"/>
-              </a:rPr>
-              <a:t> = “</a:t>
-            </a:r>
-            <a:r>
-              <a:rPr lang="ja-JP" altLang="en-US" sz="2800" b="1" dirty="0">
-                <a:solidFill>
-                  <a:srgbClr val="FF0000"/>
-                </a:solidFill>
-                <a:latin typeface="Arial Black" panose="020B0A04020102020204" pitchFamily="34" charset="0"/>
-              </a:rPr>
-              <a:t>私</a:t>
-            </a:r>
-            <a:r>
-              <a:rPr lang="ja-JP" altLang="en-US" sz="2800" b="1" dirty="0">
-                <a:latin typeface="Arial Black" panose="020B0A04020102020204" pitchFamily="34" charset="0"/>
-              </a:rPr>
-              <a:t>は</a:t>
-            </a:r>
-            <a:r>
-              <a:rPr lang="ja-JP" altLang="en-US" sz="2800" b="1" dirty="0">
-                <a:solidFill>
-                  <a:srgbClr val="FF0000"/>
-                </a:solidFill>
-                <a:latin typeface="Arial Black" panose="020B0A04020102020204" pitchFamily="34" charset="0"/>
-              </a:rPr>
-              <a:t>ラーメン</a:t>
-            </a:r>
-            <a:r>
-              <a:rPr lang="ja-JP" altLang="en-US" sz="2800" b="1" dirty="0">
-                <a:latin typeface="Arial Black" panose="020B0A04020102020204" pitchFamily="34" charset="0"/>
-              </a:rPr>
-              <a:t>を</a:t>
-            </a:r>
-            <a:r>
-              <a:rPr lang="ja-JP" altLang="en-US" sz="2800" b="1" dirty="0">
-                <a:solidFill>
-                  <a:srgbClr val="FF0000"/>
-                </a:solidFill>
-                <a:latin typeface="Arial Black" panose="020B0A04020102020204" pitchFamily="34" charset="0"/>
-              </a:rPr>
-              <a:t>食べ</a:t>
-            </a:r>
-            <a:r>
-              <a:rPr lang="ja-JP" altLang="en-US" sz="2800" b="1" dirty="0">
-                <a:latin typeface="Arial Black" panose="020B0A04020102020204" pitchFamily="34" charset="0"/>
-              </a:rPr>
-              <a:t>ます</a:t>
-            </a:r>
-            <a:r>
-              <a:rPr lang="en-US" altLang="zh-TW" sz="2800" dirty="0" smtClean="0">
-                <a:latin typeface="Arial Black" panose="020B0A04020102020204" pitchFamily="34" charset="0"/>
-              </a:rPr>
-              <a:t>”</a:t>
-            </a:r>
-          </a:p>
-          <a:p>
-            <a:endParaRPr lang="en-US" altLang="zh-TW" sz="2800" dirty="0" smtClean="0">
-              <a:latin typeface="Arial Black" panose="020B0A04020102020204" pitchFamily="34" charset="0"/>
-            </a:endParaRPr>
-          </a:p>
-          <a:p>
-            <a:r>
-              <a:rPr lang="en-US" altLang="zh-TW" sz="2800" dirty="0" err="1" smtClean="0">
-                <a:latin typeface="Arial Black" panose="020B0A04020102020204" pitchFamily="34" charset="0"/>
-              </a:rPr>
-              <a:t>resultDICT</a:t>
-            </a:r>
-            <a:r>
-              <a:rPr lang="en-US" altLang="zh-TW" sz="2800" dirty="0" smtClean="0">
-                <a:latin typeface="Arial Black" panose="020B0A04020102020204" pitchFamily="34" charset="0"/>
-              </a:rPr>
-              <a:t> = {</a:t>
-            </a:r>
-          </a:p>
-          <a:p>
-            <a:r>
-              <a:rPr lang="en-US" altLang="zh-TW" sz="2800" dirty="0">
-                <a:latin typeface="Arial Black" panose="020B0A04020102020204" pitchFamily="34" charset="0"/>
-              </a:rPr>
-              <a:t>	</a:t>
-            </a:r>
-            <a:r>
-              <a:rPr lang="en-US" altLang="zh-TW" sz="2800" dirty="0" smtClean="0">
-                <a:latin typeface="Arial Black" panose="020B0A04020102020204" pitchFamily="34" charset="0"/>
-              </a:rPr>
-              <a:t>		“Subject”:”</a:t>
-            </a:r>
-            <a:r>
-              <a:rPr lang="ja-JP" altLang="en-US" sz="2800" b="1" dirty="0">
-                <a:solidFill>
-                  <a:srgbClr val="FF0000"/>
-                </a:solidFill>
-                <a:latin typeface="Arial Black" panose="020B0A04020102020204" pitchFamily="34" charset="0"/>
-              </a:rPr>
-              <a:t>私</a:t>
-            </a:r>
-            <a:r>
-              <a:rPr lang="en-US" altLang="zh-TW" sz="2800" dirty="0" smtClean="0">
-                <a:latin typeface="Arial Black" panose="020B0A04020102020204" pitchFamily="34" charset="0"/>
-              </a:rPr>
-              <a:t>”, </a:t>
-            </a:r>
-          </a:p>
-          <a:p>
-            <a:r>
-              <a:rPr lang="en-US" altLang="zh-TW" sz="2800" dirty="0">
-                <a:latin typeface="Arial Black" panose="020B0A04020102020204" pitchFamily="34" charset="0"/>
-              </a:rPr>
-              <a:t>	</a:t>
-            </a:r>
-            <a:r>
-              <a:rPr lang="en-US" altLang="zh-TW" sz="2800" dirty="0" smtClean="0">
-                <a:latin typeface="Arial Black" panose="020B0A04020102020204" pitchFamily="34" charset="0"/>
-              </a:rPr>
-              <a:t>		“</a:t>
-            </a:r>
-            <a:r>
-              <a:rPr lang="en-US" altLang="zh-TW" sz="2800" dirty="0">
-                <a:latin typeface="Arial Black" panose="020B0A04020102020204" pitchFamily="34" charset="0"/>
-              </a:rPr>
-              <a:t>O</a:t>
-            </a:r>
-            <a:r>
-              <a:rPr lang="en-US" altLang="zh-TW" sz="2800" dirty="0" smtClean="0">
-                <a:latin typeface="Arial Black" panose="020B0A04020102020204" pitchFamily="34" charset="0"/>
-              </a:rPr>
-              <a:t>bject”:”</a:t>
-            </a:r>
-            <a:r>
-              <a:rPr lang="ja-JP" altLang="en-US" sz="2800" b="1" dirty="0">
-                <a:solidFill>
-                  <a:srgbClr val="FF0000"/>
-                </a:solidFill>
-                <a:latin typeface="Arial Black" panose="020B0A04020102020204" pitchFamily="34" charset="0"/>
-              </a:rPr>
-              <a:t>ラーメン</a:t>
-            </a:r>
-            <a:r>
-              <a:rPr lang="en-US" altLang="zh-TW" sz="2800" dirty="0" smtClean="0">
-                <a:latin typeface="Arial Black" panose="020B0A04020102020204" pitchFamily="34" charset="0"/>
-              </a:rPr>
-              <a:t>”, </a:t>
-            </a:r>
-          </a:p>
-          <a:p>
-            <a:r>
-              <a:rPr lang="en-US" altLang="zh-TW" sz="2800" dirty="0">
-                <a:latin typeface="Arial Black" panose="020B0A04020102020204" pitchFamily="34" charset="0"/>
-              </a:rPr>
-              <a:t>	</a:t>
-            </a:r>
-            <a:r>
-              <a:rPr lang="en-US" altLang="zh-TW" sz="2800" dirty="0" smtClean="0">
-                <a:latin typeface="Arial Black" panose="020B0A04020102020204" pitchFamily="34" charset="0"/>
-              </a:rPr>
-              <a:t>		“Verb”:”</a:t>
-            </a:r>
-            <a:r>
-              <a:rPr lang="ja-JP" altLang="en-US" sz="2800" b="1" dirty="0">
-                <a:solidFill>
-                  <a:srgbClr val="FF0000"/>
-                </a:solidFill>
-                <a:latin typeface="Arial Black" panose="020B0A04020102020204" pitchFamily="34" charset="0"/>
-              </a:rPr>
-              <a:t>食べ</a:t>
-            </a:r>
-            <a:r>
-              <a:rPr lang="en-US" altLang="zh-TW" sz="2800" dirty="0" smtClean="0">
-                <a:latin typeface="Arial Black" panose="020B0A04020102020204" pitchFamily="34" charset="0"/>
-              </a:rPr>
-              <a:t>”</a:t>
-            </a:r>
-          </a:p>
-          <a:p>
-            <a:r>
-              <a:rPr lang="en-US" altLang="zh-TW" sz="2800" dirty="0" smtClean="0">
-                <a:latin typeface="Arial Black" panose="020B0A04020102020204" pitchFamily="34" charset="0"/>
-              </a:rPr>
-              <a:t>			}</a:t>
-            </a:r>
-            <a:endParaRPr lang="zh-TW" altLang="en-US" sz="2800" dirty="0">
-              <a:latin typeface="Arial Black" panose="020B0A04020102020204" pitchFamily="34" charset="0"/>
-            </a:endParaRPr>
-          </a:p>
-        </p:txBody>
-      </p:sp>
-    </p:spTree>
-    <p:extLst>
-      <p:ext uri="{BB962C8B-B14F-4D97-AF65-F5344CB8AC3E}">
-        <p14:creationId xmlns:p14="http://schemas.microsoft.com/office/powerpoint/2010/main" val="3459649001"/>
-      </p:ext>
-    </p:extLst>
-  </p:cSld>
-  <p:clrMapOvr>
-    <a:masterClrMapping/>
-  </p:clrMapOvr>
-  <p:timing>
-    <p:tnLst>
-      <p:par>
-        <p:cTn id="1" dur="indefinite" restart="never" nodeType="tmRoot"/>
-      </p:par>
-    </p:tnLst>
-  </p:timing>
 </p:sld>
 </file>
 
@@ -3880,8 +3913,8 @@
         </p:nvSpPr>
         <p:spPr>
           <a:xfrm>
-            <a:off x="2640564" y="1766958"/>
-            <a:ext cx="12204441" cy="954107"/>
+            <a:off x="2612572" y="1763485"/>
+            <a:ext cx="12204441" cy="3108543"/>
           </a:xfrm>
           <a:prstGeom prst="rect">
             <a:avLst/>
@@ -3895,22 +3928,16 @@
           <a:lstStyle/>
           <a:p>
             <a:r>
-              <a:rPr lang="en-US" altLang="zh-TW" sz="2800" dirty="0" err="1" smtClean="0">
+              <a:rPr lang="en-US" altLang="zh-TW" sz="2800" dirty="0" err="1">
                 <a:latin typeface="Arial Black" panose="020B0A04020102020204" pitchFamily="34" charset="0"/>
               </a:rPr>
               <a:t>inputSTR</a:t>
             </a:r>
             <a:r>
-              <a:rPr lang="en-US" altLang="zh-TW" sz="2800" dirty="0" smtClean="0">
+              <a:rPr lang="en-US" altLang="zh-TW" sz="2800" dirty="0">
                 <a:latin typeface="Arial Black" panose="020B0A04020102020204" pitchFamily="34" charset="0"/>
               </a:rPr>
               <a:t> = “</a:t>
-            </a:r>
-            <a:r>
-              <a:rPr lang="ja-JP" altLang="en-US" sz="2800" b="1" dirty="0">
-                <a:latin typeface="Arial Black" panose="020B0A04020102020204" pitchFamily="34" charset="0"/>
-              </a:rPr>
-              <a:t>私</a:t>
             </a:r>
             <a:r>
               <a:rPr lang="ja-JP" altLang="en-US" sz="2800" b="1" dirty="0">
@@ -3919,13 +3946,13 @@
                 </a:solidFill>
                 <a:latin typeface="Arial Black" panose="020B0A04020102020204" pitchFamily="34" charset="0"/>
               </a:rPr>
+              <a:t>私</a:t>
+            </a:r>
+            <a:r>
+              <a:rPr lang="ja-JP" altLang="en-US" sz="2800" b="1" dirty="0">
+                <a:latin typeface="Arial Black" panose="020B0A04020102020204" pitchFamily="34" charset="0"/>
+              </a:rPr>
               <a:t>は</a:t>
-            </a:r>
-            <a:r>
-              <a:rPr lang="ja-JP" altLang="en-US" sz="2800" b="1" dirty="0">
-                <a:latin typeface="Arial Black" panose="020B0A04020102020204" pitchFamily="34" charset="0"/>
-              </a:rPr>
-              <a:t>ラーメン</a:t>
             </a:r>
             <a:r>
               <a:rPr lang="ja-JP" altLang="en-US" sz="2800" b="1" dirty="0">
@@ -3934,28 +3961,167 @@
                 </a:solidFill>
                 <a:latin typeface="Arial Black" panose="020B0A04020102020204" pitchFamily="34" charset="0"/>
               </a:rPr>
+              <a:t>ラーメン</a:t>
+            </a:r>
+            <a:r>
+              <a:rPr lang="ja-JP" altLang="en-US" sz="2800" b="1" dirty="0">
+                <a:latin typeface="Arial Black" panose="020B0A04020102020204" pitchFamily="34" charset="0"/>
+              </a:rPr>
               <a:t>を</a:t>
             </a:r>
             <a:r>
               <a:rPr lang="ja-JP" altLang="en-US" sz="2800" b="1" dirty="0">
-                <a:latin typeface="Arial Black" panose="020B0A04020102020204" pitchFamily="34" charset="0"/>
-              </a:rPr>
-              <a:t>食べます</a:t>
-            </a:r>
-            <a:r>
-              <a:rPr lang="en-US" altLang="zh-TW" sz="2800" dirty="0" smtClean="0">
+                <a:solidFill>
+                  <a:srgbClr val="FF0000"/>
+                </a:solidFill>
+                <a:latin typeface="Arial Black" panose="020B0A04020102020204" pitchFamily="34" charset="0"/>
+              </a:rPr>
+              <a:t>食べ</a:t>
+            </a:r>
+            <a:r>
+              <a:rPr lang="ja-JP" altLang="en-US" sz="2800" b="1" dirty="0">
+                <a:latin typeface="Arial Black" panose="020B0A04020102020204" pitchFamily="34" charset="0"/>
+              </a:rPr>
+              <a:t>ます</a:t>
+            </a:r>
+            <a:r>
+              <a:rPr lang="en-US" altLang="zh-TW" sz="2800" dirty="0">
                 <a:latin typeface="Arial Black" panose="020B0A04020102020204" pitchFamily="34" charset="0"/>
               </a:rPr>
               <a:t>”</a:t>
             </a:r>
           </a:p>
           <a:p>
-            <a:endParaRPr lang="en-US" altLang="zh-TW" sz="2800" dirty="0" smtClean="0">
+            <a:endParaRPr lang="en-US" altLang="zh-TW" sz="2800" dirty="0">
               <a:latin typeface="Arial Black" panose="020B0A04020102020204" pitchFamily="34" charset="0"/>
             </a:endParaRPr>
           </a:p>
-        </p:txBody>
-      </p:sp>
+          <a:p>
+            <a:r>
+              <a:rPr lang="en-US" altLang="zh-TW" sz="2800" dirty="0" err="1">
+                <a:latin typeface="Arial Black" panose="020B0A04020102020204" pitchFamily="34" charset="0"/>
+              </a:rPr>
+              <a:t>resultDICT</a:t>
+            </a:r>
+            <a:r>
+              <a:rPr lang="en-US" altLang="zh-TW" sz="2800" dirty="0">
+                <a:latin typeface="Arial Black" panose="020B0A04020102020204" pitchFamily="34" charset="0"/>
+              </a:rPr>
+              <a:t> = {</a:t>
+            </a:r>
+          </a:p>
+          <a:p>
+            <a:r>
+              <a:rPr lang="en-US" altLang="zh-TW" sz="2800" dirty="0">
+                <a:latin typeface="Arial Black" panose="020B0A04020102020204" pitchFamily="34" charset="0"/>
+              </a:rPr>
+              <a:t>			“Subject”:”</a:t>
+            </a:r>
+            <a:r>
+              <a:rPr lang="ja-JP" altLang="en-US" sz="2800" b="1" dirty="0">
+                <a:solidFill>
+                  <a:srgbClr val="FF0000"/>
+                </a:solidFill>
+                <a:latin typeface="Arial Black" panose="020B0A04020102020204" pitchFamily="34" charset="0"/>
+              </a:rPr>
+              <a:t>私</a:t>
+            </a:r>
+            <a:r>
+              <a:rPr lang="en-US" altLang="zh-TW" sz="2800" dirty="0">
+                <a:latin typeface="Arial Black" panose="020B0A04020102020204" pitchFamily="34" charset="0"/>
+              </a:rPr>
+              <a:t>”, </a:t>
+            </a:r>
+          </a:p>
+          <a:p>
+            <a:r>
+              <a:rPr lang="en-US" altLang="zh-TW" sz="2800" dirty="0">
+                <a:latin typeface="Arial Black" panose="020B0A04020102020204" pitchFamily="34" charset="0"/>
+              </a:rPr>
+              <a:t>			“Object”:”</a:t>
+            </a:r>
+            <a:r>
+              <a:rPr lang="ja-JP" altLang="en-US" sz="2800" b="1" dirty="0">
+                <a:solidFill>
+                  <a:srgbClr val="FF0000"/>
+                </a:solidFill>
+                <a:latin typeface="Arial Black" panose="020B0A04020102020204" pitchFamily="34" charset="0"/>
+              </a:rPr>
+              <a:t>ラーメン</a:t>
+            </a:r>
+            <a:r>
+              <a:rPr lang="en-US" altLang="zh-TW" sz="2800" dirty="0">
+                <a:latin typeface="Arial Black" panose="020B0A04020102020204" pitchFamily="34" charset="0"/>
+              </a:rPr>
+              <a:t>”, </a:t>
+            </a:r>
+          </a:p>
+          <a:p>
+            <a:r>
+              <a:rPr lang="en-US" altLang="zh-TW" sz="2800" dirty="0">
+                <a:latin typeface="Arial Black" panose="020B0A04020102020204" pitchFamily="34" charset="0"/>
+              </a:rPr>
+              <a:t>			“Verb”:”</a:t>
+            </a:r>
+            <a:r>
+              <a:rPr lang="ja-JP" altLang="en-US" sz="2800" b="1" dirty="0">
+                <a:solidFill>
+                  <a:srgbClr val="FF0000"/>
+                </a:solidFill>
+                <a:latin typeface="Arial Black" panose="020B0A04020102020204" pitchFamily="34" charset="0"/>
+              </a:rPr>
+              <a:t>食べ</a:t>
+            </a:r>
+            <a:r>
+              <a:rPr lang="en-US" altLang="zh-TW" sz="2800" dirty="0">
+                <a:latin typeface="Arial Black" panose="020B0A04020102020204" pitchFamily="34" charset="0"/>
+              </a:rPr>
+              <a:t>”</a:t>
+            </a:r>
+          </a:p>
+          <a:p>
+            <a:r>
+              <a:rPr lang="en-US" altLang="zh-TW" sz="2800" dirty="0">
+                <a:latin typeface="Arial Black" panose="020B0A04020102020204" pitchFamily="34" charset="0"/>
+              </a:rPr>
+              <a:t>			}</a:t>
+            </a:r>
+            <a:endParaRPr lang="zh-TW" altLang="en-US" sz="2800" dirty="0">
+              <a:latin typeface="Arial Black" panose="020B0A04020102020204" pitchFamily="34" charset="0"/>
+            </a:endParaRPr>
+          </a:p>
+        </p:txBody>
+      </p:sp>
+    </p:spTree>
+    <p:extLst>
+      <p:ext uri="{BB962C8B-B14F-4D97-AF65-F5344CB8AC3E}">
+        <p14:creationId xmlns:p14="http://schemas.microsoft.com/office/powerpoint/2010/main" val="3459649001"/>
+      </p:ext>
+    </p:extLst>
+  </p:cSld>
+  <p:clrMapOvr>
+    <a:masterClrMapping/>
+  </p:clrMapOvr>
+</p:sld>
+</file>
+
+<file path=ppt/slides/slide17.xml><?xml version="1.0" encoding="utf-8"?>
+<p:sld xmlns:a="http://schemas.openxmlformats.org/drawingml/2006/main" xmlns:r="http://schemas.openxmlformats.org/officeDocument/2006/relationships" xmlns:p="http://schemas.openxmlformats.org/presentationml/2006/main">
+  <p:cSld>
+    <p:spTree>
+      <p:nvGrpSpPr>
+        <p:cNvPr id="1" name=""/>
+        <p:cNvGrpSpPr/>
+        <p:nvPr/>
+      </p:nvGrpSpPr>
+      <p:grpSpPr>
+        <a:xfrm>
+          <a:off x="0" y="0"/>
+          <a:ext cx="0" cy="0"/>
+          <a:chOff x="0" y="0"/>
+          <a:chExt cx="0" cy="0"/>
+        </a:xfrm>
+      </p:grpSpPr>
       <p:sp>
         <p:nvSpPr>
           <p:cNvPr id="3" name="文字方塊 2"/>
@@ -3985,7 +4151,7 @@
                 <a:ea typeface="+mj-ea"/>
                 <a:cs typeface="+mj-cs"/>
               </a:rPr>
-              <a:t>Hint</a:t>
+              <a:t>Spec</a:t>
             </a:r>
             <a:endParaRPr lang="zh-TW" altLang="en-US" sz="6000" dirty="0">
               <a:latin typeface="Arial Black" panose="020B0A04020102020204" pitchFamily="34" charset="0"/>
@@ -3997,6 +4163,299 @@
       </p:sp>
       <p:sp>
         <p:nvSpPr>
+          <p:cNvPr id="5" name="文字方塊 4">
+            <a:extLst>
+              <a:ext uri="{FF2B5EF4-FFF2-40B4-BE49-F238E27FC236}">
+                <a16:creationId xmlns:a16="http://schemas.microsoft.com/office/drawing/2014/main" id="{CF876A2D-9A40-0029-7A32-B8A925FC8523}"/>
+              </a:ext>
+            </a:extLst>
+          </p:cNvPr>
+          <p:cNvSpPr txBox="1"/>
+          <p:nvPr/>
+        </p:nvSpPr>
+        <p:spPr>
+          <a:xfrm>
+            <a:off x="1640540" y="1674673"/>
+            <a:ext cx="8910919" cy="3508653"/>
+          </a:xfrm>
+          <a:prstGeom prst="rect">
+            <a:avLst/>
+          </a:prstGeom>
+          <a:noFill/>
+        </p:spPr>
+        <p:txBody>
+          <a:bodyPr wrap="square" rtlCol="0">
+            <a:spAutoFit/>
+          </a:bodyPr>
+          <a:lstStyle/>
+          <a:p>
+            <a:pPr marL="342900" indent="-342900">
+              <a:buAutoNum type="arabicPeriod"/>
+            </a:pPr>
+            <a:r>
+              <a:rPr lang="en-US" altLang="zh-TW" sz="2800" dirty="0">
+                <a:latin typeface="Arial Black" panose="020B0A04020102020204" pitchFamily="34" charset="0"/>
+              </a:rPr>
+              <a:t>Collab using GitHub (One Repo)</a:t>
+            </a:r>
+          </a:p>
+          <a:p>
+            <a:pPr marL="342900" indent="-342900">
+              <a:buAutoNum type="arabicPeriod"/>
+            </a:pPr>
+            <a:r>
+              <a:rPr lang="en-US" altLang="zh-TW" sz="2800" dirty="0">
+                <a:latin typeface="Arial Black" panose="020B0A04020102020204" pitchFamily="34" charset="0"/>
+              </a:rPr>
+              <a:t>Share the link with Jonathan.</a:t>
+            </a:r>
+          </a:p>
+          <a:p>
+            <a:pPr marL="342900" indent="-342900">
+              <a:buAutoNum type="arabicPeriod"/>
+            </a:pPr>
+            <a:r>
+              <a:rPr lang="en-US" altLang="zh-TW" sz="2800" dirty="0">
+                <a:latin typeface="Arial Black" panose="020B0A04020102020204" pitchFamily="34" charset="0"/>
+              </a:rPr>
+              <a:t>inputSTR.txt (20 sentences)</a:t>
+            </a:r>
+          </a:p>
+          <a:p>
+            <a:pPr marL="342900" indent="-342900">
+              <a:buAutoNum type="arabicPeriod"/>
+            </a:pPr>
+            <a:r>
+              <a:rPr lang="en-US" altLang="zh-TW" sz="2800" dirty="0">
+                <a:latin typeface="Arial Black" panose="020B0A04020102020204" pitchFamily="34" charset="0"/>
+              </a:rPr>
+              <a:t>Test using </a:t>
+            </a:r>
+            <a:r>
+              <a:rPr lang="en-US" altLang="zh-TW" sz="2800" dirty="0" err="1">
+                <a:latin typeface="Arial Black" panose="020B0A04020102020204" pitchFamily="34" charset="0"/>
+              </a:rPr>
+              <a:t>caseparse</a:t>
+            </a:r>
+            <a:r>
+              <a:rPr lang="en-US" altLang="zh-TW" sz="2800" dirty="0">
+                <a:latin typeface="Arial Black" panose="020B0A04020102020204" pitchFamily="34" charset="0"/>
+              </a:rPr>
+              <a:t>(</a:t>
+            </a:r>
+            <a:r>
+              <a:rPr lang="en-US" altLang="zh-TW" sz="2800" dirty="0" err="1">
+                <a:latin typeface="Arial Black" panose="020B0A04020102020204" pitchFamily="34" charset="0"/>
+              </a:rPr>
+              <a:t>inputLIST</a:t>
+            </a:r>
+            <a:r>
+              <a:rPr lang="en-US" altLang="zh-TW" sz="2800" dirty="0">
+                <a:latin typeface="Arial Black" panose="020B0A04020102020204" pitchFamily="34" charset="0"/>
+              </a:rPr>
+              <a:t>)</a:t>
+            </a:r>
+          </a:p>
+          <a:p>
+            <a:pPr marL="342900" indent="-342900">
+              <a:buAutoNum type="arabicPeriod"/>
+            </a:pPr>
+            <a:r>
+              <a:rPr lang="en-US" altLang="zh-TW" sz="2800" dirty="0">
+                <a:solidFill>
+                  <a:srgbClr val="FF0000"/>
+                </a:solidFill>
+                <a:latin typeface="Arial Black" panose="020B0A04020102020204" pitchFamily="34" charset="0"/>
+              </a:rPr>
+              <a:t>For freshman : </a:t>
+            </a:r>
+          </a:p>
+          <a:p>
+            <a:r>
+              <a:rPr lang="en-US" altLang="zh-TW" sz="2800" dirty="0">
+                <a:solidFill>
+                  <a:srgbClr val="FF0000"/>
+                </a:solidFill>
+                <a:latin typeface="Arial Black" panose="020B0A04020102020204" pitchFamily="34" charset="0"/>
+              </a:rPr>
+              <a:t>Lab Hour Thurs 14:30~16:30 by appointment</a:t>
+            </a:r>
+          </a:p>
+          <a:p>
+            <a:pPr marL="342900" indent="-342900">
+              <a:buAutoNum type="arabicPeriod"/>
+            </a:pPr>
+            <a:endParaRPr lang="en-US" altLang="zh-TW" dirty="0"/>
+          </a:p>
+          <a:p>
+            <a:pPr marL="342900" indent="-342900">
+              <a:buAutoNum type="arabicPeriod"/>
+            </a:pPr>
+            <a:endParaRPr lang="en-US" altLang="zh-TW" dirty="0"/>
+          </a:p>
+          <a:p>
+            <a:pPr marL="342900" indent="-342900">
+              <a:buAutoNum type="arabicPeriod"/>
+            </a:pPr>
+            <a:endParaRPr lang="zh-TW" altLang="en-US" dirty="0"/>
+          </a:p>
+        </p:txBody>
+      </p:sp>
+    </p:spTree>
+    <p:extLst>
+      <p:ext uri="{BB962C8B-B14F-4D97-AF65-F5344CB8AC3E}">
+        <p14:creationId xmlns:p14="http://schemas.microsoft.com/office/powerpoint/2010/main" val="3695506599"/>
+      </p:ext>
+    </p:extLst>
+  </p:cSld>
+  <p:clrMapOvr>
+    <a:masterClrMapping/>
+  </p:clrMapOvr>
+</p:sld>
+</file>
+
+<file path=ppt/slides/slide18.xml><?xml version="1.0" encoding="utf-8"?>
+<p:sld xmlns:a="http://schemas.openxmlformats.org/drawingml/2006/main" xmlns:r="http://schemas.openxmlformats.org/officeDocument/2006/relationships" xmlns:p="http://schemas.openxmlformats.org/presentationml/2006/main">
+  <p:cSld>
+    <p:spTree>
+      <p:nvGrpSpPr>
+        <p:cNvPr id="1" name=""/>
+        <p:cNvGrpSpPr/>
+        <p:nvPr/>
+      </p:nvGrpSpPr>
+      <p:grpSpPr>
+        <a:xfrm>
+          <a:off x="0" y="0"/>
+          <a:ext cx="0" cy="0"/>
+          <a:chOff x="0" y="0"/>
+          <a:chExt cx="0" cy="0"/>
+        </a:xfrm>
+      </p:grpSpPr>
+      <p:sp>
+        <p:nvSpPr>
+          <p:cNvPr id="2" name="文字方塊 1"/>
+          <p:cNvSpPr txBox="1"/>
+          <p:nvPr/>
+        </p:nvSpPr>
+        <p:spPr>
+          <a:xfrm>
+            <a:off x="2640564" y="1766958"/>
+            <a:ext cx="12204441" cy="954107"/>
+          </a:xfrm>
+          <a:prstGeom prst="rect">
+            <a:avLst/>
+          </a:prstGeom>
+          <a:noFill/>
+        </p:spPr>
+        <p:txBody>
+          <a:bodyPr wrap="square" rtlCol="0">
+            <a:spAutoFit/>
+          </a:bodyPr>
+          <a:lstStyle/>
+          <a:p>
+            <a:r>
+              <a:rPr lang="en-US" altLang="zh-TW" sz="2800" dirty="0" err="1">
+                <a:latin typeface="Arial Black" panose="020B0A04020102020204" pitchFamily="34" charset="0"/>
+              </a:rPr>
+              <a:t>inputSTR</a:t>
+            </a:r>
+            <a:r>
+              <a:rPr lang="en-US" altLang="zh-TW" sz="2800" dirty="0">
+                <a:latin typeface="Arial Black" panose="020B0A04020102020204" pitchFamily="34" charset="0"/>
+              </a:rPr>
+              <a:t> = “</a:t>
+            </a:r>
+            <a:r>
+              <a:rPr lang="ja-JP" altLang="en-US" sz="2800" b="1" dirty="0">
+                <a:latin typeface="Arial Black" panose="020B0A04020102020204" pitchFamily="34" charset="0"/>
+              </a:rPr>
+              <a:t>私</a:t>
+            </a:r>
+            <a:r>
+              <a:rPr lang="ja-JP" altLang="en-US" sz="2800" b="1" dirty="0">
+                <a:solidFill>
+                  <a:srgbClr val="FF0000"/>
+                </a:solidFill>
+                <a:latin typeface="Arial Black" panose="020B0A04020102020204" pitchFamily="34" charset="0"/>
+              </a:rPr>
+              <a:t>は</a:t>
+            </a:r>
+            <a:r>
+              <a:rPr lang="ja-JP" altLang="en-US" sz="2800" b="1" dirty="0">
+                <a:latin typeface="Arial Black" panose="020B0A04020102020204" pitchFamily="34" charset="0"/>
+              </a:rPr>
+              <a:t>ラーメン</a:t>
+            </a:r>
+            <a:r>
+              <a:rPr lang="ja-JP" altLang="en-US" sz="2800" b="1" dirty="0">
+                <a:solidFill>
+                  <a:srgbClr val="FF0000"/>
+                </a:solidFill>
+                <a:latin typeface="Arial Black" panose="020B0A04020102020204" pitchFamily="34" charset="0"/>
+              </a:rPr>
+              <a:t>を</a:t>
+            </a:r>
+            <a:r>
+              <a:rPr lang="ja-JP" altLang="en-US" sz="2800" b="1" dirty="0">
+                <a:latin typeface="Arial Black" panose="020B0A04020102020204" pitchFamily="34" charset="0"/>
+              </a:rPr>
+              <a:t>食べます</a:t>
+            </a:r>
+            <a:r>
+              <a:rPr lang="en-US" altLang="zh-TW" sz="2800" dirty="0">
+                <a:latin typeface="Arial Black" panose="020B0A04020102020204" pitchFamily="34" charset="0"/>
+              </a:rPr>
+              <a:t>”</a:t>
+            </a:r>
+          </a:p>
+          <a:p>
+            <a:endParaRPr lang="en-US" altLang="zh-TW" sz="2800" dirty="0">
+              <a:latin typeface="Arial Black" panose="020B0A04020102020204" pitchFamily="34" charset="0"/>
+            </a:endParaRPr>
+          </a:p>
+        </p:txBody>
+      </p:sp>
+      <p:sp>
+        <p:nvSpPr>
+          <p:cNvPr id="3" name="文字方塊 2"/>
+          <p:cNvSpPr txBox="1"/>
+          <p:nvPr/>
+        </p:nvSpPr>
+        <p:spPr>
+          <a:xfrm>
+            <a:off x="3707363" y="531844"/>
+            <a:ext cx="4777274" cy="1015663"/>
+          </a:xfrm>
+          <a:prstGeom prst="rect">
+            <a:avLst/>
+          </a:prstGeom>
+          <a:noFill/>
+        </p:spPr>
+        <p:txBody>
+          <a:bodyPr wrap="square" rtlCol="0">
+            <a:spAutoFit/>
+          </a:bodyPr>
+          <a:lstStyle/>
+          <a:p>
+            <a:pPr algn="ctr"/>
+            <a:r>
+              <a:rPr lang="en-US" altLang="zh-TW" sz="6000" dirty="0">
+                <a:latin typeface="Arial Black" panose="020B0A04020102020204" pitchFamily="34" charset="0"/>
+                <a:ea typeface="+mj-ea"/>
+                <a:cs typeface="+mj-cs"/>
+              </a:rPr>
+              <a:t>Hint</a:t>
+            </a:r>
+            <a:endParaRPr lang="zh-TW" altLang="en-US" sz="6000" dirty="0">
+              <a:latin typeface="Arial Black" panose="020B0A04020102020204" pitchFamily="34" charset="0"/>
+              <a:ea typeface="+mj-ea"/>
+              <a:cs typeface="+mj-cs"/>
+            </a:endParaRPr>
+          </a:p>
+        </p:txBody>
+      </p:sp>
+      <p:sp>
+        <p:nvSpPr>
           <p:cNvPr id="4" name="矩形 3"/>
           <p:cNvSpPr/>
           <p:nvPr/>
@@ -4021,6 +4480,43 @@
                 <a:latin typeface="Arial Black" panose="020B0A04020102020204" pitchFamily="34" charset="0"/>
               </a:rPr>
               <a:t>https://chat.openai.com/</a:t>
+            </a:r>
+          </a:p>
+        </p:txBody>
+      </p:sp>
+      <p:sp>
+        <p:nvSpPr>
+          <p:cNvPr id="6" name="文字方塊 5">
+            <a:extLst>
+              <a:ext uri="{FF2B5EF4-FFF2-40B4-BE49-F238E27FC236}">
+                <a16:creationId xmlns:a16="http://schemas.microsoft.com/office/drawing/2014/main" id="{E90E0AFC-5FA4-48D5-33EB-983C9417953D}"/>
+              </a:ext>
+            </a:extLst>
+          </p:cNvPr>
+          <p:cNvSpPr txBox="1"/>
+          <p:nvPr/>
+        </p:nvSpPr>
+        <p:spPr>
+          <a:xfrm>
+            <a:off x="2640564" y="3071199"/>
+            <a:ext cx="7421418" cy="1384995"/>
+          </a:xfrm>
+          <a:prstGeom prst="rect">
+            <a:avLst/>
+          </a:prstGeom>
+          <a:noFill/>
+        </p:spPr>
+        <p:txBody>
+          <a:bodyPr wrap="square">
+            <a:spAutoFit/>
+          </a:bodyPr>
+          <a:lstStyle/>
+          <a:p>
+            <a:r>
+              <a:rPr lang="zh-TW" altLang="en-US" sz="2800" dirty="0">
+                <a:latin typeface="Arial Black" panose="020B0A04020102020204" pitchFamily="34" charset="0"/>
+              </a:rPr>
+              <a:t>https://medium.com/ccclub/ccclub-python-for-beginners-tutorial-d26900b9280e</a:t>
             </a:r>
           </a:p>
         </p:txBody>
@@ -4035,13 +4531,137 @@
   <p:clrMapOvr>
     <a:masterClrMapping/>
   </p:clrMapOvr>
-  <p:timing>
-    <p:tnLst>
-      <p:par>
-        <p:cTn id="1" dur="indefinite" restart="never" nodeType="tmRoot"/>
-      </p:par>
-    </p:tnLst>
-  </p:timing>
+</p:sld>
+</file>
+
+<file path=ppt/slides/slide19.xml><?xml version="1.0" encoding="utf-8"?>
+<p:sld xmlns:a="http://schemas.openxmlformats.org/drawingml/2006/main" xmlns:r="http://schemas.openxmlformats.org/officeDocument/2006/relationships" xmlns:p="http://schemas.openxmlformats.org/presentationml/2006/main">
+  <p:cSld>
+    <p:spTree>
+      <p:nvGrpSpPr>
+        <p:cNvPr id="1" name=""/>
+        <p:cNvGrpSpPr/>
+        <p:nvPr/>
+      </p:nvGrpSpPr>
+      <p:grpSpPr>
+        <a:xfrm>
+          <a:off x="0" y="0"/>
+          <a:ext cx="0" cy="0"/>
+          <a:chOff x="0" y="0"/>
+          <a:chExt cx="0" cy="0"/>
+        </a:xfrm>
+      </p:grpSpPr>
+      <p:sp>
+        <p:nvSpPr>
+          <p:cNvPr id="3" name="文字方塊 2"/>
+          <p:cNvSpPr txBox="1"/>
+          <p:nvPr/>
+        </p:nvSpPr>
+        <p:spPr>
+          <a:xfrm>
+            <a:off x="3707363" y="531844"/>
+            <a:ext cx="4777274" cy="1015663"/>
+          </a:xfrm>
+          <a:prstGeom prst="rect">
+            <a:avLst/>
+          </a:prstGeom>
+          <a:noFill/>
+        </p:spPr>
+        <p:txBody>
+          <a:bodyPr wrap="square" rtlCol="0">
+            <a:spAutoFit/>
+          </a:bodyPr>
+          <a:lstStyle/>
+          <a:p>
+            <a:pPr algn="ctr"/>
+            <a:r>
+              <a:rPr lang="en-US" altLang="zh-TW" sz="6000" dirty="0">
+                <a:solidFill>
+                  <a:srgbClr val="FF0000"/>
+                </a:solidFill>
+                <a:latin typeface="Arial Black" panose="020B0A04020102020204" pitchFamily="34" charset="0"/>
+                <a:ea typeface="+mj-ea"/>
+                <a:cs typeface="+mj-cs"/>
+              </a:rPr>
+              <a:t>Sprint</a:t>
+            </a:r>
+            <a:endParaRPr lang="zh-TW" altLang="en-US" sz="6000" dirty="0">
+              <a:solidFill>
+                <a:srgbClr val="FF0000"/>
+              </a:solidFill>
+              <a:latin typeface="Arial Black" panose="020B0A04020102020204" pitchFamily="34" charset="0"/>
+              <a:ea typeface="+mj-ea"/>
+              <a:cs typeface="+mj-cs"/>
+            </a:endParaRPr>
+          </a:p>
+        </p:txBody>
+      </p:sp>
+      <p:sp>
+        <p:nvSpPr>
+          <p:cNvPr id="5" name="文字方塊 4">
+            <a:extLst>
+              <a:ext uri="{FF2B5EF4-FFF2-40B4-BE49-F238E27FC236}">
+                <a16:creationId xmlns:a16="http://schemas.microsoft.com/office/drawing/2014/main" id="{37F6AD44-1453-9817-F6D7-B73CCB69D2AC}"/>
+              </a:ext>
+            </a:extLst>
+          </p:cNvPr>
+          <p:cNvSpPr txBox="1"/>
+          <p:nvPr/>
+        </p:nvSpPr>
+        <p:spPr>
+          <a:xfrm>
+            <a:off x="1640540" y="2598003"/>
+            <a:ext cx="8910919" cy="1661993"/>
+          </a:xfrm>
+          <a:prstGeom prst="rect">
+            <a:avLst/>
+          </a:prstGeom>
+          <a:noFill/>
+        </p:spPr>
+        <p:txBody>
+          <a:bodyPr wrap="square" rtlCol="0">
+            <a:spAutoFit/>
+          </a:bodyPr>
+          <a:lstStyle/>
+          <a:p>
+            <a:r>
+              <a:rPr lang="en-US" altLang="zh-TW" sz="2800" dirty="0">
+                <a:latin typeface="Arial Black" panose="020B0A04020102020204" pitchFamily="34" charset="0"/>
+              </a:rPr>
+              <a:t>14:50~15:40 Sprint</a:t>
+            </a:r>
+          </a:p>
+          <a:p>
+            <a:endParaRPr lang="en-US" altLang="zh-TW" sz="2800" dirty="0">
+              <a:latin typeface="Arial Black" panose="020B0A04020102020204" pitchFamily="34" charset="0"/>
+            </a:endParaRPr>
+          </a:p>
+          <a:p>
+            <a:r>
+              <a:rPr lang="en-US" altLang="zh-TW" sz="2800" dirty="0">
+                <a:latin typeface="Arial Black" panose="020B0A04020102020204" pitchFamily="34" charset="0"/>
+              </a:rPr>
+              <a:t>15:40~16:00 Share (Progress/Problem)</a:t>
+            </a:r>
+          </a:p>
+          <a:p>
+            <a:pPr marL="342900" indent="-342900">
+              <a:buAutoNum type="arabicPeriod"/>
+            </a:pPr>
+            <a:endParaRPr lang="zh-TW" altLang="en-US" dirty="0"/>
+          </a:p>
+        </p:txBody>
+      </p:sp>
+    </p:spTree>
+    <p:extLst>
+      <p:ext uri="{BB962C8B-B14F-4D97-AF65-F5344CB8AC3E}">
+        <p14:creationId xmlns:p14="http://schemas.microsoft.com/office/powerpoint/2010/main" val="3351772517"/>
+      </p:ext>
+    </p:extLst>
+  </p:cSld>
+  <p:clrMapOvr>
+    <a:masterClrMapping/>
+  </p:clrMapOvr>
 </p:sld>
 </file>
 
@@ -4070,7 +4690,7 @@
         </p:nvSpPr>
         <p:spPr>
           <a:xfrm>
-            <a:off x="1867663" y="3075057"/>
+            <a:off x="1867663" y="493221"/>
             <a:ext cx="8456674" cy="707886"/>
           </a:xfrm>
           <a:prstGeom prst="rect">
@@ -4086,15 +4706,104 @@
           <a:p>
             <a:pPr algn="ctr"/>
             <a:r>
-              <a:rPr lang="en-US" altLang="zh-TW" sz="4000" dirty="0" smtClean="0">
+              <a:rPr lang="en-US" altLang="zh-TW" sz="4000" dirty="0">
                 <a:latin typeface="Arial Black" panose="020B0A04020102020204" pitchFamily="34" charset="0"/>
                 <a:ea typeface="+mj-ea"/>
                 <a:cs typeface="+mj-cs"/>
               </a:rPr>
-              <a:t>Natural Language </a:t>
-            </a:r>
-            <a:r>
-              <a:rPr lang="en-US" altLang="zh-TW" sz="4000" dirty="0" smtClean="0">
+              <a:t>Natural Language Processing</a:t>
+            </a:r>
+            <a:endParaRPr lang="zh-TW" altLang="en-US" sz="4000" dirty="0">
+              <a:latin typeface="Arial Black" panose="020B0A04020102020204" pitchFamily="34" charset="0"/>
+              <a:ea typeface="+mj-ea"/>
+              <a:cs typeface="+mj-cs"/>
+            </a:endParaRPr>
+          </a:p>
+        </p:txBody>
+      </p:sp>
+      <p:sp>
+        <p:nvSpPr>
+          <p:cNvPr id="3" name="矩形 2">
+            <a:extLst>
+              <a:ext uri="{FF2B5EF4-FFF2-40B4-BE49-F238E27FC236}">
+                <a16:creationId xmlns:a16="http://schemas.microsoft.com/office/drawing/2014/main" id="{35E922E9-2526-51EA-BFBB-0919A896FACD}"/>
+              </a:ext>
+            </a:extLst>
+          </p:cNvPr>
+          <p:cNvSpPr/>
+          <p:nvPr/>
+        </p:nvSpPr>
+        <p:spPr>
+          <a:xfrm>
+            <a:off x="685800" y="331694"/>
+            <a:ext cx="10820400" cy="5827059"/>
+          </a:xfrm>
+          <a:prstGeom prst="rect">
+            <a:avLst/>
+          </a:prstGeom>
+          <a:noFill/>
+          <a:ln w="57150">
+            <a:solidFill>
+              <a:schemeClr val="tx1"/>
+            </a:solidFill>
+          </a:ln>
+        </p:spPr>
+        <p:style>
+          <a:lnRef idx="2">
+            <a:schemeClr val="accent1">
+              <a:shade val="15000"/>
+            </a:schemeClr>
+          </a:lnRef>
+          <a:fillRef idx="1">
+            <a:schemeClr val="accent1"/>
+          </a:fillRef>
+          <a:effectRef idx="0">
+            <a:schemeClr val="accent1"/>
+          </a:effectRef>
+          <a:fontRef idx="minor">
+            <a:schemeClr val="lt1"/>
+          </a:fontRef>
+        </p:style>
+        <p:txBody>
+          <a:bodyPr rtlCol="0" anchor="ctr"/>
+          <a:lstStyle/>
+          <a:p>
+            <a:pPr algn="ctr"/>
+            <a:endParaRPr lang="zh-TW" altLang="en-US"/>
+          </a:p>
+        </p:txBody>
+      </p:sp>
+      <p:sp>
+        <p:nvSpPr>
+          <p:cNvPr id="4" name="文字方塊 3">
+            <a:extLst>
+              <a:ext uri="{FF2B5EF4-FFF2-40B4-BE49-F238E27FC236}">
+                <a16:creationId xmlns:a16="http://schemas.microsoft.com/office/drawing/2014/main" id="{8A26C7B0-2551-3CC8-0190-B288D1A4CC65}"/>
+              </a:ext>
+            </a:extLst>
+          </p:cNvPr>
+          <p:cNvSpPr txBox="1"/>
+          <p:nvPr/>
+        </p:nvSpPr>
+        <p:spPr>
+          <a:xfrm>
+            <a:off x="1269004" y="1504599"/>
+            <a:ext cx="3061351" cy="523220"/>
+          </a:xfrm>
+          <a:prstGeom prst="rect">
+            <a:avLst/>
+          </a:prstGeom>
+          <a:noFill/>
+        </p:spPr>
+        <p:txBody>
+          <a:bodyPr wrap="none" rtlCol="0">
+            <a:spAutoFit/>
+          </a:bodyPr>
+          <a:lstStyle/>
+          <a:p>
+            <a:pPr algn="ctr"/>
+            <a:r>
+              <a:rPr lang="en-US" altLang="zh-TW" sz="2800" dirty="0">
                 <a:solidFill>
                   <a:srgbClr val="FF0000"/>
                 </a:solidFill>
@@ -4102,9 +4811,9 @@
                 <a:ea typeface="+mj-ea"/>
                 <a:cs typeface="+mj-cs"/>
               </a:rPr>
-              <a:t>Processing</a:t>
-            </a:r>
-            <a:endParaRPr lang="zh-TW" altLang="en-US" sz="4000" dirty="0">
+              <a:t>Understanding</a:t>
+            </a:r>
+            <a:endParaRPr lang="zh-TW" altLang="en-US" sz="2800" dirty="0">
               <a:solidFill>
                 <a:srgbClr val="FF0000"/>
               </a:solidFill>
@@ -4115,6 +4824,348 @@
           </a:p>
         </p:txBody>
       </p:sp>
+      <p:sp>
+        <p:nvSpPr>
+          <p:cNvPr id="7" name="矩形 6">
+            <a:extLst>
+              <a:ext uri="{FF2B5EF4-FFF2-40B4-BE49-F238E27FC236}">
+                <a16:creationId xmlns:a16="http://schemas.microsoft.com/office/drawing/2014/main" id="{3CAF7B1F-499C-246E-8385-36481872AE18}"/>
+              </a:ext>
+            </a:extLst>
+          </p:cNvPr>
+          <p:cNvSpPr/>
+          <p:nvPr/>
+        </p:nvSpPr>
+        <p:spPr>
+          <a:xfrm>
+            <a:off x="883926" y="1362634"/>
+            <a:ext cx="3831509" cy="4607860"/>
+          </a:xfrm>
+          <a:prstGeom prst="rect">
+            <a:avLst/>
+          </a:prstGeom>
+          <a:noFill/>
+          <a:ln w="57150">
+            <a:solidFill>
+              <a:srgbClr val="FF0000"/>
+            </a:solidFill>
+          </a:ln>
+        </p:spPr>
+        <p:style>
+          <a:lnRef idx="2">
+            <a:schemeClr val="accent1">
+              <a:shade val="15000"/>
+            </a:schemeClr>
+          </a:lnRef>
+          <a:fillRef idx="1">
+            <a:schemeClr val="accent1"/>
+          </a:fillRef>
+          <a:effectRef idx="0">
+            <a:schemeClr val="accent1"/>
+          </a:effectRef>
+          <a:fontRef idx="minor">
+            <a:schemeClr val="lt1"/>
+          </a:fontRef>
+        </p:style>
+        <p:txBody>
+          <a:bodyPr rtlCol="0" anchor="ctr"/>
+          <a:lstStyle/>
+          <a:p>
+            <a:pPr algn="ctr"/>
+            <a:endParaRPr lang="zh-TW" altLang="en-US">
+              <a:solidFill>
+                <a:srgbClr val="FF0000"/>
+              </a:solidFill>
+            </a:endParaRPr>
+          </a:p>
+        </p:txBody>
+      </p:sp>
+      <p:sp>
+        <p:nvSpPr>
+          <p:cNvPr id="8" name="文字方塊 7">
+            <a:extLst>
+              <a:ext uri="{FF2B5EF4-FFF2-40B4-BE49-F238E27FC236}">
+                <a16:creationId xmlns:a16="http://schemas.microsoft.com/office/drawing/2014/main" id="{9666F11F-2FBD-04F3-BB71-EA16F6A200F9}"/>
+              </a:ext>
+            </a:extLst>
+          </p:cNvPr>
+          <p:cNvSpPr txBox="1"/>
+          <p:nvPr/>
+        </p:nvSpPr>
+        <p:spPr>
+          <a:xfrm>
+            <a:off x="5651748" y="1504599"/>
+            <a:ext cx="2355133" cy="523220"/>
+          </a:xfrm>
+          <a:prstGeom prst="rect">
+            <a:avLst/>
+          </a:prstGeom>
+          <a:noFill/>
+        </p:spPr>
+        <p:txBody>
+          <a:bodyPr wrap="none" rtlCol="0">
+            <a:spAutoFit/>
+          </a:bodyPr>
+          <a:lstStyle/>
+          <a:p>
+            <a:pPr algn="ctr"/>
+            <a:r>
+              <a:rPr lang="en-US" altLang="zh-TW" sz="2800" dirty="0">
+                <a:latin typeface="Arial Black" panose="020B0A04020102020204" pitchFamily="34" charset="0"/>
+                <a:ea typeface="+mj-ea"/>
+                <a:cs typeface="+mj-cs"/>
+              </a:rPr>
+              <a:t>Generating</a:t>
+            </a:r>
+            <a:endParaRPr lang="zh-TW" altLang="en-US" sz="2800" dirty="0">
+              <a:latin typeface="Arial Black" panose="020B0A04020102020204" pitchFamily="34" charset="0"/>
+              <a:ea typeface="+mj-ea"/>
+              <a:cs typeface="+mj-cs"/>
+            </a:endParaRPr>
+          </a:p>
+        </p:txBody>
+      </p:sp>
+      <p:sp>
+        <p:nvSpPr>
+          <p:cNvPr id="9" name="矩形 8">
+            <a:extLst>
+              <a:ext uri="{FF2B5EF4-FFF2-40B4-BE49-F238E27FC236}">
+                <a16:creationId xmlns:a16="http://schemas.microsoft.com/office/drawing/2014/main" id="{C9A19B25-1BDD-B927-A11A-3ED51AD2B471}"/>
+              </a:ext>
+            </a:extLst>
+          </p:cNvPr>
+          <p:cNvSpPr/>
+          <p:nvPr/>
+        </p:nvSpPr>
+        <p:spPr>
+          <a:xfrm>
+            <a:off x="4913561" y="1362634"/>
+            <a:ext cx="3831509" cy="4607860"/>
+          </a:xfrm>
+          <a:prstGeom prst="rect">
+            <a:avLst/>
+          </a:prstGeom>
+          <a:noFill/>
+          <a:ln w="57150">
+            <a:solidFill>
+              <a:schemeClr val="tx1"/>
+            </a:solidFill>
+          </a:ln>
+        </p:spPr>
+        <p:style>
+          <a:lnRef idx="2">
+            <a:schemeClr val="accent1">
+              <a:shade val="15000"/>
+            </a:schemeClr>
+          </a:lnRef>
+          <a:fillRef idx="1">
+            <a:schemeClr val="accent1"/>
+          </a:fillRef>
+          <a:effectRef idx="0">
+            <a:schemeClr val="accent1"/>
+          </a:effectRef>
+          <a:fontRef idx="minor">
+            <a:schemeClr val="lt1"/>
+          </a:fontRef>
+        </p:style>
+        <p:txBody>
+          <a:bodyPr rtlCol="0" anchor="ctr"/>
+          <a:lstStyle/>
+          <a:p>
+            <a:pPr algn="ctr"/>
+            <a:endParaRPr lang="zh-TW" altLang="en-US"/>
+          </a:p>
+        </p:txBody>
+      </p:sp>
+      <p:sp>
+        <p:nvSpPr>
+          <p:cNvPr id="10" name="矩形 9">
+            <a:extLst>
+              <a:ext uri="{FF2B5EF4-FFF2-40B4-BE49-F238E27FC236}">
+                <a16:creationId xmlns:a16="http://schemas.microsoft.com/office/drawing/2014/main" id="{7453B275-5314-5CF6-338C-FB3EE56C6128}"/>
+              </a:ext>
+            </a:extLst>
+          </p:cNvPr>
+          <p:cNvSpPr/>
+          <p:nvPr/>
+        </p:nvSpPr>
+        <p:spPr>
+          <a:xfrm>
+            <a:off x="8943197" y="1362633"/>
+            <a:ext cx="2364878" cy="665186"/>
+          </a:xfrm>
+          <a:prstGeom prst="rect">
+            <a:avLst/>
+          </a:prstGeom>
+          <a:noFill/>
+          <a:ln w="57150">
+            <a:solidFill>
+              <a:schemeClr val="tx1"/>
+            </a:solidFill>
+          </a:ln>
+        </p:spPr>
+        <p:style>
+          <a:lnRef idx="2">
+            <a:schemeClr val="accent1">
+              <a:shade val="15000"/>
+            </a:schemeClr>
+          </a:lnRef>
+          <a:fillRef idx="1">
+            <a:schemeClr val="accent1"/>
+          </a:fillRef>
+          <a:effectRef idx="0">
+            <a:schemeClr val="accent1"/>
+          </a:effectRef>
+          <a:fontRef idx="minor">
+            <a:schemeClr val="lt1"/>
+          </a:fontRef>
+        </p:style>
+        <p:txBody>
+          <a:bodyPr rtlCol="0" anchor="ctr"/>
+          <a:lstStyle/>
+          <a:p>
+            <a:pPr algn="ctr"/>
+            <a:endParaRPr lang="zh-TW" altLang="en-US"/>
+          </a:p>
+        </p:txBody>
+      </p:sp>
+      <p:sp>
+        <p:nvSpPr>
+          <p:cNvPr id="11" name="文字方塊 10">
+            <a:extLst>
+              <a:ext uri="{FF2B5EF4-FFF2-40B4-BE49-F238E27FC236}">
+                <a16:creationId xmlns:a16="http://schemas.microsoft.com/office/drawing/2014/main" id="{BCE8E60C-FAF1-DEDF-932A-4084BE68F098}"/>
+              </a:ext>
+            </a:extLst>
+          </p:cNvPr>
+          <p:cNvSpPr txBox="1"/>
+          <p:nvPr/>
+        </p:nvSpPr>
+        <p:spPr>
+          <a:xfrm>
+            <a:off x="9345705" y="1536174"/>
+            <a:ext cx="1559859" cy="4708981"/>
+          </a:xfrm>
+          <a:prstGeom prst="rect">
+            <a:avLst/>
+          </a:prstGeom>
+          <a:noFill/>
+        </p:spPr>
+        <p:txBody>
+          <a:bodyPr wrap="square" rtlCol="0">
+            <a:spAutoFit/>
+          </a:bodyPr>
+          <a:lstStyle/>
+          <a:p>
+            <a:pPr algn="ctr"/>
+            <a:r>
+              <a:rPr lang="en-US" altLang="zh-TW" sz="6000" dirty="0"/>
+              <a:t>.</a:t>
+            </a:r>
+          </a:p>
+          <a:p>
+            <a:pPr algn="ctr"/>
+            <a:r>
+              <a:rPr lang="en-US" altLang="zh-TW" sz="6000" dirty="0"/>
+              <a:t>.</a:t>
+            </a:r>
+          </a:p>
+          <a:p>
+            <a:pPr algn="ctr"/>
+            <a:r>
+              <a:rPr lang="en-US" altLang="zh-TW" sz="6000" dirty="0"/>
+              <a:t>.</a:t>
+            </a:r>
+          </a:p>
+          <a:p>
+            <a:pPr algn="ctr"/>
+            <a:r>
+              <a:rPr lang="en-US" altLang="zh-TW" sz="6000" dirty="0"/>
+              <a:t>.</a:t>
+            </a:r>
+          </a:p>
+          <a:p>
+            <a:pPr algn="ctr"/>
+            <a:r>
+              <a:rPr lang="en-US" altLang="zh-TW" sz="6000" dirty="0"/>
+              <a:t>.</a:t>
+            </a:r>
+            <a:endParaRPr lang="zh-TW" altLang="en-US" sz="6000" dirty="0"/>
+          </a:p>
+        </p:txBody>
+      </p:sp>
+      <p:pic>
+        <p:nvPicPr>
+          <p:cNvPr id="13" name="圖片 12" descr="一張含有 字型, 符號, 標誌, 圖形 的圖片&#10;&#10;自動產生的描述">
+            <a:extLst>
+              <a:ext uri="{FF2B5EF4-FFF2-40B4-BE49-F238E27FC236}">
+                <a16:creationId xmlns:a16="http://schemas.microsoft.com/office/drawing/2014/main" id="{5AA67A19-21A1-C693-3AA3-5A6F287A17C6}"/>
+              </a:ext>
+            </a:extLst>
+          </p:cNvPr>
+          <p:cNvPicPr>
+            <a:picLocks noChangeAspect="1"/>
+          </p:cNvPicPr>
+          <p:nvPr/>
+        </p:nvPicPr>
+        <p:blipFill>
+          <a:blip r:embed="rId2">
+            <a:extLst>
+              <a:ext uri="{28A0092B-C50C-407E-A947-70E740481C1C}">
+                <a14:useLocalDpi xmlns:a14="http://schemas.microsoft.com/office/drawing/2010/main" val="0"/>
+              </a:ext>
+            </a:extLst>
+          </a:blip>
+          <a:stretch>
+            <a:fillRect/>
+          </a:stretch>
+        </p:blipFill>
+        <p:spPr>
+          <a:xfrm>
+            <a:off x="6176991" y="2378506"/>
+            <a:ext cx="1304645" cy="1304645"/>
+          </a:xfrm>
+          <a:prstGeom prst="rect">
+            <a:avLst/>
+          </a:prstGeom>
+        </p:spPr>
+      </p:pic>
+      <p:pic>
+        <p:nvPicPr>
+          <p:cNvPr id="15" name="圖片 14" descr="一張含有 創造力 的圖片&#10;&#10;自動產生的描述">
+            <a:extLst>
+              <a:ext uri="{FF2B5EF4-FFF2-40B4-BE49-F238E27FC236}">
+                <a16:creationId xmlns:a16="http://schemas.microsoft.com/office/drawing/2014/main" id="{53E3C2B7-728E-45D4-E7B4-BF3C631ECC82}"/>
+              </a:ext>
+            </a:extLst>
+          </p:cNvPr>
+          <p:cNvPicPr>
+            <a:picLocks noChangeAspect="1"/>
+          </p:cNvPicPr>
+          <p:nvPr/>
+        </p:nvPicPr>
+        <p:blipFill>
+          <a:blip r:embed="rId3">
+            <a:extLst>
+              <a:ext uri="{28A0092B-C50C-407E-A947-70E740481C1C}">
+                <a14:useLocalDpi xmlns:a14="http://schemas.microsoft.com/office/drawing/2010/main" val="0"/>
+              </a:ext>
+            </a:extLst>
+          </a:blip>
+          <a:stretch>
+            <a:fillRect/>
+          </a:stretch>
+        </p:blipFill>
+        <p:spPr>
+          <a:xfrm>
+            <a:off x="6405002" y="4033838"/>
+            <a:ext cx="1071562" cy="1071562"/>
+          </a:xfrm>
+          <a:prstGeom prst="rect">
+            <a:avLst/>
+          </a:prstGeom>
+        </p:spPr>
+      </p:pic>
     </p:spTree>
     <p:extLst>
       <p:ext uri="{BB962C8B-B14F-4D97-AF65-F5344CB8AC3E}">
@@ -4125,13 +5176,6 @@
   <p:clrMapOvr>
     <a:masterClrMapping/>
   </p:clrMapOvr>
-  <p:timing>
-    <p:tnLst>
-      <p:par>
-        <p:cTn id="1" dur="indefinite" restart="never" nodeType="tmRoot"/>
-      </p:par>
-    </p:tnLst>
-  </p:timing>
 </p:sld>
 </file>
 
@@ -4176,7 +5220,7 @@
           <a:p>
             <a:pPr algn="ctr"/>
             <a:r>
-              <a:rPr lang="en-US" altLang="zh-TW" sz="4000" dirty="0" smtClean="0">
+              <a:rPr lang="en-US" altLang="zh-TW" sz="4000" dirty="0">
                 <a:latin typeface="Arial Black" panose="020B0A04020102020204" pitchFamily="34" charset="0"/>
                 <a:ea typeface="+mj-ea"/>
                 <a:cs typeface="+mj-cs"/>
@@ -4184,7 +5228,7 @@
               <a:t>Natural Language </a:t>
             </a:r>
             <a:r>
-              <a:rPr lang="en-US" altLang="zh-TW" sz="4000" dirty="0" smtClean="0">
+              <a:rPr lang="en-US" altLang="zh-TW" sz="4000" dirty="0">
                 <a:solidFill>
                   <a:srgbClr val="FF0000"/>
                 </a:solidFill>
@@ -4239,13 +5283,6 @@
   <p:clrMapOvr>
     <a:masterClrMapping/>
   </p:clrMapOvr>
-  <p:timing>
-    <p:tnLst>
-      <p:par>
-        <p:cTn id="1" dur="indefinite" restart="never" nodeType="tmRoot"/>
-      </p:par>
-    </p:tnLst>
-  </p:timing>
 </p:sld>
 </file>
 
@@ -4346,13 +5383,6 @@
   <p:clrMapOvr>
     <a:masterClrMapping/>
   </p:clrMapOvr>
-  <p:timing>
-    <p:tnLst>
-      <p:par>
-        <p:cTn id="1" dur="indefinite" restart="never" nodeType="tmRoot"/>
-      </p:par>
-    </p:tnLst>
-  </p:timing>
 </p:sld>
 </file>
 
@@ -4396,30 +5426,12 @@
           <a:lstStyle/>
           <a:p>
             <a:r>
-              <a:rPr lang="zh-TW" altLang="en-US" sz="4800" b="1" dirty="0" smtClean="0">
-                <a:latin typeface="標楷體" panose="03000509000000000000" pitchFamily="65" charset="-120"/>
-                <a:ea typeface="標楷體" panose="03000509000000000000" pitchFamily="65" charset="-120"/>
-              </a:rPr>
-              <a:t>小明把蘋果</a:t>
-            </a:r>
-            <a:r>
               <a:rPr lang="zh-TW" altLang="en-US" sz="4800" b="1" dirty="0">
                 <a:latin typeface="標楷體" panose="03000509000000000000" pitchFamily="65" charset="-120"/>
                 <a:ea typeface="標楷體" panose="03000509000000000000" pitchFamily="65" charset="-120"/>
               </a:rPr>
-              <a:t>給了</a:t>
-            </a:r>
-            <a:r>
-              <a:rPr lang="zh-TW" altLang="en-US" sz="4800" b="1" dirty="0" smtClean="0">
-                <a:latin typeface="標楷體" panose="03000509000000000000" pitchFamily="65" charset="-120"/>
-                <a:ea typeface="標楷體" panose="03000509000000000000" pitchFamily="65" charset="-120"/>
-              </a:rPr>
-              <a:t>小弟</a:t>
-            </a:r>
-            <a:endParaRPr lang="zh-TW" altLang="en-US" sz="4800" b="1" dirty="0">
-              <a:latin typeface="標楷體" panose="03000509000000000000" pitchFamily="65" charset="-120"/>
-              <a:ea typeface="標楷體" panose="03000509000000000000" pitchFamily="65" charset="-120"/>
-            </a:endParaRPr>
+              <a:t>小明把蘋果給了小弟</a:t>
+            </a:r>
           </a:p>
         </p:txBody>
       </p:sp>
@@ -4433,13 +5445,6 @@
   <p:clrMapOvr>
     <a:masterClrMapping/>
   </p:clrMapOvr>
-  <p:timing>
-    <p:tnLst>
-      <p:par>
-        <p:cTn id="1" dur="indefinite" restart="never" nodeType="tmRoot"/>
-      </p:par>
-    </p:tnLst>
-  </p:timing>
 </p:sld>
 </file>
 
@@ -4483,28 +5488,11 @@
           <a:lstStyle/>
           <a:p>
             <a:r>
-              <a:rPr lang="zh-TW" altLang="en-US" sz="4800" b="1" dirty="0" smtClean="0">
+              <a:rPr lang="zh-TW" altLang="en-US" sz="4800" b="1" dirty="0">
                 <a:latin typeface="標楷體" panose="03000509000000000000" pitchFamily="65" charset="-120"/>
                 <a:ea typeface="標楷體" panose="03000509000000000000" pitchFamily="65" charset="-120"/>
               </a:rPr>
               <a:t>小明</a:t>
-            </a:r>
-            <a:r>
-              <a:rPr lang="zh-TW" altLang="en-US" sz="4800" b="1" dirty="0" smtClean="0">
-                <a:solidFill>
-                  <a:schemeClr val="bg2"/>
-                </a:solidFill>
-                <a:latin typeface="標楷體" panose="03000509000000000000" pitchFamily="65" charset="-120"/>
-                <a:ea typeface="標楷體" panose="03000509000000000000" pitchFamily="65" charset="-120"/>
-              </a:rPr>
-              <a:t>把</a:t>
-            </a:r>
-            <a:r>
-              <a:rPr lang="zh-TW" altLang="en-US" sz="4800" b="1" dirty="0" smtClean="0">
-                <a:latin typeface="標楷體" panose="03000509000000000000" pitchFamily="65" charset="-120"/>
-                <a:ea typeface="標楷體" panose="03000509000000000000" pitchFamily="65" charset="-120"/>
-              </a:rPr>
-              <a:t>蘋果</a:t>
             </a:r>
             <a:r>
               <a:rPr lang="zh-TW" altLang="en-US" sz="4800" b="1" dirty="0">
@@ -4514,19 +5502,32 @@
                 <a:latin typeface="標楷體" panose="03000509000000000000" pitchFamily="65" charset="-120"/>
                 <a:ea typeface="標楷體" panose="03000509000000000000" pitchFamily="65" charset="-120"/>
               </a:rPr>
-              <a:t>給了</a:t>
-            </a:r>
-            <a:r>
-              <a:rPr lang="zh-TW" altLang="en-US" sz="4800" b="1" dirty="0" smtClean="0">
+              <a:t>把</a:t>
+            </a:r>
+            <a:r>
+              <a:rPr lang="zh-TW" altLang="en-US" sz="4800" b="1" dirty="0">
                 <a:latin typeface="標楷體" panose="03000509000000000000" pitchFamily="65" charset="-120"/>
                 <a:ea typeface="標楷體" panose="03000509000000000000" pitchFamily="65" charset="-120"/>
               </a:rPr>
+              <a:t>蘋果</a:t>
+            </a:r>
+            <a:r>
+              <a:rPr lang="zh-TW" altLang="en-US" sz="4800" b="1" dirty="0">
+                <a:solidFill>
+                  <a:schemeClr val="bg2"/>
+                </a:solidFill>
+                <a:latin typeface="標楷體" panose="03000509000000000000" pitchFamily="65" charset="-120"/>
+                <a:ea typeface="標楷體" panose="03000509000000000000" pitchFamily="65" charset="-120"/>
+              </a:rPr>
+              <a:t>給了</a:t>
+            </a:r>
+            <a:r>
+              <a:rPr lang="zh-TW" altLang="en-US" sz="4800" b="1" dirty="0">
+                <a:latin typeface="標楷體" panose="03000509000000000000" pitchFamily="65" charset="-120"/>
+                <a:ea typeface="標楷體" panose="03000509000000000000" pitchFamily="65" charset="-120"/>
+              </a:rPr>
               <a:t>小弟</a:t>
             </a:r>
-            <a:endParaRPr lang="zh-TW" altLang="en-US" sz="4800" b="1" dirty="0">
-              <a:latin typeface="標楷體" panose="03000509000000000000" pitchFamily="65" charset="-120"/>
-              <a:ea typeface="標楷體" panose="03000509000000000000" pitchFamily="65" charset="-120"/>
-            </a:endParaRPr>
           </a:p>
         </p:txBody>
       </p:sp>
@@ -4540,13 +5541,6 @@
   <p:clrMapOvr>
     <a:masterClrMapping/>
   </p:clrMapOvr>
-  <p:timing>
-    <p:tnLst>
-      <p:par>
-        <p:cTn id="1" dur="indefinite" restart="never" nodeType="tmRoot"/>
-      </p:par>
-    </p:tnLst>
-  </p:timing>
 </p:sld>
 </file>
 
@@ -4590,7 +5584,7 @@
           <a:lstStyle/>
           <a:p>
             <a:r>
-              <a:rPr lang="zh-TW" altLang="en-US" sz="4800" b="1" dirty="0" smtClean="0">
+              <a:rPr lang="zh-TW" altLang="en-US" sz="4800" b="1" dirty="0">
                 <a:solidFill>
                   <a:srgbClr val="FF0000"/>
                 </a:solidFill>
@@ -4600,14 +5594,14 @@
               <a:t>小明</a:t>
             </a:r>
             <a:r>
-              <a:rPr lang="zh-TW" altLang="en-US" sz="4800" b="1" dirty="0" smtClean="0">
+              <a:rPr lang="zh-TW" altLang="en-US" sz="4800" b="1" dirty="0">
                 <a:latin typeface="標楷體" panose="03000509000000000000" pitchFamily="65" charset="-120"/>
                 <a:ea typeface="標楷體" panose="03000509000000000000" pitchFamily="65" charset="-120"/>
               </a:rPr>
               <a:t>把</a:t>
             </a:r>
             <a:r>
-              <a:rPr lang="zh-TW" altLang="en-US" sz="4800" b="1" dirty="0" smtClean="0">
+              <a:rPr lang="zh-TW" altLang="en-US" sz="4800" b="1" dirty="0">
                 <a:solidFill>
                   <a:srgbClr val="00B050"/>
                 </a:solidFill>
@@ -4617,14 +5611,14 @@
               <a:t>蘋果</a:t>
             </a:r>
             <a:r>
-              <a:rPr lang="zh-TW" altLang="en-US" sz="4800" b="1" dirty="0" smtClean="0">
+              <a:rPr lang="zh-TW" altLang="en-US" sz="4800" b="1" dirty="0">
                 <a:latin typeface="標楷體" panose="03000509000000000000" pitchFamily="65" charset="-120"/>
                 <a:ea typeface="標楷體" panose="03000509000000000000" pitchFamily="65" charset="-120"/>
               </a:rPr>
               <a:t>給了</a:t>
             </a:r>
             <a:r>
-              <a:rPr lang="zh-TW" altLang="en-US" sz="4800" b="1" dirty="0" smtClean="0">
+              <a:rPr lang="zh-TW" altLang="en-US" sz="4800" b="1" dirty="0">
                 <a:solidFill>
                   <a:srgbClr val="00B0F0"/>
                 </a:solidFill>
@@ -4633,26 +5627,19 @@
               </a:rPr>
               <a:t>小弟</a:t>
             </a:r>
-            <a:endParaRPr lang="zh-TW" altLang="en-US" sz="4800" b="1" dirty="0">
-              <a:solidFill>
-                <a:srgbClr val="00B0F0"/>
-              </a:solidFill>
-              <a:latin typeface="標楷體" panose="03000509000000000000" pitchFamily="65" charset="-120"/>
-              <a:ea typeface="標楷體" panose="03000509000000000000" pitchFamily="65" charset="-120"/>
-            </a:endParaRPr>
-          </a:p>
-        </p:txBody>
-      </p:sp>
-      <p:sp>
-        <p:nvSpPr>
-          <p:cNvPr id="5" name="文字方塊 4"/>
+          </a:p>
+        </p:txBody>
+      </p:sp>
+      <p:sp>
+        <p:nvSpPr>
+          <p:cNvPr id="6" name="文字方塊 5"/>
           <p:cNvSpPr txBox="1"/>
           <p:nvPr/>
         </p:nvSpPr>
         <p:spPr>
           <a:xfrm>
-            <a:off x="2674619" y="2256629"/>
-            <a:ext cx="6643255" cy="830997"/>
+            <a:off x="1753292" y="1425632"/>
+            <a:ext cx="8286404" cy="830997"/>
           </a:xfrm>
           <a:prstGeom prst="rect">
             <a:avLst/>
@@ -4666,97 +5653,34 @@
           <a:lstStyle/>
           <a:p>
             <a:r>
-              <a:rPr lang="zh-TW" altLang="en-US" sz="4800" b="1" dirty="0" smtClean="0">
-                <a:latin typeface="標楷體" panose="03000509000000000000" pitchFamily="65" charset="-120"/>
-                <a:ea typeface="標楷體" panose="03000509000000000000" pitchFamily="65" charset="-120"/>
-              </a:rPr>
-              <a:t>小明把蘋果</a:t>
-            </a:r>
-            <a:r>
-              <a:rPr lang="zh-TW" altLang="en-US" sz="4800" b="1" dirty="0" smtClean="0">
+              <a:rPr lang="zh-TW" altLang="en-US" sz="4800" b="1" dirty="0">
                 <a:solidFill>
                   <a:srgbClr val="FF0000"/>
                 </a:solidFill>
                 <a:latin typeface="標楷體" panose="03000509000000000000" pitchFamily="65" charset="-120"/>
                 <a:ea typeface="標楷體" panose="03000509000000000000" pitchFamily="65" charset="-120"/>
               </a:rPr>
-              <a:t>給</a:t>
-            </a:r>
-            <a:r>
-              <a:rPr lang="en-US" altLang="zh-TW" sz="4800" dirty="0" smtClean="0">
+              <a:t>小明</a:t>
+            </a:r>
+            <a:r>
+              <a:rPr lang="en-US" altLang="zh-TW" sz="4800" dirty="0">
                 <a:solidFill>
                   <a:srgbClr val="FF0000"/>
                 </a:solidFill>
                 <a:latin typeface="Arial Black" panose="020B0A04020102020204" pitchFamily="34" charset="0"/>
                 <a:ea typeface="標楷體" panose="03000509000000000000" pitchFamily="65" charset="-120"/>
               </a:rPr>
-              <a:t>(v)</a:t>
-            </a:r>
-            <a:r>
-              <a:rPr lang="zh-TW" altLang="en-US" sz="4800" b="1" dirty="0" smtClean="0">
+              <a:t>(n)</a:t>
+            </a:r>
+            <a:r>
+              <a:rPr lang="zh-TW" altLang="en-US" sz="4800" b="1" dirty="0">
                 <a:latin typeface="標楷體" panose="03000509000000000000" pitchFamily="65" charset="-120"/>
                 <a:ea typeface="標楷體" panose="03000509000000000000" pitchFamily="65" charset="-120"/>
               </a:rPr>
-              <a:t>了小弟</a:t>
-            </a:r>
-            <a:endParaRPr lang="zh-TW" altLang="en-US" sz="4800" b="1" dirty="0">
-              <a:latin typeface="標楷體" panose="03000509000000000000" pitchFamily="65" charset="-120"/>
-              <a:ea typeface="標楷體" panose="03000509000000000000" pitchFamily="65" charset="-120"/>
-            </a:endParaRPr>
-          </a:p>
-        </p:txBody>
-      </p:sp>
-      <p:sp>
-        <p:nvSpPr>
-          <p:cNvPr id="6" name="文字方塊 5"/>
-          <p:cNvSpPr txBox="1"/>
-          <p:nvPr/>
-        </p:nvSpPr>
-        <p:spPr>
-          <a:xfrm>
-            <a:off x="1753292" y="1425632"/>
-            <a:ext cx="8286404" cy="830997"/>
-          </a:xfrm>
-          <a:prstGeom prst="rect">
-            <a:avLst/>
-          </a:prstGeom>
-          <a:noFill/>
-        </p:spPr>
-        <p:txBody>
-          <a:bodyPr wrap="square" rtlCol="0">
-            <a:spAutoFit/>
-          </a:bodyPr>
-          <a:lstStyle/>
-          <a:p>
-            <a:r>
-              <a:rPr lang="zh-TW" altLang="en-US" sz="4800" b="1" dirty="0" smtClean="0">
-                <a:solidFill>
-                  <a:srgbClr val="FF0000"/>
-                </a:solidFill>
-                <a:latin typeface="標楷體" panose="03000509000000000000" pitchFamily="65" charset="-120"/>
-                <a:ea typeface="標楷體" panose="03000509000000000000" pitchFamily="65" charset="-120"/>
-              </a:rPr>
-              <a:t>小明</a:t>
-            </a:r>
-            <a:r>
-              <a:rPr lang="en-US" altLang="zh-TW" sz="4800" dirty="0" smtClean="0">
-                <a:solidFill>
-                  <a:srgbClr val="FF0000"/>
-                </a:solidFill>
-                <a:latin typeface="Arial Black" panose="020B0A04020102020204" pitchFamily="34" charset="0"/>
-                <a:ea typeface="標楷體" panose="03000509000000000000" pitchFamily="65" charset="-120"/>
-              </a:rPr>
-              <a:t>(n)</a:t>
-            </a:r>
-            <a:r>
-              <a:rPr lang="zh-TW" altLang="en-US" sz="4800" b="1" dirty="0" smtClean="0">
-                <a:latin typeface="標楷體" panose="03000509000000000000" pitchFamily="65" charset="-120"/>
-                <a:ea typeface="標楷體" panose="03000509000000000000" pitchFamily="65" charset="-120"/>
-              </a:rPr>
               <a:t>把</a:t>
             </a:r>
             <a:r>
-              <a:rPr lang="zh-TW" altLang="en-US" sz="4800" b="1" dirty="0" smtClean="0">
+              <a:rPr lang="zh-TW" altLang="en-US" sz="4800" b="1" dirty="0">
                 <a:solidFill>
                   <a:srgbClr val="00B050"/>
                 </a:solidFill>
@@ -4776,14 +5700,14 @@
               <a:t>(n)</a:t>
             </a:r>
             <a:r>
-              <a:rPr lang="zh-TW" altLang="en-US" sz="4800" b="1" dirty="0" smtClean="0">
+              <a:rPr lang="zh-TW" altLang="en-US" sz="4800" b="1" dirty="0">
                 <a:latin typeface="標楷體" panose="03000509000000000000" pitchFamily="65" charset="-120"/>
                 <a:ea typeface="標楷體" panose="03000509000000000000" pitchFamily="65" charset="-120"/>
               </a:rPr>
               <a:t>給了</a:t>
             </a:r>
             <a:r>
-              <a:rPr lang="zh-TW" altLang="en-US" sz="4800" b="1" dirty="0" smtClean="0">
+              <a:rPr lang="zh-TW" altLang="en-US" sz="4800" b="1" dirty="0">
                 <a:solidFill>
                   <a:srgbClr val="00B0F0"/>
                 </a:solidFill>
@@ -4814,7 +5738,13 @@
       </p:sp>
       <p:pic>
         <p:nvPicPr>
-          <p:cNvPr id="9" name="圖片 8"/>
+          <p:cNvPr id="3" name="圖片 2">
+            <a:extLst>
+              <a:ext uri="{FF2B5EF4-FFF2-40B4-BE49-F238E27FC236}">
+                <a16:creationId xmlns:a16="http://schemas.microsoft.com/office/drawing/2014/main" id="{01691518-97A4-05E2-1291-00CF493760ED}"/>
+              </a:ext>
+            </a:extLst>
+          </p:cNvPr>
           <p:cNvPicPr>
             <a:picLocks noChangeAspect="1"/>
           </p:cNvPicPr>
@@ -4834,7 +5764,7 @@
         </p:blipFill>
         <p:spPr>
           <a:xfrm>
-            <a:off x="5631152" y="4486216"/>
+            <a:off x="5730905" y="3924368"/>
             <a:ext cx="730189" cy="730189"/>
           </a:xfrm>
           <a:prstGeom prst="rect">
@@ -4844,7 +5774,13 @@
       </p:pic>
       <p:pic>
         <p:nvPicPr>
-          <p:cNvPr id="14" name="圖片 13"/>
+          <p:cNvPr id="4" name="圖片 3">
+            <a:extLst>
+              <a:ext uri="{FF2B5EF4-FFF2-40B4-BE49-F238E27FC236}">
+                <a16:creationId xmlns:a16="http://schemas.microsoft.com/office/drawing/2014/main" id="{700A0AFE-BB18-6A8F-D85F-24DDC6CBB78B}"/>
+              </a:ext>
+            </a:extLst>
+          </p:cNvPr>
           <p:cNvPicPr>
             <a:picLocks noChangeAspect="1"/>
           </p:cNvPicPr>
@@ -4864,8 +5800,38 @@
         </p:blipFill>
         <p:spPr>
           <a:xfrm>
-            <a:off x="4697527" y="3554448"/>
+            <a:off x="3295395" y="3087626"/>
             <a:ext cx="933625" cy="2403675"/>
+          </a:xfrm>
+          <a:prstGeom prst="rect">
+            <a:avLst/>
+          </a:prstGeom>
+        </p:spPr>
+      </p:pic>
+      <p:pic>
+        <p:nvPicPr>
+          <p:cNvPr id="8" name="圖片 7"/>
+          <p:cNvPicPr>
+            <a:picLocks noChangeAspect="1"/>
+          </p:cNvPicPr>
+          <p:nvPr/>
+        </p:nvPicPr>
+        <p:blipFill>
+          <a:blip r:embed="rId4" cstate="print">
+            <a:extLst>
+              <a:ext uri="{28A0092B-C50C-407E-A947-70E740481C1C}">
+                <a14:useLocalDpi xmlns:a14="http://schemas.microsoft.com/office/drawing/2010/main" val="0"/>
+              </a:ext>
+            </a:extLst>
+          </a:blip>
+          <a:stretch>
+            <a:fillRect/>
+          </a:stretch>
+        </p:blipFill>
+        <p:spPr>
+          <a:xfrm>
+            <a:off x="7895812" y="3552969"/>
+            <a:ext cx="1610564" cy="1610564"/>
           </a:xfrm>
           <a:prstGeom prst="rect">
             <a:avLst/>
@@ -4956,7 +5922,7 @@
                             </p:stCondLst>
                             <p:childTnLst>
                               <p:par>
-                                <p:cTn id="10" presetID="10" presetClass="entr" presetSubtype="0" fill="hold" grpId="0" nodeType="clickEffect">
+                                <p:cTn id="10" presetID="10" presetClass="entr" presetSubtype="0" fill="hold" nodeType="clickEffect">
                                   <p:stCondLst>
                                     <p:cond delay="0"/>
                                   </p:stCondLst>
@@ -4969,7 +5935,7 @@
                                           </p:stCondLst>
                                         </p:cTn>
                                         <p:tgtEl>
-                                          <p:spTgt spid="5"/>
+                                          <p:spTgt spid="4"/>
                                         </p:tgtEl>
                                         <p:attrNameLst>
                                           <p:attrName>style.visibility</p:attrName>
@@ -4983,46 +5949,28 @@
                                       <p:cBhvr>
                                         <p:cTn id="12" dur="500"/>
                                         <p:tgtEl>
-                                          <p:spTgt spid="5"/>
+                                          <p:spTgt spid="4"/>
                                         </p:tgtEl>
                                       </p:cBhvr>
                                     </p:animEffect>
                                   </p:childTnLst>
                                 </p:cTn>
                               </p:par>
-                            </p:childTnLst>
-                          </p:cTn>
-                        </p:par>
-                      </p:childTnLst>
-                    </p:cTn>
-                  </p:par>
-                  <p:par>
-                    <p:cTn id="13" fill="hold">
-                      <p:stCondLst>
-                        <p:cond delay="indefinite"/>
-                      </p:stCondLst>
-                      <p:childTnLst>
-                        <p:par>
-                          <p:cTn id="14" fill="hold">
-                            <p:stCondLst>
-                              <p:cond delay="0"/>
-                            </p:stCondLst>
-                            <p:childTnLst>
                               <p:par>
-                                <p:cTn id="15" presetID="10" presetClass="entr" presetSubtype="0" fill="hold" nodeType="clickEffect">
+                                <p:cTn id="13" presetID="10" presetClass="entr" presetSubtype="0" fill="hold" nodeType="withEffect">
                                   <p:stCondLst>
                                     <p:cond delay="0"/>
                                   </p:stCondLst>
                                   <p:childTnLst>
                                     <p:set>
                                       <p:cBhvr>
-                                        <p:cTn id="16" dur="1" fill="hold">
+                                        <p:cTn id="14" dur="1" fill="hold">
                                           <p:stCondLst>
                                             <p:cond delay="0"/>
                                           </p:stCondLst>
                                         </p:cTn>
                                         <p:tgtEl>
-                                          <p:spTgt spid="14"/>
+                                          <p:spTgt spid="3"/>
                                         </p:tgtEl>
                                         <p:attrNameLst>
                                           <p:attrName>style.visibility</p:attrName>
@@ -5034,9 +5982,9 @@
                                     </p:set>
                                     <p:animEffect transition="in" filter="fade">
                                       <p:cBhvr>
-                                        <p:cTn id="17" dur="500"/>
+                                        <p:cTn id="15" dur="500"/>
                                         <p:tgtEl>
-                                          <p:spTgt spid="14"/>
+                                          <p:spTgt spid="3"/>
                                         </p:tgtEl>
                                       </p:cBhvr>
                                     </p:animEffect>
@@ -5044,20 +5992,20 @@
                                 </p:cTn>
                               </p:par>
                               <p:par>
-                                <p:cTn id="18" presetID="10" presetClass="entr" presetSubtype="0" fill="hold" nodeType="withEffect">
+                                <p:cTn id="16" presetID="10" presetClass="entr" presetSubtype="0" fill="hold" nodeType="withEffect">
                                   <p:stCondLst>
                                     <p:cond delay="0"/>
                                   </p:stCondLst>
                                   <p:childTnLst>
                                     <p:set>
                                       <p:cBhvr>
-                                        <p:cTn id="19" dur="1" fill="hold">
+                                        <p:cTn id="17" dur="1" fill="hold">
                                           <p:stCondLst>
                                             <p:cond delay="0"/>
                                           </p:stCondLst>
                                         </p:cTn>
                                         <p:tgtEl>
-                                          <p:spTgt spid="9"/>
+                                          <p:spTgt spid="8"/>
                                         </p:tgtEl>
                                         <p:attrNameLst>
                                           <p:attrName>style.visibility</p:attrName>
@@ -5069,9 +6017,9 @@
                                     </p:set>
                                     <p:animEffect transition="in" filter="fade">
                                       <p:cBhvr>
-                                        <p:cTn id="20" dur="500"/>
+                                        <p:cTn id="18" dur="500"/>
                                         <p:tgtEl>
-                                          <p:spTgt spid="9"/>
+                                          <p:spTgt spid="8"/>
                                         </p:tgtEl>
                                       </p:cBhvr>
                                     </p:animEffect>
@@ -5106,7 +6054,6 @@
       </p:par>
     </p:tnLst>
     <p:bldLst>
-      <p:bldP spid="5" grpId="0"/>
       <p:bldP spid="6" grpId="0"/>
     </p:bldLst>
   </p:timing>
@@ -5132,14 +6079,14 @@
       </p:grpSpPr>
       <p:sp>
         <p:nvSpPr>
-          <p:cNvPr id="2" name="文字方塊 1"/>
+          <p:cNvPr id="3" name="文字方塊 2"/>
           <p:cNvSpPr txBox="1"/>
           <p:nvPr/>
         </p:nvSpPr>
         <p:spPr>
           <a:xfrm>
-            <a:off x="3149138" y="594635"/>
-            <a:ext cx="5694218" cy="830997"/>
+            <a:off x="2674618" y="899877"/>
+            <a:ext cx="6643255" cy="830997"/>
           </a:xfrm>
           <a:prstGeom prst="rect">
             <a:avLst/>
@@ -5153,48 +6100,127 @@
           <a:lstStyle/>
           <a:p>
             <a:r>
-              <a:rPr lang="zh-TW" altLang="en-US" sz="4800" b="1" dirty="0" smtClean="0">
+              <a:rPr lang="zh-TW" altLang="en-US" sz="4800" b="1" dirty="0">
+                <a:latin typeface="標楷體" panose="03000509000000000000" pitchFamily="65" charset="-120"/>
+                <a:ea typeface="標楷體" panose="03000509000000000000" pitchFamily="65" charset="-120"/>
+              </a:rPr>
+              <a:t>小明把蘋果</a:t>
+            </a:r>
+            <a:r>
+              <a:rPr lang="zh-TW" altLang="en-US" sz="4800" b="1" dirty="0">
                 <a:solidFill>
                   <a:srgbClr val="FF0000"/>
                 </a:solidFill>
                 <a:latin typeface="標楷體" panose="03000509000000000000" pitchFamily="65" charset="-120"/>
                 <a:ea typeface="標楷體" panose="03000509000000000000" pitchFamily="65" charset="-120"/>
               </a:rPr>
-              <a:t>小明</a:t>
-            </a:r>
-            <a:r>
-              <a:rPr lang="zh-TW" altLang="en-US" sz="4800" b="1" dirty="0" smtClean="0">
+              <a:t>給</a:t>
+            </a:r>
+            <a:r>
+              <a:rPr lang="en-US" altLang="zh-TW" sz="4800" dirty="0">
+                <a:solidFill>
+                  <a:srgbClr val="FF0000"/>
+                </a:solidFill>
+                <a:latin typeface="Arial Black" panose="020B0A04020102020204" pitchFamily="34" charset="0"/>
+                <a:ea typeface="標楷體" panose="03000509000000000000" pitchFamily="65" charset="-120"/>
+              </a:rPr>
+              <a:t>(v)</a:t>
+            </a:r>
+            <a:r>
+              <a:rPr lang="zh-TW" altLang="en-US" sz="4800" b="1" dirty="0">
                 <a:latin typeface="標楷體" panose="03000509000000000000" pitchFamily="65" charset="-120"/>
                 <a:ea typeface="標楷體" panose="03000509000000000000" pitchFamily="65" charset="-120"/>
               </a:rPr>
+              <a:t>了小弟</a:t>
+            </a:r>
+          </a:p>
+        </p:txBody>
+      </p:sp>
+      <p:sp>
+        <p:nvSpPr>
+          <p:cNvPr id="4" name="文字方塊 3">
+            <a:extLst>
+              <a:ext uri="{FF2B5EF4-FFF2-40B4-BE49-F238E27FC236}">
+                <a16:creationId xmlns:a16="http://schemas.microsoft.com/office/drawing/2014/main" id="{ECFABCE4-0E3A-22C5-3840-AE002527C942}"/>
+              </a:ext>
+            </a:extLst>
+          </p:cNvPr>
+          <p:cNvSpPr txBox="1"/>
+          <p:nvPr/>
+        </p:nvSpPr>
+        <p:spPr>
+          <a:xfrm>
+            <a:off x="2674618" y="1641595"/>
+            <a:ext cx="6643255" cy="830997"/>
+          </a:xfrm>
+          <a:prstGeom prst="rect">
+            <a:avLst/>
+          </a:prstGeom>
+          <a:noFill/>
+        </p:spPr>
+        <p:txBody>
+          <a:bodyPr wrap="square" rtlCol="0">
+            <a:spAutoFit/>
+          </a:bodyPr>
+          <a:lstStyle/>
+          <a:p>
+            <a:r>
+              <a:rPr lang="en-US" altLang="zh-TW" sz="4800" b="1" dirty="0">
+                <a:solidFill>
+                  <a:srgbClr val="FF0000"/>
+                </a:solidFill>
+                <a:latin typeface="標楷體" panose="03000509000000000000" pitchFamily="65" charset="-120"/>
+                <a:ea typeface="標楷體" panose="03000509000000000000" pitchFamily="65" charset="-120"/>
+              </a:rPr>
+              <a:t>____</a:t>
+            </a:r>
+            <a:r>
+              <a:rPr lang="zh-TW" altLang="en-US" sz="4800" b="1" dirty="0">
+                <a:latin typeface="標楷體" panose="03000509000000000000" pitchFamily="65" charset="-120"/>
+                <a:ea typeface="標楷體" panose="03000509000000000000" pitchFamily="65" charset="-120"/>
+              </a:rPr>
               <a:t>把</a:t>
             </a:r>
             <a:r>
-              <a:rPr lang="zh-TW" altLang="en-US" sz="4800" b="1" dirty="0" smtClean="0">
+              <a:rPr lang="en-US" altLang="zh-TW" sz="4800" b="1" dirty="0">
                 <a:solidFill>
                   <a:srgbClr val="00B050"/>
                 </a:solidFill>
                 <a:latin typeface="標楷體" panose="03000509000000000000" pitchFamily="65" charset="-120"/>
                 <a:ea typeface="標楷體" panose="03000509000000000000" pitchFamily="65" charset="-120"/>
               </a:rPr>
-              <a:t>蘋果</a:t>
-            </a:r>
-            <a:r>
-              <a:rPr lang="zh-TW" altLang="en-US" sz="4800" b="1" dirty="0" smtClean="0">
+              <a:t>____</a:t>
+            </a:r>
+            <a:r>
+              <a:rPr lang="zh-TW" altLang="en-US" sz="4800" b="1" dirty="0">
                 <a:latin typeface="標楷體" panose="03000509000000000000" pitchFamily="65" charset="-120"/>
                 <a:ea typeface="標楷體" panose="03000509000000000000" pitchFamily="65" charset="-120"/>
               </a:rPr>
-              <a:t>給了</a:t>
-            </a:r>
-            <a:r>
-              <a:rPr lang="zh-TW" altLang="en-US" sz="4800" b="1" dirty="0" smtClean="0">
+              <a:t>給</a:t>
+            </a:r>
+            <a:r>
+              <a:rPr lang="en-US" altLang="zh-TW" sz="4800" dirty="0">
+                <a:latin typeface="Arial Black" panose="020B0A04020102020204" pitchFamily="34" charset="0"/>
+                <a:ea typeface="標楷體" panose="03000509000000000000" pitchFamily="65" charset="-120"/>
+              </a:rPr>
+              <a:t>(v)</a:t>
+            </a:r>
+            <a:r>
+              <a:rPr lang="zh-TW" altLang="en-US" sz="4800" b="1" dirty="0">
+                <a:latin typeface="標楷體" panose="03000509000000000000" pitchFamily="65" charset="-120"/>
+                <a:ea typeface="標楷體" panose="03000509000000000000" pitchFamily="65" charset="-120"/>
+              </a:rPr>
+              <a:t>了</a:t>
+            </a:r>
+            <a:r>
+              <a:rPr lang="en-US" altLang="zh-TW" sz="4800" b="1" dirty="0">
                 <a:solidFill>
                   <a:srgbClr val="00B0F0"/>
                 </a:solidFill>
                 <a:latin typeface="標楷體" panose="03000509000000000000" pitchFamily="65" charset="-120"/>
                 <a:ea typeface="標楷體" panose="03000509000000000000" pitchFamily="65" charset="-120"/>
               </a:rPr>
-              <a:t>小弟</a:t>
+              <a:t>____</a:t>
             </a:r>
             <a:endParaRPr lang="zh-TW" altLang="en-US" sz="4800" b="1" dirty="0">
               <a:solidFill>
@@ -5206,178 +6232,15 @@
           </a:p>
         </p:txBody>
       </p:sp>
-      <p:sp>
-        <p:nvSpPr>
-          <p:cNvPr id="5" name="文字方塊 4"/>
-          <p:cNvSpPr txBox="1"/>
-          <p:nvPr/>
-        </p:nvSpPr>
-        <p:spPr>
-          <a:xfrm>
-            <a:off x="2674619" y="2256629"/>
-            <a:ext cx="6643255" cy="830997"/>
-          </a:xfrm>
-          <a:prstGeom prst="rect">
-            <a:avLst/>
-          </a:prstGeom>
-          <a:noFill/>
-        </p:spPr>
-        <p:txBody>
-          <a:bodyPr wrap="square" rtlCol="0">
-            <a:spAutoFit/>
-          </a:bodyPr>
-          <a:lstStyle/>
-          <a:p>
-            <a:r>
-              <a:rPr lang="zh-TW" altLang="en-US" sz="4800" b="1" dirty="0" smtClean="0">
-                <a:latin typeface="標楷體" panose="03000509000000000000" pitchFamily="65" charset="-120"/>
-                <a:ea typeface="標楷體" panose="03000509000000000000" pitchFamily="65" charset="-120"/>
-              </a:rPr>
-              <a:t>小明把蘋果</a:t>
-            </a:r>
-            <a:r>
-              <a:rPr lang="zh-TW" altLang="en-US" sz="4800" b="1" dirty="0" smtClean="0">
-                <a:solidFill>
-                  <a:srgbClr val="FF0000"/>
-                </a:solidFill>
-                <a:latin typeface="標楷體" panose="03000509000000000000" pitchFamily="65" charset="-120"/>
-                <a:ea typeface="標楷體" panose="03000509000000000000" pitchFamily="65" charset="-120"/>
-              </a:rPr>
-              <a:t>給</a:t>
-            </a:r>
-            <a:r>
-              <a:rPr lang="en-US" altLang="zh-TW" sz="4800" dirty="0" smtClean="0">
-                <a:solidFill>
-                  <a:srgbClr val="FF0000"/>
-                </a:solidFill>
-                <a:latin typeface="Arial Black" panose="020B0A04020102020204" pitchFamily="34" charset="0"/>
-                <a:ea typeface="標楷體" panose="03000509000000000000" pitchFamily="65" charset="-120"/>
-              </a:rPr>
-              <a:t>(v)</a:t>
-            </a:r>
-            <a:r>
-              <a:rPr lang="zh-TW" altLang="en-US" sz="4800" b="1" dirty="0" smtClean="0">
-                <a:latin typeface="標楷體" panose="03000509000000000000" pitchFamily="65" charset="-120"/>
-                <a:ea typeface="標楷體" panose="03000509000000000000" pitchFamily="65" charset="-120"/>
-              </a:rPr>
-              <a:t>了小弟</a:t>
-            </a:r>
-            <a:endParaRPr lang="zh-TW" altLang="en-US" sz="4800" b="1" dirty="0">
-              <a:latin typeface="標楷體" panose="03000509000000000000" pitchFamily="65" charset="-120"/>
-              <a:ea typeface="標楷體" panose="03000509000000000000" pitchFamily="65" charset="-120"/>
-            </a:endParaRPr>
-          </a:p>
-        </p:txBody>
-      </p:sp>
-      <p:sp>
-        <p:nvSpPr>
-          <p:cNvPr id="6" name="文字方塊 5"/>
-          <p:cNvSpPr txBox="1"/>
-          <p:nvPr/>
-        </p:nvSpPr>
-        <p:spPr>
-          <a:xfrm>
-            <a:off x="1753292" y="1425632"/>
-            <a:ext cx="8286404" cy="830997"/>
-          </a:xfrm>
-          <a:prstGeom prst="rect">
-            <a:avLst/>
-          </a:prstGeom>
-          <a:noFill/>
-        </p:spPr>
-        <p:txBody>
-          <a:bodyPr wrap="square" rtlCol="0">
-            <a:spAutoFit/>
-          </a:bodyPr>
-          <a:lstStyle/>
-          <a:p>
-            <a:r>
-              <a:rPr lang="zh-TW" altLang="en-US" sz="4800" b="1" dirty="0" smtClean="0">
-                <a:solidFill>
-                  <a:srgbClr val="FF0000"/>
-                </a:solidFill>
-                <a:latin typeface="標楷體" panose="03000509000000000000" pitchFamily="65" charset="-120"/>
-                <a:ea typeface="標楷體" panose="03000509000000000000" pitchFamily="65" charset="-120"/>
-              </a:rPr>
-              <a:t>小明</a:t>
-            </a:r>
-            <a:r>
-              <a:rPr lang="en-US" altLang="zh-TW" sz="4800" dirty="0" smtClean="0">
-                <a:solidFill>
-                  <a:srgbClr val="FF0000"/>
-                </a:solidFill>
-                <a:latin typeface="Arial Black" panose="020B0A04020102020204" pitchFamily="34" charset="0"/>
-                <a:ea typeface="標楷體" panose="03000509000000000000" pitchFamily="65" charset="-120"/>
-              </a:rPr>
-              <a:t>(n)</a:t>
-            </a:r>
-            <a:r>
-              <a:rPr lang="zh-TW" altLang="en-US" sz="4800" b="1" dirty="0" smtClean="0">
-                <a:latin typeface="標楷體" panose="03000509000000000000" pitchFamily="65" charset="-120"/>
-                <a:ea typeface="標楷體" panose="03000509000000000000" pitchFamily="65" charset="-120"/>
-              </a:rPr>
-              <a:t>把</a:t>
-            </a:r>
-            <a:r>
-              <a:rPr lang="zh-TW" altLang="en-US" sz="4800" b="1" dirty="0" smtClean="0">
-                <a:solidFill>
-                  <a:srgbClr val="00B050"/>
-                </a:solidFill>
-                <a:latin typeface="標楷體" panose="03000509000000000000" pitchFamily="65" charset="-120"/>
-                <a:ea typeface="標楷體" panose="03000509000000000000" pitchFamily="65" charset="-120"/>
-              </a:rPr>
-              <a:t>蘋果</a:t>
-            </a:r>
-            <a:r>
-              <a:rPr lang="en-US" altLang="zh-TW" sz="4800" dirty="0">
-                <a:solidFill>
-                  <a:srgbClr val="00B050"/>
-                </a:solidFill>
-                <a:latin typeface="Arial Black" panose="020B0A04020102020204" pitchFamily="34" charset="0"/>
-                <a:ea typeface="標楷體" panose="03000509000000000000" pitchFamily="65" charset="-120"/>
-              </a:rPr>
-              <a:t>(n)</a:t>
-            </a:r>
-            <a:r>
-              <a:rPr lang="zh-TW" altLang="en-US" sz="4800" b="1" dirty="0" smtClean="0">
-                <a:latin typeface="標楷體" panose="03000509000000000000" pitchFamily="65" charset="-120"/>
-                <a:ea typeface="標楷體" panose="03000509000000000000" pitchFamily="65" charset="-120"/>
-              </a:rPr>
-              <a:t>給了</a:t>
-            </a:r>
-            <a:r>
-              <a:rPr lang="zh-TW" altLang="en-US" sz="4800" b="1" dirty="0" smtClean="0">
-                <a:solidFill>
-                  <a:srgbClr val="00B0F0"/>
-                </a:solidFill>
-                <a:latin typeface="標楷體" panose="03000509000000000000" pitchFamily="65" charset="-120"/>
-                <a:ea typeface="標楷體" panose="03000509000000000000" pitchFamily="65" charset="-120"/>
-              </a:rPr>
-              <a:t>小弟</a:t>
-            </a:r>
-            <a:r>
-              <a:rPr lang="en-US" altLang="zh-TW" sz="4800" dirty="0">
-                <a:solidFill>
-                  <a:srgbClr val="00B0F0"/>
-                </a:solidFill>
-                <a:latin typeface="Arial Black" panose="020B0A04020102020204" pitchFamily="34" charset="0"/>
-                <a:ea typeface="標楷體" panose="03000509000000000000" pitchFamily="65" charset="-120"/>
-              </a:rPr>
-              <a:t>(n)</a:t>
-            </a:r>
-            <a:endParaRPr lang="zh-TW" altLang="en-US" sz="4800" dirty="0">
-              <a:solidFill>
-                <a:srgbClr val="00B0F0"/>
-              </a:solidFill>
-              <a:latin typeface="Arial Black" panose="020B0A04020102020204" pitchFamily="34" charset="0"/>
-              <a:ea typeface="標楷體" panose="03000509000000000000" pitchFamily="65" charset="-120"/>
-            </a:endParaRPr>
-          </a:p>
-        </p:txBody>
-      </p:sp>
       <p:pic>
         <p:nvPicPr>
-          <p:cNvPr id="9" name="圖片 8"/>
+          <p:cNvPr id="7" name="圖片 6">
+            <a:extLst>
+              <a:ext uri="{FF2B5EF4-FFF2-40B4-BE49-F238E27FC236}">
+                <a16:creationId xmlns:a16="http://schemas.microsoft.com/office/drawing/2014/main" id="{94C959A4-9641-D4FD-502D-FC560B84AA7D}"/>
+              </a:ext>
+            </a:extLst>
+          </p:cNvPr>
           <p:cNvPicPr>
             <a:picLocks noChangeAspect="1"/>
           </p:cNvPicPr>
@@ -5397,7 +6260,7 @@
         </p:blipFill>
         <p:spPr>
           <a:xfrm>
-            <a:off x="5631152" y="4486216"/>
+            <a:off x="4229020" y="4019394"/>
             <a:ext cx="730189" cy="730189"/>
           </a:xfrm>
           <a:prstGeom prst="rect">
@@ -5407,7 +6270,13 @@
       </p:pic>
       <p:pic>
         <p:nvPicPr>
-          <p:cNvPr id="3" name="圖片 2"/>
+          <p:cNvPr id="8" name="圖片 7">
+            <a:extLst>
+              <a:ext uri="{FF2B5EF4-FFF2-40B4-BE49-F238E27FC236}">
+                <a16:creationId xmlns:a16="http://schemas.microsoft.com/office/drawing/2014/main" id="{48F27EB4-5E26-024C-33B1-E4F9C19C69FA}"/>
+              </a:ext>
+            </a:extLst>
+          </p:cNvPr>
           <p:cNvPicPr>
             <a:picLocks noChangeAspect="1"/>
           </p:cNvPicPr>
@@ -5427,7 +6296,79 @@
         </p:blipFill>
         <p:spPr>
           <a:xfrm>
-            <a:off x="6361341" y="4044772"/>
+            <a:off x="3295395" y="3087626"/>
+            <a:ext cx="933625" cy="2403675"/>
+          </a:xfrm>
+          <a:prstGeom prst="rect">
+            <a:avLst/>
+          </a:prstGeom>
+        </p:spPr>
+      </p:pic>
+      <p:pic>
+        <p:nvPicPr>
+          <p:cNvPr id="10" name="圖片 9">
+            <a:extLst>
+              <a:ext uri="{FF2B5EF4-FFF2-40B4-BE49-F238E27FC236}">
+                <a16:creationId xmlns:a16="http://schemas.microsoft.com/office/drawing/2014/main" id="{DE3E3285-E910-3264-1375-A17D689A5CF4}"/>
+              </a:ext>
+            </a:extLst>
+          </p:cNvPr>
+          <p:cNvPicPr>
+            <a:picLocks noChangeAspect="1"/>
+          </p:cNvPicPr>
+          <p:nvPr/>
+        </p:nvPicPr>
+        <p:blipFill>
+          <a:blip r:embed="rId2" cstate="print">
+            <a:extLst>
+              <a:ext uri="{28A0092B-C50C-407E-A947-70E740481C1C}">
+                <a14:useLocalDpi xmlns:a14="http://schemas.microsoft.com/office/drawing/2010/main" val="0"/>
+              </a:ext>
+            </a:extLst>
+          </a:blip>
+          <a:stretch>
+            <a:fillRect/>
+          </a:stretch>
+        </p:blipFill>
+        <p:spPr>
+          <a:xfrm>
+            <a:off x="7046992" y="3993156"/>
+            <a:ext cx="730189" cy="730189"/>
+          </a:xfrm>
+          <a:prstGeom prst="rect">
+            <a:avLst/>
+          </a:prstGeom>
+        </p:spPr>
+      </p:pic>
+      <p:pic>
+        <p:nvPicPr>
+          <p:cNvPr id="11" name="圖片 10">
+            <a:extLst>
+              <a:ext uri="{FF2B5EF4-FFF2-40B4-BE49-F238E27FC236}">
+                <a16:creationId xmlns:a16="http://schemas.microsoft.com/office/drawing/2014/main" id="{99487AEF-2EF8-DBB1-FCB7-CE47DB35EA09}"/>
+              </a:ext>
+            </a:extLst>
+          </p:cNvPr>
+          <p:cNvPicPr>
+            <a:picLocks noChangeAspect="1"/>
+          </p:cNvPicPr>
+          <p:nvPr/>
+        </p:nvPicPr>
+        <p:blipFill>
+          <a:blip r:embed="rId4" cstate="print">
+            <a:extLst>
+              <a:ext uri="{28A0092B-C50C-407E-A947-70E740481C1C}">
+                <a14:useLocalDpi xmlns:a14="http://schemas.microsoft.com/office/drawing/2010/main" val="0"/>
+              </a:ext>
+            </a:extLst>
+          </a:blip>
+          <a:stretch>
+            <a:fillRect/>
+          </a:stretch>
+        </p:blipFill>
+        <p:spPr>
+          <a:xfrm>
+            <a:off x="7895812" y="3552969"/>
             <a:ext cx="1610564" cy="1610564"/>
           </a:xfrm>
           <a:prstGeom prst="rect">
@@ -5438,7 +6379,7 @@
     </p:spTree>
     <p:extLst>
       <p:ext uri="{BB962C8B-B14F-4D97-AF65-F5344CB8AC3E}">
-        <p14:creationId xmlns:p14="http://schemas.microsoft.com/office/powerpoint/2010/main" val="3534230044"/>
+        <p14:creationId xmlns:p14="http://schemas.microsoft.com/office/powerpoint/2010/main" val="3743016359"/>
       </p:ext>
     </p:extLst>
   </p:cSld>
@@ -5448,9 +6389,264 @@
   <p:timing>
     <p:tnLst>
       <p:par>
-        <p:cTn id="1" dur="indefinite" restart="never" nodeType="tmRoot"/>
+        <p:cTn id="1" dur="indefinite" restart="never" nodeType="tmRoot">
+          <p:childTnLst>
+            <p:seq concurrent="1" nextAc="seek">
+              <p:cTn id="2" dur="indefinite" nodeType="mainSeq">
+                <p:childTnLst>
+                  <p:par>
+                    <p:cTn id="3" fill="hold">
+                      <p:stCondLst>
+                        <p:cond delay="indefinite"/>
+                      </p:stCondLst>
+                      <p:childTnLst>
+                        <p:par>
+                          <p:cTn id="4" fill="hold">
+                            <p:stCondLst>
+                              <p:cond delay="0"/>
+                            </p:stCondLst>
+                            <p:childTnLst>
+                              <p:par>
+                                <p:cTn id="5" presetID="10" presetClass="entr" presetSubtype="0" fill="hold" grpId="0" nodeType="clickEffect">
+                                  <p:stCondLst>
+                                    <p:cond delay="0"/>
+                                  </p:stCondLst>
+                                  <p:childTnLst>
+                                    <p:set>
+                                      <p:cBhvr>
+                                        <p:cTn id="6" dur="1" fill="hold">
+                                          <p:stCondLst>
+                                            <p:cond delay="0"/>
+                                          </p:stCondLst>
+                                        </p:cTn>
+                                        <p:tgtEl>
+                                          <p:spTgt spid="4"/>
+                                        </p:tgtEl>
+                                        <p:attrNameLst>
+                                          <p:attrName>style.visibility</p:attrName>
+                                        </p:attrNameLst>
+                                      </p:cBhvr>
+                                      <p:to>
+                                        <p:strVal val="visible"/>
+                                      </p:to>
+                                    </p:set>
+                                    <p:animEffect transition="in" filter="fade">
+                                      <p:cBhvr>
+                                        <p:cTn id="7" dur="500"/>
+                                        <p:tgtEl>
+                                          <p:spTgt spid="4"/>
+                                        </p:tgtEl>
+                                      </p:cBhvr>
+                                    </p:animEffect>
+                                  </p:childTnLst>
+                                </p:cTn>
+                              </p:par>
+                            </p:childTnLst>
+                          </p:cTn>
+                        </p:par>
+                      </p:childTnLst>
+                    </p:cTn>
+                  </p:par>
+                  <p:par>
+                    <p:cTn id="8" fill="hold">
+                      <p:stCondLst>
+                        <p:cond delay="indefinite"/>
+                      </p:stCondLst>
+                      <p:childTnLst>
+                        <p:par>
+                          <p:cTn id="9" fill="hold">
+                            <p:stCondLst>
+                              <p:cond delay="0"/>
+                            </p:stCondLst>
+                            <p:childTnLst>
+                              <p:par>
+                                <p:cTn id="10" presetID="10" presetClass="entr" presetSubtype="0" fill="hold" nodeType="clickEffect">
+                                  <p:stCondLst>
+                                    <p:cond delay="0"/>
+                                  </p:stCondLst>
+                                  <p:childTnLst>
+                                    <p:set>
+                                      <p:cBhvr>
+                                        <p:cTn id="11" dur="1" fill="hold">
+                                          <p:stCondLst>
+                                            <p:cond delay="0"/>
+                                          </p:stCondLst>
+                                        </p:cTn>
+                                        <p:tgtEl>
+                                          <p:spTgt spid="8"/>
+                                        </p:tgtEl>
+                                        <p:attrNameLst>
+                                          <p:attrName>style.visibility</p:attrName>
+                                        </p:attrNameLst>
+                                      </p:cBhvr>
+                                      <p:to>
+                                        <p:strVal val="visible"/>
+                                      </p:to>
+                                    </p:set>
+                                    <p:animEffect transition="in" filter="fade">
+                                      <p:cBhvr>
+                                        <p:cTn id="12" dur="500"/>
+                                        <p:tgtEl>
+                                          <p:spTgt spid="8"/>
+                                        </p:tgtEl>
+                                      </p:cBhvr>
+                                    </p:animEffect>
+                                  </p:childTnLst>
+                                </p:cTn>
+                              </p:par>
+                              <p:par>
+                                <p:cTn id="13" presetID="10" presetClass="entr" presetSubtype="0" fill="hold" nodeType="withEffect">
+                                  <p:stCondLst>
+                                    <p:cond delay="0"/>
+                                  </p:stCondLst>
+                                  <p:childTnLst>
+                                    <p:set>
+                                      <p:cBhvr>
+                                        <p:cTn id="14" dur="1" fill="hold">
+                                          <p:stCondLst>
+                                            <p:cond delay="0"/>
+                                          </p:stCondLst>
+                                        </p:cTn>
+                                        <p:tgtEl>
+                                          <p:spTgt spid="7"/>
+                                        </p:tgtEl>
+                                        <p:attrNameLst>
+                                          <p:attrName>style.visibility</p:attrName>
+                                        </p:attrNameLst>
+                                      </p:cBhvr>
+                                      <p:to>
+                                        <p:strVal val="visible"/>
+                                      </p:to>
+                                    </p:set>
+                                    <p:animEffect transition="in" filter="fade">
+                                      <p:cBhvr>
+                                        <p:cTn id="15" dur="500"/>
+                                        <p:tgtEl>
+                                          <p:spTgt spid="7"/>
+                                        </p:tgtEl>
+                                      </p:cBhvr>
+                                    </p:animEffect>
+                                  </p:childTnLst>
+                                </p:cTn>
+                              </p:par>
+                            </p:childTnLst>
+                          </p:cTn>
+                        </p:par>
+                      </p:childTnLst>
+                    </p:cTn>
+                  </p:par>
+                  <p:par>
+                    <p:cTn id="16" fill="hold">
+                      <p:stCondLst>
+                        <p:cond delay="indefinite"/>
+                      </p:stCondLst>
+                      <p:childTnLst>
+                        <p:par>
+                          <p:cTn id="17" fill="hold">
+                            <p:stCondLst>
+                              <p:cond delay="0"/>
+                            </p:stCondLst>
+                            <p:childTnLst>
+                              <p:par>
+                                <p:cTn id="18" presetID="10" presetClass="entr" presetSubtype="0" fill="hold" nodeType="clickEffect">
+                                  <p:stCondLst>
+                                    <p:cond delay="0"/>
+                                  </p:stCondLst>
+                                  <p:childTnLst>
+                                    <p:set>
+                                      <p:cBhvr>
+                                        <p:cTn id="19" dur="1" fill="hold">
+                                          <p:stCondLst>
+                                            <p:cond delay="0"/>
+                                          </p:stCondLst>
+                                        </p:cTn>
+                                        <p:tgtEl>
+                                          <p:spTgt spid="10"/>
+                                        </p:tgtEl>
+                                        <p:attrNameLst>
+                                          <p:attrName>style.visibility</p:attrName>
+                                        </p:attrNameLst>
+                                      </p:cBhvr>
+                                      <p:to>
+                                        <p:strVal val="visible"/>
+                                      </p:to>
+                                    </p:set>
+                                    <p:animEffect transition="in" filter="fade">
+                                      <p:cBhvr>
+                                        <p:cTn id="20" dur="500"/>
+                                        <p:tgtEl>
+                                          <p:spTgt spid="10"/>
+                                        </p:tgtEl>
+                                      </p:cBhvr>
+                                    </p:animEffect>
+                                  </p:childTnLst>
+                                </p:cTn>
+                              </p:par>
+                              <p:par>
+                                <p:cTn id="21" presetID="10" presetClass="entr" presetSubtype="0" fill="hold" nodeType="withEffect">
+                                  <p:stCondLst>
+                                    <p:cond delay="0"/>
+                                  </p:stCondLst>
+                                  <p:childTnLst>
+                                    <p:set>
+                                      <p:cBhvr>
+                                        <p:cTn id="22" dur="1" fill="hold">
+                                          <p:stCondLst>
+                                            <p:cond delay="0"/>
+                                          </p:stCondLst>
+                                        </p:cTn>
+                                        <p:tgtEl>
+                                          <p:spTgt spid="11"/>
+                                        </p:tgtEl>
+                                        <p:attrNameLst>
+                                          <p:attrName>style.visibility</p:attrName>
+                                        </p:attrNameLst>
+                                      </p:cBhvr>
+                                      <p:to>
+                                        <p:strVal val="visible"/>
+                                      </p:to>
+                                    </p:set>
+                                    <p:animEffect transition="in" filter="fade">
+                                      <p:cBhvr>
+                                        <p:cTn id="23" dur="500"/>
+                                        <p:tgtEl>
+                                          <p:spTgt spid="11"/>
+                                        </p:tgtEl>
+                                      </p:cBhvr>
+                                    </p:animEffect>
+                                  </p:childTnLst>
+                                </p:cTn>
+                              </p:par>
+                            </p:childTnLst>
+                          </p:cTn>
+                        </p:par>
+                      </p:childTnLst>
+                    </p:cTn>
+                  </p:par>
+                </p:childTnLst>
+              </p:cTn>
+              <p:prevCondLst>
+                <p:cond evt="onPrev" delay="0">
+                  <p:tgtEl>
+                    <p:sldTgt/>
+                  </p:tgtEl>
+                </p:cond>
+              </p:prevCondLst>
+              <p:nextCondLst>
+                <p:cond evt="onNext" delay="0">
+                  <p:tgtEl>
+                    <p:sldTgt/>
+                  </p:tgtEl>
+                </p:cond>
+              </p:nextCondLst>
+            </p:seq>
+          </p:childTnLst>
+        </p:cTn>
       </p:par>
     </p:tnLst>
+    <p:bldLst>
+      <p:bldP spid="4" grpId="0"/>
+    </p:bldLst>
   </p:timing>
 </p:sld>
 </file>
@@ -5495,7 +6691,7 @@
           <a:lstStyle/>
           <a:p>
             <a:r>
-              <a:rPr lang="zh-TW" altLang="en-US" sz="4800" b="1" dirty="0" smtClean="0">
+              <a:rPr lang="zh-TW" altLang="en-US" sz="4800" b="1" dirty="0">
                 <a:solidFill>
                   <a:srgbClr val="FF0000"/>
                 </a:solidFill>
@@ -5505,14 +6701,14 @@
               <a:t>小明</a:t>
             </a:r>
             <a:r>
-              <a:rPr lang="zh-TW" altLang="en-US" sz="4800" b="1" dirty="0" smtClean="0">
+              <a:rPr lang="zh-TW" altLang="en-US" sz="4800" b="1" dirty="0">
                 <a:latin typeface="標楷體" panose="03000509000000000000" pitchFamily="65" charset="-120"/>
                 <a:ea typeface="標楷體" panose="03000509000000000000" pitchFamily="65" charset="-120"/>
               </a:rPr>
               <a:t>把</a:t>
             </a:r>
             <a:r>
-              <a:rPr lang="zh-TW" altLang="en-US" sz="4800" b="1" dirty="0" smtClean="0">
+              <a:rPr lang="zh-TW" altLang="en-US" sz="4800" b="1" dirty="0">
                 <a:solidFill>
                   <a:srgbClr val="00B050"/>
                 </a:solidFill>
@@ -5522,14 +6718,14 @@
               <a:t>蘋果</a:t>
             </a:r>
             <a:r>
-              <a:rPr lang="zh-TW" altLang="en-US" sz="4800" b="1" dirty="0" smtClean="0">
+              <a:rPr lang="zh-TW" altLang="en-US" sz="4800" b="1" dirty="0">
                 <a:latin typeface="標楷體" panose="03000509000000000000" pitchFamily="65" charset="-120"/>
                 <a:ea typeface="標楷體" panose="03000509000000000000" pitchFamily="65" charset="-120"/>
               </a:rPr>
               <a:t>給了</a:t>
             </a:r>
             <a:r>
-              <a:rPr lang="zh-TW" altLang="en-US" sz="4800" b="1" dirty="0" smtClean="0">
+              <a:rPr lang="zh-TW" altLang="en-US" sz="4800" b="1" dirty="0">
                 <a:solidFill>
                   <a:srgbClr val="00B0F0"/>
                 </a:solidFill>
@@ -5538,13 +6734,6 @@
               </a:rPr>
               <a:t>小弟</a:t>
             </a:r>
-            <a:endParaRPr lang="zh-TW" altLang="en-US" sz="4800" b="1" dirty="0">
-              <a:solidFill>
-                <a:srgbClr val="00B0F0"/>
-              </a:solidFill>
-              <a:latin typeface="標楷體" panose="03000509000000000000" pitchFamily="65" charset="-120"/>
-              <a:ea typeface="標楷體" panose="03000509000000000000" pitchFamily="65" charset="-120"/>
-            </a:endParaRPr>
           </a:p>
         </p:txBody>
       </p:sp>
@@ -5571,14 +6760,14 @@
           <a:lstStyle/>
           <a:p>
             <a:r>
-              <a:rPr lang="zh-TW" altLang="en-US" sz="4800" b="1" dirty="0" smtClean="0">
+              <a:rPr lang="zh-TW" altLang="en-US" sz="4800" b="1" dirty="0">
                 <a:latin typeface="標楷體" panose="03000509000000000000" pitchFamily="65" charset="-120"/>
                 <a:ea typeface="標楷體" panose="03000509000000000000" pitchFamily="65" charset="-120"/>
               </a:rPr>
               <a:t>小明把蘋果</a:t>
             </a:r>
             <a:r>
-              <a:rPr lang="zh-TW" altLang="en-US" sz="4800" b="1" dirty="0" smtClean="0">
+              <a:rPr lang="zh-TW" altLang="en-US" sz="4800" b="1" dirty="0">
                 <a:solidFill>
                   <a:srgbClr val="FF0000"/>
                 </a:solidFill>
@@ -5588,7 +6777,7 @@
               <a:t>給</a:t>
             </a:r>
             <a:r>
-              <a:rPr lang="en-US" altLang="zh-TW" sz="4800" dirty="0" smtClean="0">
+              <a:rPr lang="en-US" altLang="zh-TW" sz="4800" dirty="0">
                 <a:solidFill>
                   <a:srgbClr val="FF0000"/>
                 </a:solidFill>
@@ -5598,16 +6787,12 @@
               <a:t>(v)</a:t>
             </a:r>
             <a:r>
-              <a:rPr lang="zh-TW" altLang="en-US" sz="4800" b="1" dirty="0" smtClean="0">
+              <a:rPr lang="zh-TW" altLang="en-US" sz="4800" b="1" dirty="0">
                 <a:latin typeface="標楷體" panose="03000509000000000000" pitchFamily="65" charset="-120"/>
                 <a:ea typeface="標楷體" panose="03000509000000000000" pitchFamily="65" charset="-120"/>
               </a:rPr>
               <a:t>了小弟</a:t>
             </a:r>
-            <a:endParaRPr lang="zh-TW" altLang="en-US" sz="4800" b="1" dirty="0">
-              <a:latin typeface="標楷體" panose="03000509000000000000" pitchFamily="65" charset="-120"/>
-              <a:ea typeface="標楷體" panose="03000509000000000000" pitchFamily="65" charset="-120"/>
-            </a:endParaRPr>
           </a:p>
         </p:txBody>
       </p:sp>
@@ -5634,7 +6819,7 @@
           <a:lstStyle/>
           <a:p>
             <a:r>
-              <a:rPr lang="zh-TW" altLang="en-US" sz="4800" b="1" dirty="0" smtClean="0">
+              <a:rPr lang="zh-TW" altLang="en-US" sz="4800" b="1" dirty="0">
                 <a:solidFill>
                   <a:srgbClr val="FF0000"/>
                 </a:solidFill>
@@ -5644,7 +6829,7 @@
               <a:t>小明</a:t>
             </a:r>
             <a:r>
-              <a:rPr lang="en-US" altLang="zh-TW" sz="4800" dirty="0" smtClean="0">
+              <a:rPr lang="en-US" altLang="zh-TW" sz="4800" dirty="0">
                 <a:solidFill>
                   <a:srgbClr val="FF0000"/>
                 </a:solidFill>
@@ -5654,14 +6839,14 @@
               <a:t>(n)</a:t>
             </a:r>
             <a:r>
-              <a:rPr lang="zh-TW" altLang="en-US" sz="4800" b="1" dirty="0" smtClean="0">
+              <a:rPr lang="zh-TW" altLang="en-US" sz="4800" b="1" dirty="0">
                 <a:latin typeface="標楷體" panose="03000509000000000000" pitchFamily="65" charset="-120"/>
                 <a:ea typeface="標楷體" panose="03000509000000000000" pitchFamily="65" charset="-120"/>
               </a:rPr>
               <a:t>把</a:t>
             </a:r>
             <a:r>
-              <a:rPr lang="zh-TW" altLang="en-US" sz="4800" b="1" dirty="0" smtClean="0">
+              <a:rPr lang="zh-TW" altLang="en-US" sz="4800" b="1" dirty="0">
                 <a:solidFill>
                   <a:srgbClr val="00B050"/>
                 </a:solidFill>
@@ -5681,14 +6866,14 @@
               <a:t>(n)</a:t>
             </a:r>
             <a:r>
-              <a:rPr lang="zh-TW" altLang="en-US" sz="4800" b="1" dirty="0" smtClean="0">
+              <a:rPr lang="zh-TW" altLang="en-US" sz="4800" b="1" dirty="0">
                 <a:latin typeface="標楷體" panose="03000509000000000000" pitchFamily="65" charset="-120"/>
                 <a:ea typeface="標楷體" panose="03000509000000000000" pitchFamily="65" charset="-120"/>
               </a:rPr>
               <a:t>給了</a:t>
             </a:r>
             <a:r>
-              <a:rPr lang="zh-TW" altLang="en-US" sz="4800" b="1" dirty="0" smtClean="0">
+              <a:rPr lang="zh-TW" altLang="en-US" sz="4800" b="1" dirty="0">
                 <a:solidFill>
                   <a:srgbClr val="00B0F0"/>
                 </a:solidFill>
@@ -5717,114 +6902,16 @@
           </a:p>
         </p:txBody>
       </p:sp>
-      <p:sp>
-        <p:nvSpPr>
-          <p:cNvPr id="4" name="矩形 3"/>
-          <p:cNvSpPr/>
-          <p:nvPr/>
-        </p:nvSpPr>
-        <p:spPr>
-          <a:xfrm>
-            <a:off x="0" y="0"/>
-            <a:ext cx="12192000" cy="6858000"/>
-          </a:xfrm>
-          <a:prstGeom prst="rect">
-            <a:avLst/>
-          </a:prstGeom>
-          <a:solidFill>
-            <a:schemeClr val="tx1">
-              <a:alpha val="90000"/>
-            </a:schemeClr>
-          </a:solidFill>
-          <a:ln>
-            <a:solidFill>
-              <a:schemeClr val="tx1"/>
-            </a:solidFill>
-          </a:ln>
-        </p:spPr>
-        <p:style>
-          <a:lnRef idx="2">
-            <a:schemeClr val="accent1">
-              <a:shade val="50000"/>
-            </a:schemeClr>
-          </a:lnRef>
-          <a:fillRef idx="1">
-            <a:schemeClr val="accent1"/>
-          </a:fillRef>
-          <a:effectRef idx="0">
-            <a:schemeClr val="accent1"/>
-          </a:effectRef>
-          <a:fontRef idx="minor">
-            <a:schemeClr val="lt1"/>
-          </a:fontRef>
-        </p:style>
-        <p:txBody>
-          <a:bodyPr rtlCol="0" anchor="ctr"/>
-          <a:lstStyle/>
-          <a:p>
-            <a:pPr algn="ctr"/>
-            <a:endParaRPr lang="zh-TW" altLang="en-US"/>
-          </a:p>
-        </p:txBody>
-      </p:sp>
-      <p:sp>
-        <p:nvSpPr>
-          <p:cNvPr id="7" name="文字方塊 6"/>
-          <p:cNvSpPr txBox="1"/>
-          <p:nvPr/>
-        </p:nvSpPr>
-        <p:spPr>
-          <a:xfrm>
-            <a:off x="3754522" y="2672127"/>
-            <a:ext cx="5088834" cy="1569660"/>
-          </a:xfrm>
-          <a:prstGeom prst="rect">
-            <a:avLst/>
-          </a:prstGeom>
-          <a:noFill/>
-        </p:spPr>
-        <p:txBody>
-          <a:bodyPr wrap="square" rtlCol="0">
-            <a:spAutoFit/>
-          </a:bodyPr>
-          <a:lstStyle/>
-          <a:p>
-            <a:pPr algn="ctr"/>
-            <a:r>
-              <a:rPr lang="en-US" altLang="zh-TW" sz="9600" b="1" dirty="0" smtClean="0">
-                <a:solidFill>
-                  <a:srgbClr val="FF0000"/>
-                </a:solidFill>
-                <a:latin typeface="Arial Black" panose="020B0A04020102020204" pitchFamily="34" charset="0"/>
-              </a:rPr>
-              <a:t>HOW ?</a:t>
-            </a:r>
-            <a:endParaRPr lang="zh-TW" altLang="en-US" sz="9600" b="1" dirty="0">
-              <a:solidFill>
-                <a:srgbClr val="FF0000"/>
-              </a:solidFill>
-              <a:latin typeface="Arial Black" panose="020B0A04020102020204" pitchFamily="34" charset="0"/>
-            </a:endParaRPr>
-          </a:p>
-        </p:txBody>
-      </p:sp>
     </p:spTree>
     <p:extLst>
       <p:ext uri="{BB962C8B-B14F-4D97-AF65-F5344CB8AC3E}">
-        <p14:creationId xmlns:p14="http://schemas.microsoft.com/office/powerpoint/2010/main" val="3744414516"/>
+        <p14:creationId xmlns:p14="http://schemas.microsoft.com/office/powerpoint/2010/main" val="3534230044"/>
       </p:ext>
     </p:extLst>
   </p:cSld>
   <p:clrMapOvr>
     <a:masterClrMapping/>
   </p:clrMapOvr>
-  <p:timing>
-    <p:tnLst>
-      <p:par>
-        <p:cTn id="1" dur="indefinite" restart="never" nodeType="tmRoot"/>
-      </p:par>
-    </p:tnLst>
-  </p:timing>
 </p:sld>
 </file>
 

--- a/Week03_Case_Extraction/Week 03.pptx
+++ b/Week03_Case_Extraction/Week 03.pptx
@@ -20,8 +20,8 @@
     <p:sldId id="257" r:id="rId14"/>
     <p:sldId id="258" r:id="rId15"/>
     <p:sldId id="259" r:id="rId16"/>
-    <p:sldId id="270" r:id="rId17"/>
-    <p:sldId id="273" r:id="rId18"/>
+    <p:sldId id="273" r:id="rId17"/>
+    <p:sldId id="270" r:id="rId18"/>
     <p:sldId id="271" r:id="rId19"/>
     <p:sldId id="274" r:id="rId20"/>
   </p:sldIdLst>
@@ -270,7 +270,7 @@
           <a:p>
             <a:fld id="{19706069-D345-43C2-B511-2199960C95D3}" type="datetimeFigureOut">
               <a:rPr lang="zh-TW" altLang="en-US" smtClean="0"/>
-              <a:t>2024/3/19</a:t>
+              <a:t>2024/3/20</a:t>
             </a:fld>
             <a:endParaRPr lang="zh-TW" altLang="en-US"/>
           </a:p>
@@ -438,7 +438,7 @@
           <a:p>
             <a:fld id="{19706069-D345-43C2-B511-2199960C95D3}" type="datetimeFigureOut">
               <a:rPr lang="zh-TW" altLang="en-US" smtClean="0"/>
-              <a:t>2024/3/19</a:t>
+              <a:t>2024/3/20</a:t>
             </a:fld>
             <a:endParaRPr lang="zh-TW" altLang="en-US"/>
           </a:p>
@@ -616,7 +616,7 @@
           <a:p>
             <a:fld id="{19706069-D345-43C2-B511-2199960C95D3}" type="datetimeFigureOut">
               <a:rPr lang="zh-TW" altLang="en-US" smtClean="0"/>
-              <a:t>2024/3/19</a:t>
+              <a:t>2024/3/20</a:t>
             </a:fld>
             <a:endParaRPr lang="zh-TW" altLang="en-US"/>
           </a:p>
@@ -784,7 +784,7 @@
           <a:p>
             <a:fld id="{19706069-D345-43C2-B511-2199960C95D3}" type="datetimeFigureOut">
               <a:rPr lang="zh-TW" altLang="en-US" smtClean="0"/>
-              <a:t>2024/3/19</a:t>
+              <a:t>2024/3/20</a:t>
             </a:fld>
             <a:endParaRPr lang="zh-TW" altLang="en-US"/>
           </a:p>
@@ -1029,7 +1029,7 @@
           <a:p>
             <a:fld id="{19706069-D345-43C2-B511-2199960C95D3}" type="datetimeFigureOut">
               <a:rPr lang="zh-TW" altLang="en-US" smtClean="0"/>
-              <a:t>2024/3/19</a:t>
+              <a:t>2024/3/20</a:t>
             </a:fld>
             <a:endParaRPr lang="zh-TW" altLang="en-US"/>
           </a:p>
@@ -1258,7 +1258,7 @@
           <a:p>
             <a:fld id="{19706069-D345-43C2-B511-2199960C95D3}" type="datetimeFigureOut">
               <a:rPr lang="zh-TW" altLang="en-US" smtClean="0"/>
-              <a:t>2024/3/19</a:t>
+              <a:t>2024/3/20</a:t>
             </a:fld>
             <a:endParaRPr lang="zh-TW" altLang="en-US"/>
           </a:p>
@@ -1622,7 +1622,7 @@
           <a:p>
             <a:fld id="{19706069-D345-43C2-B511-2199960C95D3}" type="datetimeFigureOut">
               <a:rPr lang="zh-TW" altLang="en-US" smtClean="0"/>
-              <a:t>2024/3/19</a:t>
+              <a:t>2024/3/20</a:t>
             </a:fld>
             <a:endParaRPr lang="zh-TW" altLang="en-US"/>
           </a:p>
@@ -1739,7 +1739,7 @@
           <a:p>
             <a:fld id="{19706069-D345-43C2-B511-2199960C95D3}" type="datetimeFigureOut">
               <a:rPr lang="zh-TW" altLang="en-US" smtClean="0"/>
-              <a:t>2024/3/19</a:t>
+              <a:t>2024/3/20</a:t>
             </a:fld>
             <a:endParaRPr lang="zh-TW" altLang="en-US"/>
           </a:p>
@@ -1834,7 +1834,7 @@
           <a:p>
             <a:fld id="{19706069-D345-43C2-B511-2199960C95D3}" type="datetimeFigureOut">
               <a:rPr lang="zh-TW" altLang="en-US" smtClean="0"/>
-              <a:t>2024/3/19</a:t>
+              <a:t>2024/3/20</a:t>
             </a:fld>
             <a:endParaRPr lang="zh-TW" altLang="en-US"/>
           </a:p>
@@ -2109,7 +2109,7 @@
           <a:p>
             <a:fld id="{19706069-D345-43C2-B511-2199960C95D3}" type="datetimeFigureOut">
               <a:rPr lang="zh-TW" altLang="en-US" smtClean="0"/>
-              <a:t>2024/3/19</a:t>
+              <a:t>2024/3/20</a:t>
             </a:fld>
             <a:endParaRPr lang="zh-TW" altLang="en-US"/>
           </a:p>
@@ -2361,7 +2361,7 @@
           <a:p>
             <a:fld id="{19706069-D345-43C2-B511-2199960C95D3}" type="datetimeFigureOut">
               <a:rPr lang="zh-TW" altLang="en-US" smtClean="0"/>
-              <a:t>2024/3/19</a:t>
+              <a:t>2024/3/20</a:t>
             </a:fld>
             <a:endParaRPr lang="zh-TW" altLang="en-US"/>
           </a:p>
@@ -2572,7 +2572,7 @@
           <a:p>
             <a:fld id="{19706069-D345-43C2-B511-2199960C95D3}" type="datetimeFigureOut">
               <a:rPr lang="zh-TW" altLang="en-US" smtClean="0"/>
-              <a:t>2024/3/19</a:t>
+              <a:t>2024/3/20</a:t>
             </a:fld>
             <a:endParaRPr lang="zh-TW" altLang="en-US"/>
           </a:p>
@@ -3907,14 +3907,14 @@
       </p:grpSpPr>
       <p:sp>
         <p:nvSpPr>
-          <p:cNvPr id="2" name="文字方塊 1"/>
+          <p:cNvPr id="3" name="文字方塊 2"/>
           <p:cNvSpPr txBox="1"/>
           <p:nvPr/>
         </p:nvSpPr>
         <p:spPr>
           <a:xfrm>
-            <a:off x="2612572" y="1763485"/>
-            <a:ext cx="12204441" cy="3108543"/>
+            <a:off x="3707363" y="531844"/>
+            <a:ext cx="4777274" cy="1015663"/>
           </a:xfrm>
           <a:prstGeom prst="rect">
             <a:avLst/>
@@ -3927,175 +3927,167 @@
           </a:bodyPr>
           <a:lstStyle/>
           <a:p>
+            <a:pPr algn="ctr"/>
+            <a:r>
+              <a:rPr lang="en-US" altLang="zh-TW" sz="6000" dirty="0">
+                <a:latin typeface="Arial Black" panose="020B0A04020102020204" pitchFamily="34" charset="0"/>
+                <a:ea typeface="+mj-ea"/>
+                <a:cs typeface="+mj-cs"/>
+              </a:rPr>
+              <a:t>Spec</a:t>
+            </a:r>
+            <a:endParaRPr lang="zh-TW" altLang="en-US" sz="6000" dirty="0">
+              <a:latin typeface="Arial Black" panose="020B0A04020102020204" pitchFamily="34" charset="0"/>
+              <a:ea typeface="+mj-ea"/>
+              <a:cs typeface="+mj-cs"/>
+            </a:endParaRPr>
+          </a:p>
+        </p:txBody>
+      </p:sp>
+      <p:sp>
+        <p:nvSpPr>
+          <p:cNvPr id="5" name="文字方塊 4">
+            <a:extLst>
+              <a:ext uri="{FF2B5EF4-FFF2-40B4-BE49-F238E27FC236}">
+                <a16:creationId xmlns:a16="http://schemas.microsoft.com/office/drawing/2014/main" id="{CF876A2D-9A40-0029-7A32-B8A925FC8523}"/>
+              </a:ext>
+            </a:extLst>
+          </p:cNvPr>
+          <p:cNvSpPr txBox="1"/>
+          <p:nvPr/>
+        </p:nvSpPr>
+        <p:spPr>
+          <a:xfrm>
+            <a:off x="1640540" y="1674673"/>
+            <a:ext cx="8910919" cy="3508653"/>
+          </a:xfrm>
+          <a:prstGeom prst="rect">
+            <a:avLst/>
+          </a:prstGeom>
+          <a:noFill/>
+        </p:spPr>
+        <p:txBody>
+          <a:bodyPr wrap="square" rtlCol="0">
+            <a:spAutoFit/>
+          </a:bodyPr>
+          <a:lstStyle/>
+          <a:p>
+            <a:pPr marL="342900" indent="-342900">
+              <a:buAutoNum type="arabicPeriod"/>
+            </a:pPr>
+            <a:r>
+              <a:rPr lang="en-US" altLang="zh-TW" sz="2800" dirty="0">
+                <a:latin typeface="Arial Black" panose="020B0A04020102020204" pitchFamily="34" charset="0"/>
+              </a:rPr>
+              <a:t>Collab using GitHub (One Repo)</a:t>
+            </a:r>
+          </a:p>
+          <a:p>
+            <a:pPr marL="342900" indent="-342900">
+              <a:buAutoNum type="arabicPeriod"/>
+            </a:pPr>
+            <a:r>
+              <a:rPr lang="en-US" altLang="zh-TW" sz="2800" dirty="0">
+                <a:latin typeface="Arial Black" panose="020B0A04020102020204" pitchFamily="34" charset="0"/>
+              </a:rPr>
+              <a:t>Share the link with Jonathan.</a:t>
+            </a:r>
+          </a:p>
+          <a:p>
+            <a:pPr marL="342900" indent="-342900">
+              <a:buAutoNum type="arabicPeriod"/>
+            </a:pPr>
+            <a:r>
+              <a:rPr lang="en-US" altLang="zh-TW" sz="2800" dirty="0">
+                <a:latin typeface="Arial Black" panose="020B0A04020102020204" pitchFamily="34" charset="0"/>
+              </a:rPr>
+              <a:t>inputSTR.txt (20 sentences)</a:t>
+            </a:r>
+          </a:p>
+          <a:p>
+            <a:pPr marL="342900" indent="-342900">
+              <a:buAutoNum type="arabicPeriod"/>
+            </a:pPr>
+            <a:r>
+              <a:rPr lang="en-US" altLang="zh-TW" sz="2800" dirty="0">
+                <a:latin typeface="Arial Black" panose="020B0A04020102020204" pitchFamily="34" charset="0"/>
+              </a:rPr>
+              <a:t>Test using </a:t>
+            </a:r>
             <a:r>
               <a:rPr lang="en-US" altLang="zh-TW" sz="2800" dirty="0" err="1">
                 <a:latin typeface="Arial Black" panose="020B0A04020102020204" pitchFamily="34" charset="0"/>
               </a:rPr>
-              <a:t>inputSTR</a:t>
+              <a:t>caseparse</a:t>
             </a:r>
             <a:r>
               <a:rPr lang="en-US" altLang="zh-TW" sz="2800" dirty="0">
                 <a:latin typeface="Arial Black" panose="020B0A04020102020204" pitchFamily="34" charset="0"/>
               </a:rPr>
-              <a:t> = “</a:t>
-            </a:r>
-            <a:r>
-              <a:rPr lang="ja-JP" altLang="en-US" sz="2800" b="1" dirty="0">
+              <a:t>(</a:t>
+            </a:r>
+            <a:r>
+              <a:rPr lang="en-US" altLang="zh-TW" sz="2800" dirty="0" err="1">
+                <a:latin typeface="Arial Black" panose="020B0A04020102020204" pitchFamily="34" charset="0"/>
+              </a:rPr>
+              <a:t>inputLIST</a:t>
+            </a:r>
+            <a:r>
+              <a:rPr lang="en-US" altLang="zh-TW" sz="2800" dirty="0">
+                <a:latin typeface="Arial Black" panose="020B0A04020102020204" pitchFamily="34" charset="0"/>
+              </a:rPr>
+              <a:t>)</a:t>
+            </a:r>
+          </a:p>
+          <a:p>
+            <a:pPr marL="342900" indent="-342900">
+              <a:buAutoNum type="arabicPeriod"/>
+            </a:pPr>
+            <a:r>
+              <a:rPr lang="en-US" altLang="zh-TW" sz="2800" dirty="0">
                 <a:solidFill>
                   <a:srgbClr val="FF0000"/>
                 </a:solidFill>
                 <a:latin typeface="Arial Black" panose="020B0A04020102020204" pitchFamily="34" charset="0"/>
               </a:rPr>
-              <a:t>私</a:t>
-            </a:r>
-            <a:r>
-              <a:rPr lang="ja-JP" altLang="en-US" sz="2800" b="1" dirty="0">
-                <a:latin typeface="Arial Black" panose="020B0A04020102020204" pitchFamily="34" charset="0"/>
-              </a:rPr>
-              <a:t>は</a:t>
-            </a:r>
-            <a:r>
-              <a:rPr lang="ja-JP" altLang="en-US" sz="2800" b="1" dirty="0">
+              <a:t>For freshman : </a:t>
+            </a:r>
+          </a:p>
+          <a:p>
+            <a:r>
+              <a:rPr lang="en-US" altLang="zh-TW" sz="2800" dirty="0">
                 <a:solidFill>
                   <a:srgbClr val="FF0000"/>
                 </a:solidFill>
                 <a:latin typeface="Arial Black" panose="020B0A04020102020204" pitchFamily="34" charset="0"/>
               </a:rPr>
-              <a:t>ラーメン</a:t>
-            </a:r>
-            <a:r>
-              <a:rPr lang="ja-JP" altLang="en-US" sz="2800" b="1" dirty="0">
-                <a:latin typeface="Arial Black" panose="020B0A04020102020204" pitchFamily="34" charset="0"/>
-              </a:rPr>
-              <a:t>を</a:t>
-            </a:r>
-            <a:r>
-              <a:rPr lang="ja-JP" altLang="en-US" sz="2800" b="1" dirty="0">
-                <a:solidFill>
-                  <a:srgbClr val="FF0000"/>
-                </a:solidFill>
-                <a:latin typeface="Arial Black" panose="020B0A04020102020204" pitchFamily="34" charset="0"/>
-              </a:rPr>
-              <a:t>食べ</a:t>
-            </a:r>
-            <a:r>
-              <a:rPr lang="ja-JP" altLang="en-US" sz="2800" b="1" dirty="0">
-                <a:latin typeface="Arial Black" panose="020B0A04020102020204" pitchFamily="34" charset="0"/>
-              </a:rPr>
-              <a:t>ます</a:t>
-            </a:r>
-            <a:r>
-              <a:rPr lang="en-US" altLang="zh-TW" sz="2800" dirty="0">
-                <a:latin typeface="Arial Black" panose="020B0A04020102020204" pitchFamily="34" charset="0"/>
-              </a:rPr>
-              <a:t>”</a:t>
-            </a:r>
-          </a:p>
-          <a:p>
-            <a:endParaRPr lang="en-US" altLang="zh-TW" sz="2800" dirty="0">
-              <a:latin typeface="Arial Black" panose="020B0A04020102020204" pitchFamily="34" charset="0"/>
-            </a:endParaRPr>
-          </a:p>
-          <a:p>
-            <a:r>
-              <a:rPr lang="en-US" altLang="zh-TW" sz="2800" dirty="0" err="1">
-                <a:latin typeface="Arial Black" panose="020B0A04020102020204" pitchFamily="34" charset="0"/>
-              </a:rPr>
-              <a:t>resultDICT</a:t>
-            </a:r>
-            <a:r>
-              <a:rPr lang="en-US" altLang="zh-TW" sz="2800" dirty="0">
-                <a:latin typeface="Arial Black" panose="020B0A04020102020204" pitchFamily="34" charset="0"/>
-              </a:rPr>
-              <a:t> = {</a:t>
-            </a:r>
-          </a:p>
-          <a:p>
-            <a:r>
-              <a:rPr lang="en-US" altLang="zh-TW" sz="2800" dirty="0">
-                <a:latin typeface="Arial Black" panose="020B0A04020102020204" pitchFamily="34" charset="0"/>
-              </a:rPr>
-              <a:t>			“Subject”:”</a:t>
-            </a:r>
-            <a:r>
-              <a:rPr lang="ja-JP" altLang="en-US" sz="2800" b="1" dirty="0">
-                <a:solidFill>
-                  <a:srgbClr val="FF0000"/>
-                </a:solidFill>
-                <a:latin typeface="Arial Black" panose="020B0A04020102020204" pitchFamily="34" charset="0"/>
-              </a:rPr>
-              <a:t>私</a:t>
-            </a:r>
-            <a:r>
-              <a:rPr lang="en-US" altLang="zh-TW" sz="2800" dirty="0">
-                <a:latin typeface="Arial Black" panose="020B0A04020102020204" pitchFamily="34" charset="0"/>
-              </a:rPr>
-              <a:t>”, </a:t>
-            </a:r>
-          </a:p>
-          <a:p>
-            <a:r>
-              <a:rPr lang="en-US" altLang="zh-TW" sz="2800" dirty="0">
-                <a:latin typeface="Arial Black" panose="020B0A04020102020204" pitchFamily="34" charset="0"/>
-              </a:rPr>
-              <a:t>			“Object”:”</a:t>
-            </a:r>
-            <a:r>
-              <a:rPr lang="ja-JP" altLang="en-US" sz="2800" b="1" dirty="0">
-                <a:solidFill>
-                  <a:srgbClr val="FF0000"/>
-                </a:solidFill>
-                <a:latin typeface="Arial Black" panose="020B0A04020102020204" pitchFamily="34" charset="0"/>
-              </a:rPr>
-              <a:t>ラーメン</a:t>
-            </a:r>
-            <a:r>
-              <a:rPr lang="en-US" altLang="zh-TW" sz="2800" dirty="0">
-                <a:latin typeface="Arial Black" panose="020B0A04020102020204" pitchFamily="34" charset="0"/>
-              </a:rPr>
-              <a:t>”, </a:t>
-            </a:r>
-          </a:p>
-          <a:p>
-            <a:r>
-              <a:rPr lang="en-US" altLang="zh-TW" sz="2800" dirty="0">
-                <a:latin typeface="Arial Black" panose="020B0A04020102020204" pitchFamily="34" charset="0"/>
-              </a:rPr>
-              <a:t>			“Verb”:”</a:t>
-            </a:r>
-            <a:r>
-              <a:rPr lang="ja-JP" altLang="en-US" sz="2800" b="1" dirty="0">
-                <a:solidFill>
-                  <a:srgbClr val="FF0000"/>
-                </a:solidFill>
-                <a:latin typeface="Arial Black" panose="020B0A04020102020204" pitchFamily="34" charset="0"/>
-              </a:rPr>
-              <a:t>食べ</a:t>
-            </a:r>
-            <a:r>
-              <a:rPr lang="en-US" altLang="zh-TW" sz="2800" dirty="0">
-                <a:latin typeface="Arial Black" panose="020B0A04020102020204" pitchFamily="34" charset="0"/>
-              </a:rPr>
-              <a:t>”</a:t>
-            </a:r>
-          </a:p>
-          <a:p>
-            <a:r>
-              <a:rPr lang="en-US" altLang="zh-TW" sz="2800" dirty="0">
-                <a:latin typeface="Arial Black" panose="020B0A04020102020204" pitchFamily="34" charset="0"/>
-              </a:rPr>
-              <a:t>			}</a:t>
-            </a:r>
-            <a:endParaRPr lang="zh-TW" altLang="en-US" sz="2800" dirty="0">
-              <a:latin typeface="Arial Black" panose="020B0A04020102020204" pitchFamily="34" charset="0"/>
-            </a:endParaRPr>
+              <a:t>Lab Hour Thurs 14:30~16:30 by appointment</a:t>
+            </a:r>
+          </a:p>
+          <a:p>
+            <a:pPr marL="342900" indent="-342900">
+              <a:buAutoNum type="arabicPeriod"/>
+            </a:pPr>
+            <a:endParaRPr lang="en-US" altLang="zh-TW" dirty="0"/>
+          </a:p>
+          <a:p>
+            <a:pPr marL="342900" indent="-342900">
+              <a:buAutoNum type="arabicPeriod"/>
+            </a:pPr>
+            <a:endParaRPr lang="en-US" altLang="zh-TW" dirty="0"/>
+          </a:p>
+          <a:p>
+            <a:pPr marL="342900" indent="-342900">
+              <a:buAutoNum type="arabicPeriod"/>
+            </a:pPr>
+            <a:endParaRPr lang="zh-TW" altLang="en-US" dirty="0"/>
           </a:p>
         </p:txBody>
       </p:sp>
     </p:spTree>
     <p:extLst>
       <p:ext uri="{BB962C8B-B14F-4D97-AF65-F5344CB8AC3E}">
-        <p14:creationId xmlns:p14="http://schemas.microsoft.com/office/powerpoint/2010/main" val="3459649001"/>
+        <p14:creationId xmlns:p14="http://schemas.microsoft.com/office/powerpoint/2010/main" val="3695506599"/>
       </p:ext>
     </p:extLst>
   </p:cSld>
@@ -4124,14 +4116,14 @@
       </p:grpSpPr>
       <p:sp>
         <p:nvSpPr>
-          <p:cNvPr id="3" name="文字方塊 2"/>
+          <p:cNvPr id="2" name="文字方塊 1"/>
           <p:cNvSpPr txBox="1"/>
           <p:nvPr/>
         </p:nvSpPr>
         <p:spPr>
           <a:xfrm>
-            <a:off x="3707363" y="531844"/>
-            <a:ext cx="4777274" cy="1015663"/>
+            <a:off x="2880426" y="797510"/>
+            <a:ext cx="12204441" cy="5262979"/>
           </a:xfrm>
           <a:prstGeom prst="rect">
             <a:avLst/>
@@ -4144,167 +4136,308 @@
           </a:bodyPr>
           <a:lstStyle/>
           <a:p>
-            <a:pPr algn="ctr"/>
-            <a:r>
-              <a:rPr lang="en-US" altLang="zh-TW" sz="6000" dirty="0">
-                <a:latin typeface="Arial Black" panose="020B0A04020102020204" pitchFamily="34" charset="0"/>
-                <a:ea typeface="+mj-ea"/>
-                <a:cs typeface="+mj-cs"/>
-              </a:rPr>
-              <a:t>Spec</a:t>
-            </a:r>
-            <a:endParaRPr lang="zh-TW" altLang="en-US" sz="6000" dirty="0">
-              <a:latin typeface="Arial Black" panose="020B0A04020102020204" pitchFamily="34" charset="0"/>
-              <a:ea typeface="+mj-ea"/>
-              <a:cs typeface="+mj-cs"/>
-            </a:endParaRPr>
-          </a:p>
-        </p:txBody>
-      </p:sp>
-      <p:sp>
-        <p:nvSpPr>
-          <p:cNvPr id="5" name="文字方塊 4">
-            <a:extLst>
-              <a:ext uri="{FF2B5EF4-FFF2-40B4-BE49-F238E27FC236}">
-                <a16:creationId xmlns:a16="http://schemas.microsoft.com/office/drawing/2014/main" id="{CF876A2D-9A40-0029-7A32-B8A925FC8523}"/>
-              </a:ext>
-            </a:extLst>
-          </p:cNvPr>
-          <p:cNvSpPr txBox="1"/>
-          <p:nvPr/>
-        </p:nvSpPr>
-        <p:spPr>
-          <a:xfrm>
-            <a:off x="1640540" y="1674673"/>
-            <a:ext cx="8910919" cy="3508653"/>
-          </a:xfrm>
-          <a:prstGeom prst="rect">
-            <a:avLst/>
-          </a:prstGeom>
-          <a:noFill/>
-        </p:spPr>
-        <p:txBody>
-          <a:bodyPr wrap="square" rtlCol="0">
-            <a:spAutoFit/>
-          </a:bodyPr>
-          <a:lstStyle/>
-          <a:p>
-            <a:pPr marL="342900" indent="-342900">
-              <a:buAutoNum type="arabicPeriod"/>
-            </a:pPr>
+            <a:r>
+              <a:rPr lang="en-US" altLang="zh-TW" sz="2800" dirty="0" err="1">
+                <a:latin typeface="Arial Black" panose="020B0A04020102020204" pitchFamily="34" charset="0"/>
+              </a:rPr>
+              <a:t>inputSTR</a:t>
+            </a:r>
             <a:r>
               <a:rPr lang="en-US" altLang="zh-TW" sz="2800" dirty="0">
                 <a:latin typeface="Arial Black" panose="020B0A04020102020204" pitchFamily="34" charset="0"/>
               </a:rPr>
-              <a:t>Collab using GitHub (One Repo)</a:t>
-            </a:r>
-          </a:p>
-          <a:p>
-            <a:pPr marL="342900" indent="-342900">
-              <a:buAutoNum type="arabicPeriod"/>
-            </a:pPr>
-            <a:r>
-              <a:rPr lang="en-US" altLang="zh-TW" sz="2800" dirty="0">
-                <a:latin typeface="Arial Black" panose="020B0A04020102020204" pitchFamily="34" charset="0"/>
-              </a:rPr>
-              <a:t>Share the link with Jonathan.</a:t>
-            </a:r>
-          </a:p>
-          <a:p>
-            <a:pPr marL="342900" indent="-342900">
-              <a:buAutoNum type="arabicPeriod"/>
-            </a:pPr>
-            <a:r>
-              <a:rPr lang="en-US" altLang="zh-TW" sz="2800" dirty="0">
-                <a:latin typeface="Arial Black" panose="020B0A04020102020204" pitchFamily="34" charset="0"/>
-              </a:rPr>
-              <a:t>inputSTR.txt (20 sentences)</a:t>
-            </a:r>
-          </a:p>
-          <a:p>
-            <a:pPr marL="342900" indent="-342900">
-              <a:buAutoNum type="arabicPeriod"/>
-            </a:pPr>
-            <a:r>
-              <a:rPr lang="en-US" altLang="zh-TW" sz="2800" dirty="0">
-                <a:latin typeface="Arial Black" panose="020B0A04020102020204" pitchFamily="34" charset="0"/>
-              </a:rPr>
-              <a:t>Test using </a:t>
-            </a:r>
-            <a:r>
-              <a:rPr lang="en-US" altLang="zh-TW" sz="2800" dirty="0" err="1">
-                <a:latin typeface="Arial Black" panose="020B0A04020102020204" pitchFamily="34" charset="0"/>
-              </a:rPr>
-              <a:t>caseparse</a:t>
-            </a:r>
-            <a:r>
-              <a:rPr lang="en-US" altLang="zh-TW" sz="2800" dirty="0">
-                <a:latin typeface="Arial Black" panose="020B0A04020102020204" pitchFamily="34" charset="0"/>
-              </a:rPr>
-              <a:t>(</a:t>
-            </a:r>
-            <a:r>
-              <a:rPr lang="en-US" altLang="zh-TW" sz="2800" dirty="0" err="1">
-                <a:latin typeface="Arial Black" panose="020B0A04020102020204" pitchFamily="34" charset="0"/>
-              </a:rPr>
-              <a:t>inputLIST</a:t>
-            </a:r>
-            <a:r>
-              <a:rPr lang="en-US" altLang="zh-TW" sz="2800" dirty="0">
-                <a:latin typeface="Arial Black" panose="020B0A04020102020204" pitchFamily="34" charset="0"/>
-              </a:rPr>
-              <a:t>)</a:t>
-            </a:r>
-          </a:p>
-          <a:p>
-            <a:pPr marL="342900" indent="-342900">
-              <a:buAutoNum type="arabicPeriod"/>
-            </a:pPr>
-            <a:r>
-              <a:rPr lang="en-US" altLang="zh-TW" sz="2800" dirty="0">
+              <a:t> = “</a:t>
+            </a:r>
+            <a:r>
+              <a:rPr lang="ja-JP" altLang="en-US" sz="2800" b="1" dirty="0">
                 <a:solidFill>
                   <a:srgbClr val="FF0000"/>
                 </a:solidFill>
                 <a:latin typeface="Arial Black" panose="020B0A04020102020204" pitchFamily="34" charset="0"/>
               </a:rPr>
-              <a:t>For freshman : </a:t>
-            </a:r>
-          </a:p>
-          <a:p>
-            <a:r>
-              <a:rPr lang="en-US" altLang="zh-TW" sz="2800" dirty="0">
+              <a:t>私</a:t>
+            </a:r>
+            <a:r>
+              <a:rPr lang="ja-JP" altLang="en-US" sz="2800" b="1" dirty="0">
+                <a:latin typeface="Arial Black" panose="020B0A04020102020204" pitchFamily="34" charset="0"/>
+              </a:rPr>
+              <a:t>は</a:t>
+            </a:r>
+            <a:r>
+              <a:rPr lang="ja-JP" altLang="en-US" sz="2800" b="1" dirty="0">
                 <a:solidFill>
                   <a:srgbClr val="FF0000"/>
                 </a:solidFill>
                 <a:latin typeface="Arial Black" panose="020B0A04020102020204" pitchFamily="34" charset="0"/>
               </a:rPr>
-              <a:t>Lab Hour Thurs 14:30~16:30 by appointment</a:t>
-            </a:r>
-          </a:p>
-          <a:p>
-            <a:pPr marL="342900" indent="-342900">
-              <a:buAutoNum type="arabicPeriod"/>
-            </a:pPr>
-            <a:endParaRPr lang="en-US" altLang="zh-TW" dirty="0"/>
-          </a:p>
-          <a:p>
-            <a:pPr marL="342900" indent="-342900">
-              <a:buAutoNum type="arabicPeriod"/>
-            </a:pPr>
-            <a:endParaRPr lang="en-US" altLang="zh-TW" dirty="0"/>
-          </a:p>
-          <a:p>
-            <a:pPr marL="342900" indent="-342900">
-              <a:buAutoNum type="arabicPeriod"/>
-            </a:pPr>
-            <a:endParaRPr lang="zh-TW" altLang="en-US" dirty="0"/>
+              <a:t>ラーメン</a:t>
+            </a:r>
+            <a:r>
+              <a:rPr lang="ja-JP" altLang="en-US" sz="2800" b="1" dirty="0">
+                <a:latin typeface="Arial Black" panose="020B0A04020102020204" pitchFamily="34" charset="0"/>
+              </a:rPr>
+              <a:t>を</a:t>
+            </a:r>
+            <a:r>
+              <a:rPr lang="ja-JP" altLang="en-US" sz="2800" b="1" dirty="0">
+                <a:solidFill>
+                  <a:srgbClr val="FF0000"/>
+                </a:solidFill>
+                <a:latin typeface="Arial Black" panose="020B0A04020102020204" pitchFamily="34" charset="0"/>
+              </a:rPr>
+              <a:t>食べ</a:t>
+            </a:r>
+            <a:r>
+              <a:rPr lang="ja-JP" altLang="en-US" sz="2800" b="1" dirty="0">
+                <a:latin typeface="Arial Black" panose="020B0A04020102020204" pitchFamily="34" charset="0"/>
+              </a:rPr>
+              <a:t>ます</a:t>
+            </a:r>
+            <a:r>
+              <a:rPr lang="en-US" altLang="zh-TW" sz="2800" dirty="0">
+                <a:latin typeface="Arial Black" panose="020B0A04020102020204" pitchFamily="34" charset="0"/>
+              </a:rPr>
+              <a:t>”</a:t>
+            </a:r>
+          </a:p>
+          <a:p>
+            <a:endParaRPr lang="en-US" altLang="zh-TW" sz="2800" dirty="0">
+              <a:latin typeface="Arial Black" panose="020B0A04020102020204" pitchFamily="34" charset="0"/>
+            </a:endParaRPr>
+          </a:p>
+          <a:p>
+            <a:r>
+              <a:rPr lang="en-US" altLang="zh-TW" sz="2800" dirty="0" err="1">
+                <a:latin typeface="Arial Black" panose="020B0A04020102020204" pitchFamily="34" charset="0"/>
+              </a:rPr>
+              <a:t>resultDICT</a:t>
+            </a:r>
+            <a:r>
+              <a:rPr lang="en-US" altLang="zh-TW" sz="2800" dirty="0">
+                <a:latin typeface="Arial Black" panose="020B0A04020102020204" pitchFamily="34" charset="0"/>
+              </a:rPr>
+              <a:t> = {</a:t>
+            </a:r>
+          </a:p>
+          <a:p>
+            <a:r>
+              <a:rPr lang="en-US" altLang="zh-TW" sz="2800" dirty="0">
+                <a:latin typeface="Arial Black" panose="020B0A04020102020204" pitchFamily="34" charset="0"/>
+              </a:rPr>
+              <a:t>			“Subject”:”</a:t>
+            </a:r>
+            <a:r>
+              <a:rPr lang="ja-JP" altLang="en-US" sz="2800" b="1" dirty="0">
+                <a:solidFill>
+                  <a:srgbClr val="FF0000"/>
+                </a:solidFill>
+                <a:latin typeface="Arial Black" panose="020B0A04020102020204" pitchFamily="34" charset="0"/>
+              </a:rPr>
+              <a:t>私</a:t>
+            </a:r>
+            <a:r>
+              <a:rPr lang="en-US" altLang="zh-TW" sz="2800" dirty="0">
+                <a:latin typeface="Arial Black" panose="020B0A04020102020204" pitchFamily="34" charset="0"/>
+              </a:rPr>
+              <a:t>”, </a:t>
+            </a:r>
+          </a:p>
+          <a:p>
+            <a:r>
+              <a:rPr lang="en-US" altLang="zh-TW" sz="2800" dirty="0">
+                <a:latin typeface="Arial Black" panose="020B0A04020102020204" pitchFamily="34" charset="0"/>
+              </a:rPr>
+              <a:t>			“Object”:”</a:t>
+            </a:r>
+            <a:r>
+              <a:rPr lang="ja-JP" altLang="en-US" sz="2800" b="1" dirty="0">
+                <a:solidFill>
+                  <a:srgbClr val="FF0000"/>
+                </a:solidFill>
+                <a:latin typeface="Arial Black" panose="020B0A04020102020204" pitchFamily="34" charset="0"/>
+              </a:rPr>
+              <a:t>ラーメン</a:t>
+            </a:r>
+            <a:r>
+              <a:rPr lang="en-US" altLang="zh-TW" sz="2800" dirty="0">
+                <a:latin typeface="Arial Black" panose="020B0A04020102020204" pitchFamily="34" charset="0"/>
+              </a:rPr>
+              <a:t>”, </a:t>
+            </a:r>
+          </a:p>
+          <a:p>
+            <a:r>
+              <a:rPr lang="en-US" altLang="zh-TW" sz="2800" dirty="0">
+                <a:latin typeface="Arial Black" panose="020B0A04020102020204" pitchFamily="34" charset="0"/>
+              </a:rPr>
+              <a:t>			“Verb”:”</a:t>
+            </a:r>
+            <a:r>
+              <a:rPr lang="ja-JP" altLang="en-US" sz="2800" b="1" dirty="0">
+                <a:solidFill>
+                  <a:srgbClr val="FF0000"/>
+                </a:solidFill>
+                <a:latin typeface="Arial Black" panose="020B0A04020102020204" pitchFamily="34" charset="0"/>
+              </a:rPr>
+              <a:t>食べ</a:t>
+            </a:r>
+            <a:r>
+              <a:rPr lang="en-US" altLang="zh-TW" sz="2800" dirty="0">
+                <a:latin typeface="Arial Black" panose="020B0A04020102020204" pitchFamily="34" charset="0"/>
+              </a:rPr>
+              <a:t>”</a:t>
+            </a:r>
+          </a:p>
+          <a:p>
+            <a:r>
+              <a:rPr lang="en-US" altLang="zh-TW" sz="2800" dirty="0">
+                <a:latin typeface="Arial Black" panose="020B0A04020102020204" pitchFamily="34" charset="0"/>
+              </a:rPr>
+              <a:t>			}</a:t>
+            </a:r>
+          </a:p>
+          <a:p>
+            <a:endParaRPr lang="en-US" altLang="zh-TW" sz="2800" dirty="0">
+              <a:latin typeface="Arial Black" panose="020B0A04020102020204" pitchFamily="34" charset="0"/>
+            </a:endParaRPr>
+          </a:p>
+          <a:p>
+            <a:r>
+              <a:rPr lang="en-US" altLang="zh-TW" sz="2800" dirty="0">
+                <a:latin typeface="Arial Black" panose="020B0A04020102020204" pitchFamily="34" charset="0"/>
+              </a:rPr>
+              <a:t>def </a:t>
+            </a:r>
+            <a:r>
+              <a:rPr lang="en-US" altLang="zh-TW" sz="2800" dirty="0" err="1">
+                <a:latin typeface="Arial Black" panose="020B0A04020102020204" pitchFamily="34" charset="0"/>
+              </a:rPr>
+              <a:t>caseparse</a:t>
+            </a:r>
+            <a:r>
+              <a:rPr lang="en-US" altLang="zh-TW" sz="2800" dirty="0">
+                <a:latin typeface="Arial Black" panose="020B0A04020102020204" pitchFamily="34" charset="0"/>
+              </a:rPr>
+              <a:t>(</a:t>
+            </a:r>
+            <a:r>
+              <a:rPr lang="en-US" altLang="zh-TW" sz="2800" dirty="0" err="1">
+                <a:latin typeface="Arial Black" panose="020B0A04020102020204" pitchFamily="34" charset="0"/>
+              </a:rPr>
+              <a:t>inputLIST</a:t>
+            </a:r>
+            <a:r>
+              <a:rPr lang="en-US" altLang="zh-TW" sz="2800" dirty="0">
+                <a:latin typeface="Arial Black" panose="020B0A04020102020204" pitchFamily="34" charset="0"/>
+              </a:rPr>
+              <a:t>):</a:t>
+            </a:r>
+          </a:p>
+          <a:p>
+            <a:r>
+              <a:rPr lang="en-US" altLang="zh-TW" sz="2800" dirty="0">
+                <a:latin typeface="Arial Black" panose="020B0A04020102020204" pitchFamily="34" charset="0"/>
+              </a:rPr>
+              <a:t>	</a:t>
+            </a:r>
+            <a:r>
+              <a:rPr lang="en-US" altLang="zh-TW" sz="2800" dirty="0" err="1">
+                <a:latin typeface="Arial Black" panose="020B0A04020102020204" pitchFamily="34" charset="0"/>
+              </a:rPr>
+              <a:t>extractSubject</a:t>
+            </a:r>
+            <a:r>
+              <a:rPr lang="en-US" altLang="zh-TW" sz="2800" dirty="0">
+                <a:latin typeface="Arial Black" panose="020B0A04020102020204" pitchFamily="34" charset="0"/>
+              </a:rPr>
+              <a:t>(</a:t>
+            </a:r>
+            <a:r>
+              <a:rPr lang="en-US" altLang="zh-TW" sz="2800" dirty="0" err="1">
+                <a:latin typeface="Arial Black" panose="020B0A04020102020204" pitchFamily="34" charset="0"/>
+              </a:rPr>
+              <a:t>inputLIST</a:t>
+            </a:r>
+            <a:r>
+              <a:rPr lang="en-US" altLang="zh-TW" sz="2800" dirty="0">
+                <a:latin typeface="Arial Black" panose="020B0A04020102020204" pitchFamily="34" charset="0"/>
+              </a:rPr>
+              <a:t>)</a:t>
+            </a:r>
+          </a:p>
+          <a:p>
+            <a:r>
+              <a:rPr lang="en-US" altLang="zh-TW" sz="2800" dirty="0">
+                <a:latin typeface="Arial Black" panose="020B0A04020102020204" pitchFamily="34" charset="0"/>
+              </a:rPr>
+              <a:t>	</a:t>
+            </a:r>
+            <a:r>
+              <a:rPr lang="en-US" altLang="zh-TW" sz="2800" dirty="0" err="1">
+                <a:latin typeface="Arial Black" panose="020B0A04020102020204" pitchFamily="34" charset="0"/>
+              </a:rPr>
+              <a:t>extractObject</a:t>
+            </a:r>
+            <a:r>
+              <a:rPr lang="en-US" altLang="zh-TW" sz="2800" dirty="0">
+                <a:latin typeface="Arial Black" panose="020B0A04020102020204" pitchFamily="34" charset="0"/>
+              </a:rPr>
+              <a:t>(</a:t>
+            </a:r>
+            <a:r>
+              <a:rPr lang="en-US" altLang="zh-TW" sz="2800" dirty="0" err="1">
+                <a:latin typeface="Arial Black" panose="020B0A04020102020204" pitchFamily="34" charset="0"/>
+              </a:rPr>
+              <a:t>inputLIST</a:t>
+            </a:r>
+            <a:r>
+              <a:rPr lang="en-US" altLang="zh-TW" sz="2800" dirty="0">
+                <a:latin typeface="Arial Black" panose="020B0A04020102020204" pitchFamily="34" charset="0"/>
+              </a:rPr>
+              <a:t>)</a:t>
+            </a:r>
+          </a:p>
+          <a:p>
+            <a:r>
+              <a:rPr lang="en-US" altLang="zh-TW" sz="2800" dirty="0">
+                <a:latin typeface="Arial Black" panose="020B0A04020102020204" pitchFamily="34" charset="0"/>
+              </a:rPr>
+              <a:t>	</a:t>
+            </a:r>
+            <a:r>
+              <a:rPr lang="en-US" altLang="zh-TW" sz="2800" dirty="0" err="1">
+                <a:latin typeface="Arial Black" panose="020B0A04020102020204" pitchFamily="34" charset="0"/>
+              </a:rPr>
+              <a:t>extractVerb</a:t>
+            </a:r>
+            <a:r>
+              <a:rPr lang="en-US" altLang="zh-TW" sz="2800" dirty="0">
+                <a:latin typeface="Arial Black" panose="020B0A04020102020204" pitchFamily="34" charset="0"/>
+              </a:rPr>
+              <a:t> (</a:t>
+            </a:r>
+            <a:r>
+              <a:rPr lang="en-US" altLang="zh-TW" sz="2800" dirty="0" err="1">
+                <a:latin typeface="Arial Black" panose="020B0A04020102020204" pitchFamily="34" charset="0"/>
+              </a:rPr>
+              <a:t>inputLIST</a:t>
+            </a:r>
+            <a:r>
+              <a:rPr lang="en-US" altLang="zh-TW" sz="2800" dirty="0">
+                <a:latin typeface="Arial Black" panose="020B0A04020102020204" pitchFamily="34" charset="0"/>
+              </a:rPr>
+              <a:t>)</a:t>
+            </a:r>
+            <a:endParaRPr lang="zh-TW" altLang="en-US" sz="2800" dirty="0">
+              <a:latin typeface="Arial Black" panose="020B0A04020102020204" pitchFamily="34" charset="0"/>
+            </a:endParaRPr>
           </a:p>
         </p:txBody>
       </p:sp>
     </p:spTree>
     <p:extLst>
       <p:ext uri="{BB962C8B-B14F-4D97-AF65-F5344CB8AC3E}">
-        <p14:creationId xmlns:p14="http://schemas.microsoft.com/office/powerpoint/2010/main" val="3695506599"/>
+        <p14:creationId xmlns:p14="http://schemas.microsoft.com/office/powerpoint/2010/main" val="3459649001"/>
       </p:ext>
     </p:extLst>
   </p:cSld>

--- a/Week03_Case_Extraction/Week 03.pptx
+++ b/Week03_Case_Extraction/Week 03.pptx
@@ -4061,7 +4061,25 @@
                 </a:solidFill>
                 <a:latin typeface="Arial Black" panose="020B0A04020102020204" pitchFamily="34" charset="0"/>
               </a:rPr>
-              <a:t>Lab Hour Thurs 14:30~16:30 by appointment</a:t>
+              <a:t>Lab </a:t>
+            </a:r>
+            <a:r>
+              <a:rPr lang="en-US" altLang="zh-TW" sz="2800">
+                <a:solidFill>
+                  <a:srgbClr val="FF0000"/>
+                </a:solidFill>
+                <a:latin typeface="Arial Black" panose="020B0A04020102020204" pitchFamily="34" charset="0"/>
+              </a:rPr>
+              <a:t>Hour Tues </a:t>
+            </a:r>
+            <a:r>
+              <a:rPr lang="en-US" altLang="zh-TW" sz="2800" dirty="0">
+                <a:solidFill>
+                  <a:srgbClr val="FF0000"/>
+                </a:solidFill>
+                <a:latin typeface="Arial Black" panose="020B0A04020102020204" pitchFamily="34" charset="0"/>
+              </a:rPr>
+              <a:t>14:30~16:30 by appointment</a:t>
             </a:r>
           </a:p>
           <a:p>
